--- a/#1 Introduction to Artificial Intelligence (AI).pptx
+++ b/#1 Introduction to Artificial Intelligence (AI).pptx
@@ -17,7 +17,19 @@
     <p:sldId id="266" r:id="rId11"/>
     <p:sldId id="267" r:id="rId12"/>
     <p:sldId id="268" r:id="rId13"/>
-    <p:sldId id="262" r:id="rId14"/>
+    <p:sldId id="269" r:id="rId14"/>
+    <p:sldId id="270" r:id="rId15"/>
+    <p:sldId id="277" r:id="rId16"/>
+    <p:sldId id="271" r:id="rId17"/>
+    <p:sldId id="272" r:id="rId18"/>
+    <p:sldId id="273" r:id="rId19"/>
+    <p:sldId id="274" r:id="rId20"/>
+    <p:sldId id="278" r:id="rId21"/>
+    <p:sldId id="275" r:id="rId22"/>
+    <p:sldId id="276" r:id="rId23"/>
+    <p:sldId id="279" r:id="rId24"/>
+    <p:sldId id="280" r:id="rId25"/>
+    <p:sldId id="281" r:id="rId26"/>
   </p:sldIdLst>
   <p:sldSz cx="12192000" cy="6858000"/>
   <p:notesSz cx="6858000" cy="9144000"/>
@@ -271,7 +283,7 @@
           <a:p>
             <a:fld id="{E0E261C3-7C90-4FD9-B0C2-C21BDC77CDDF}" type="datetimeFigureOut">
               <a:rPr lang="en-US" smtClean="0"/>
-              <a:t>4/19/2025</a:t>
+              <a:t>5/10/2025</a:t>
             </a:fld>
             <a:endParaRPr lang="en-US"/>
           </a:p>
@@ -469,7 +481,7 @@
           <a:p>
             <a:fld id="{E0E261C3-7C90-4FD9-B0C2-C21BDC77CDDF}" type="datetimeFigureOut">
               <a:rPr lang="en-US" smtClean="0"/>
-              <a:t>4/19/2025</a:t>
+              <a:t>5/10/2025</a:t>
             </a:fld>
             <a:endParaRPr lang="en-US"/>
           </a:p>
@@ -677,7 +689,7 @@
           <a:p>
             <a:fld id="{E0E261C3-7C90-4FD9-B0C2-C21BDC77CDDF}" type="datetimeFigureOut">
               <a:rPr lang="en-US" smtClean="0"/>
-              <a:t>4/19/2025</a:t>
+              <a:t>5/10/2025</a:t>
             </a:fld>
             <a:endParaRPr lang="en-US"/>
           </a:p>
@@ -875,7 +887,7 @@
           <a:p>
             <a:fld id="{E0E261C3-7C90-4FD9-B0C2-C21BDC77CDDF}" type="datetimeFigureOut">
               <a:rPr lang="en-US" smtClean="0"/>
-              <a:t>4/19/2025</a:t>
+              <a:t>5/10/2025</a:t>
             </a:fld>
             <a:endParaRPr lang="en-US"/>
           </a:p>
@@ -1150,7 +1162,7 @@
           <a:p>
             <a:fld id="{E0E261C3-7C90-4FD9-B0C2-C21BDC77CDDF}" type="datetimeFigureOut">
               <a:rPr lang="en-US" smtClean="0"/>
-              <a:t>4/19/2025</a:t>
+              <a:t>5/10/2025</a:t>
             </a:fld>
             <a:endParaRPr lang="en-US"/>
           </a:p>
@@ -1415,7 +1427,7 @@
           <a:p>
             <a:fld id="{E0E261C3-7C90-4FD9-B0C2-C21BDC77CDDF}" type="datetimeFigureOut">
               <a:rPr lang="en-US" smtClean="0"/>
-              <a:t>4/19/2025</a:t>
+              <a:t>5/10/2025</a:t>
             </a:fld>
             <a:endParaRPr lang="en-US"/>
           </a:p>
@@ -1827,7 +1839,7 @@
           <a:p>
             <a:fld id="{E0E261C3-7C90-4FD9-B0C2-C21BDC77CDDF}" type="datetimeFigureOut">
               <a:rPr lang="en-US" smtClean="0"/>
-              <a:t>4/19/2025</a:t>
+              <a:t>5/10/2025</a:t>
             </a:fld>
             <a:endParaRPr lang="en-US"/>
           </a:p>
@@ -1968,7 +1980,7 @@
           <a:p>
             <a:fld id="{E0E261C3-7C90-4FD9-B0C2-C21BDC77CDDF}" type="datetimeFigureOut">
               <a:rPr lang="en-US" smtClean="0"/>
-              <a:t>4/19/2025</a:t>
+              <a:t>5/10/2025</a:t>
             </a:fld>
             <a:endParaRPr lang="en-US"/>
           </a:p>
@@ -2081,7 +2093,7 @@
           <a:p>
             <a:fld id="{E0E261C3-7C90-4FD9-B0C2-C21BDC77CDDF}" type="datetimeFigureOut">
               <a:rPr lang="en-US" smtClean="0"/>
-              <a:t>4/19/2025</a:t>
+              <a:t>5/10/2025</a:t>
             </a:fld>
             <a:endParaRPr lang="en-US"/>
           </a:p>
@@ -2392,7 +2404,7 @@
           <a:p>
             <a:fld id="{E0E261C3-7C90-4FD9-B0C2-C21BDC77CDDF}" type="datetimeFigureOut">
               <a:rPr lang="en-US" smtClean="0"/>
-              <a:t>4/19/2025</a:t>
+              <a:t>5/10/2025</a:t>
             </a:fld>
             <a:endParaRPr lang="en-US"/>
           </a:p>
@@ -2680,7 +2692,7 @@
           <a:p>
             <a:fld id="{E0E261C3-7C90-4FD9-B0C2-C21BDC77CDDF}" type="datetimeFigureOut">
               <a:rPr lang="en-US" smtClean="0"/>
-              <a:t>4/19/2025</a:t>
+              <a:t>5/10/2025</a:t>
             </a:fld>
             <a:endParaRPr lang="en-US"/>
           </a:p>
@@ -2921,7 +2933,7 @@
           <a:p>
             <a:fld id="{E0E261C3-7C90-4FD9-B0C2-C21BDC77CDDF}" type="datetimeFigureOut">
               <a:rPr lang="en-US" smtClean="0"/>
-              <a:t>4/19/2025</a:t>
+              <a:t>5/10/2025</a:t>
             </a:fld>
             <a:endParaRPr lang="en-US"/>
           </a:p>
@@ -3893,7 +3905,7 @@
           <p:cNvPr id="2" name="Title 1">
             <a:extLst>
               <a:ext uri="{FF2B5EF4-FFF2-40B4-BE49-F238E27FC236}">
-                <a16:creationId xmlns:a16="http://schemas.microsoft.com/office/drawing/2014/main" id="{2A894341-1422-3D6A-15A3-D1B7C02BE590}"/>
+                <a16:creationId xmlns:a16="http://schemas.microsoft.com/office/drawing/2014/main" id="{5D336B1B-DDFC-2AD4-3D56-939E4DA7818B}"/>
               </a:ext>
             </a:extLst>
           </p:cNvPr>
@@ -3910,10 +3922,9 @@
           <a:lstStyle/>
           <a:p>
             <a:r>
-              <a:rPr lang="en-US" b="1" dirty="0"/>
-              <a:t>Intelligent Agents</a:t>
-            </a:r>
-            <a:endParaRPr lang="en-US" dirty="0"/>
+              <a:rPr lang="en-US" dirty="0"/>
+              <a:t>Depth First Search (DFS) Algorithm</a:t>
+            </a:r>
           </a:p>
         </p:txBody>
       </p:sp>
@@ -3922,7 +3933,7 @@
           <p:cNvPr id="3" name="Content Placeholder 2">
             <a:extLst>
               <a:ext uri="{FF2B5EF4-FFF2-40B4-BE49-F238E27FC236}">
-                <a16:creationId xmlns:a16="http://schemas.microsoft.com/office/drawing/2014/main" id="{551404F9-DF87-7F2B-83CC-EF5F8F4792CE}"/>
+                <a16:creationId xmlns:a16="http://schemas.microsoft.com/office/drawing/2014/main" id="{5265F6E3-3CE2-55A9-0D3C-F43591734C8D}"/>
               </a:ext>
             </a:extLst>
           </p:cNvPr>
@@ -3938,62 +3949,111 @@
           <a:bodyPr/>
           <a:lstStyle/>
           <a:p>
+            <a:r>
+              <a:rPr lang="en-US" dirty="0"/>
+              <a:t>Depth First Search (DFS) is a </a:t>
+            </a:r>
+            <a:r>
+              <a:rPr lang="en-US" dirty="0">
+                <a:solidFill>
+                  <a:srgbClr val="FF0000"/>
+                </a:solidFill>
+              </a:rPr>
+              <a:t>graph traversal </a:t>
+            </a:r>
+            <a:r>
+              <a:rPr lang="en-US" dirty="0"/>
+              <a:t>algorithm that starts from a source node and explores as far as possible along each branch before </a:t>
+            </a:r>
+            <a:r>
+              <a:rPr lang="en-US" dirty="0">
+                <a:solidFill>
+                  <a:srgbClr val="FF0000"/>
+                </a:solidFill>
+              </a:rPr>
+              <a:t>backtracking</a:t>
+            </a:r>
+            <a:r>
+              <a:rPr lang="en-US" dirty="0"/>
+              <a:t>.</a:t>
+            </a:r>
+          </a:p>
+          <a:p>
+            <a:pPr marL="0" indent="0">
+              <a:buNone/>
+            </a:pPr>
+            <a:endParaRPr lang="en-US" dirty="0"/>
+          </a:p>
+          <a:p>
+            <a:pPr>
+              <a:buNone/>
+            </a:pPr>
+            <a:r>
+              <a:rPr lang="en-US" b="1" dirty="0"/>
+              <a:t>Key Features:</a:t>
+            </a:r>
+            <a:endParaRPr lang="en-US" dirty="0"/>
+          </a:p>
+          <a:p>
             <a:pPr>
               <a:buFont typeface="Arial" panose="020B0604020202020204" pitchFamily="34" charset="0"/>
               <a:buChar char="•"/>
             </a:pPr>
             <a:r>
               <a:rPr lang="en-US" dirty="0"/>
-              <a:t>An agent perceives its environment through sensors and acts upon it through actuators.</a:t>
-            </a:r>
-          </a:p>
-          <a:p>
-            <a:pPr marL="0" indent="0">
-              <a:buNone/>
-            </a:pPr>
-            <a:endParaRPr lang="en-US" b="1" dirty="0"/>
-          </a:p>
-          <a:p>
-            <a:pPr marL="0" indent="0">
-              <a:buNone/>
-            </a:pPr>
+              <a:t>Uses </a:t>
+            </a:r>
             <a:r>
               <a:rPr lang="en-US" b="1" dirty="0"/>
-              <a:t>Goal:</a:t>
+              <a:t>recursion</a:t>
             </a:r>
             <a:r>
               <a:rPr lang="en-US" dirty="0"/>
-              <a:t> Choose actions that maximize performance.</a:t>
-            </a:r>
+              <a:t> or a </a:t>
+            </a:r>
+            <a:r>
+              <a:rPr lang="en-US" b="1" dirty="0"/>
+              <a:t>stack</a:t>
+            </a:r>
+            <a:endParaRPr lang="en-US" dirty="0"/>
           </a:p>
           <a:p>
             <a:pPr>
               <a:buFont typeface="Arial" panose="020B0604020202020204" pitchFamily="34" charset="0"/>
               <a:buChar char="•"/>
             </a:pPr>
-            <a:endParaRPr lang="en-US" dirty="0"/>
+            <a:r>
+              <a:rPr lang="en-US" dirty="0"/>
+              <a:t>Explores depth before breadth</a:t>
+            </a:r>
           </a:p>
           <a:p>
             <a:pPr>
               <a:buFont typeface="Arial" panose="020B0604020202020204" pitchFamily="34" charset="0"/>
               <a:buChar char="•"/>
             </a:pPr>
+            <a:r>
+              <a:rPr lang="en-US" dirty="0"/>
+              <a:t>Can be used on </a:t>
+            </a:r>
+            <a:r>
+              <a:rPr lang="en-US" b="1" dirty="0"/>
+              <a:t>graphs</a:t>
+            </a:r>
+            <a:r>
+              <a:rPr lang="en-US" dirty="0"/>
+              <a:t> and </a:t>
+            </a:r>
+            <a:r>
+              <a:rPr lang="en-US" b="1" dirty="0"/>
+              <a:t>trees</a:t>
+            </a:r>
             <a:endParaRPr lang="en-US" dirty="0"/>
           </a:p>
           <a:p>
             <a:pPr marL="0" indent="0">
               <a:buNone/>
             </a:pPr>
-            <a:r>
-              <a:rPr lang="en-US" b="1" dirty="0"/>
-              <a:t>Types</a:t>
-            </a:r>
-            <a:r>
-              <a:rPr lang="en-US" dirty="0"/>
-              <a:t>: Simple reflex, model-based, goal-based, utility-based, learning agents</a:t>
-            </a:r>
-          </a:p>
-          <a:p>
             <a:endParaRPr lang="en-US" dirty="0"/>
           </a:p>
         </p:txBody>
@@ -4001,7 +4061,952 @@
     </p:spTree>
     <p:extLst>
       <p:ext uri="{BB962C8B-B14F-4D97-AF65-F5344CB8AC3E}">
-        <p14:creationId xmlns:p14="http://schemas.microsoft.com/office/powerpoint/2010/main" val="3839414258"/>
+        <p14:creationId xmlns:p14="http://schemas.microsoft.com/office/powerpoint/2010/main" val="3767888408"/>
+      </p:ext>
+    </p:extLst>
+  </p:cSld>
+  <p:clrMapOvr>
+    <a:masterClrMapping/>
+  </p:clrMapOvr>
+</p:sld>
+</file>
+
+<file path=ppt/slides/slide14.xml><?xml version="1.0" encoding="utf-8"?>
+<p:sld xmlns:a="http://schemas.openxmlformats.org/drawingml/2006/main" xmlns:r="http://schemas.openxmlformats.org/officeDocument/2006/relationships" xmlns:p="http://schemas.openxmlformats.org/presentationml/2006/main">
+  <p:cSld>
+    <p:spTree>
+      <p:nvGrpSpPr>
+        <p:cNvPr id="1" name=""/>
+        <p:cNvGrpSpPr/>
+        <p:nvPr/>
+      </p:nvGrpSpPr>
+      <p:grpSpPr>
+        <a:xfrm>
+          <a:off x="0" y="0"/>
+          <a:ext cx="0" cy="0"/>
+          <a:chOff x="0" y="0"/>
+          <a:chExt cx="0" cy="0"/>
+        </a:xfrm>
+      </p:grpSpPr>
+      <p:sp>
+        <p:nvSpPr>
+          <p:cNvPr id="2" name="Title 1">
+            <a:extLst>
+              <a:ext uri="{FF2B5EF4-FFF2-40B4-BE49-F238E27FC236}">
+                <a16:creationId xmlns:a16="http://schemas.microsoft.com/office/drawing/2014/main" id="{23BFCFC6-FF15-AE02-54C2-F3DA73161CF8}"/>
+              </a:ext>
+            </a:extLst>
+          </p:cNvPr>
+          <p:cNvSpPr>
+            <a:spLocks noGrp="1"/>
+          </p:cNvSpPr>
+          <p:nvPr>
+            <p:ph type="title"/>
+          </p:nvPr>
+        </p:nvSpPr>
+        <p:spPr/>
+        <p:txBody>
+          <a:bodyPr/>
+          <a:lstStyle/>
+          <a:p>
+            <a:r>
+              <a:rPr lang="en-US" b="1" dirty="0"/>
+              <a:t>DFS Algorithm Steps</a:t>
+            </a:r>
+            <a:endParaRPr lang="en-US" dirty="0"/>
+          </a:p>
+        </p:txBody>
+      </p:sp>
+      <p:sp>
+        <p:nvSpPr>
+          <p:cNvPr id="3" name="Content Placeholder 2">
+            <a:extLst>
+              <a:ext uri="{FF2B5EF4-FFF2-40B4-BE49-F238E27FC236}">
+                <a16:creationId xmlns:a16="http://schemas.microsoft.com/office/drawing/2014/main" id="{7971D209-083D-8B11-4D55-07815BF8A0DC}"/>
+              </a:ext>
+            </a:extLst>
+          </p:cNvPr>
+          <p:cNvSpPr>
+            <a:spLocks noGrp="1"/>
+          </p:cNvSpPr>
+          <p:nvPr>
+            <p:ph idx="1"/>
+          </p:nvPr>
+        </p:nvSpPr>
+        <p:spPr>
+          <a:xfrm>
+            <a:off x="838200" y="1825625"/>
+            <a:ext cx="5530795" cy="4351338"/>
+          </a:xfrm>
+        </p:spPr>
+        <p:txBody>
+          <a:bodyPr/>
+          <a:lstStyle/>
+          <a:p>
+            <a:pPr>
+              <a:buFont typeface="+mj-lt"/>
+              <a:buAutoNum type="arabicPeriod"/>
+            </a:pPr>
+            <a:r>
+              <a:rPr lang="en-US" dirty="0"/>
+              <a:t>Start from the source node.</a:t>
+            </a:r>
+          </a:p>
+          <a:p>
+            <a:pPr>
+              <a:buFont typeface="+mj-lt"/>
+              <a:buAutoNum type="arabicPeriod"/>
+            </a:pPr>
+            <a:r>
+              <a:rPr lang="en-US" dirty="0"/>
+              <a:t>Visit and mark the node as visited.</a:t>
+            </a:r>
+          </a:p>
+          <a:p>
+            <a:pPr>
+              <a:buFont typeface="+mj-lt"/>
+              <a:buAutoNum type="arabicPeriod"/>
+            </a:pPr>
+            <a:r>
+              <a:rPr lang="en-US" dirty="0"/>
+              <a:t>Recur for all the adjacent nodes that are not yet visited.</a:t>
+            </a:r>
+          </a:p>
+          <a:p>
+            <a:pPr>
+              <a:buFont typeface="+mj-lt"/>
+              <a:buAutoNum type="arabicPeriod"/>
+            </a:pPr>
+            <a:r>
+              <a:rPr lang="en-US" dirty="0"/>
+              <a:t>Backtrack when no unvisited neighbors are left.</a:t>
+            </a:r>
+          </a:p>
+          <a:p>
+            <a:endParaRPr lang="en-US" dirty="0"/>
+          </a:p>
+        </p:txBody>
+      </p:sp>
+      <p:pic>
+        <p:nvPicPr>
+          <p:cNvPr id="5" name="Picture 4">
+            <a:extLst>
+              <a:ext uri="{FF2B5EF4-FFF2-40B4-BE49-F238E27FC236}">
+                <a16:creationId xmlns:a16="http://schemas.microsoft.com/office/drawing/2014/main" id="{741A4930-12A0-A545-B0DB-1CF77091DB56}"/>
+              </a:ext>
+            </a:extLst>
+          </p:cNvPr>
+          <p:cNvPicPr>
+            <a:picLocks noChangeAspect="1"/>
+          </p:cNvPicPr>
+          <p:nvPr/>
+        </p:nvPicPr>
+        <p:blipFill>
+          <a:blip r:embed="rId2"/>
+          <a:stretch>
+            <a:fillRect/>
+          </a:stretch>
+        </p:blipFill>
+        <p:spPr>
+          <a:xfrm>
+            <a:off x="6502179" y="1465442"/>
+            <a:ext cx="4419600" cy="4133850"/>
+          </a:xfrm>
+          <a:prstGeom prst="rect">
+            <a:avLst/>
+          </a:prstGeom>
+        </p:spPr>
+      </p:pic>
+    </p:spTree>
+    <p:extLst>
+      <p:ext uri="{BB962C8B-B14F-4D97-AF65-F5344CB8AC3E}">
+        <p14:creationId xmlns:p14="http://schemas.microsoft.com/office/powerpoint/2010/main" val="4098908787"/>
+      </p:ext>
+    </p:extLst>
+  </p:cSld>
+  <p:clrMapOvr>
+    <a:masterClrMapping/>
+  </p:clrMapOvr>
+</p:sld>
+</file>
+
+<file path=ppt/slides/slide15.xml><?xml version="1.0" encoding="utf-8"?>
+<p:sld xmlns:a="http://schemas.openxmlformats.org/drawingml/2006/main" xmlns:r="http://schemas.openxmlformats.org/officeDocument/2006/relationships" xmlns:p="http://schemas.openxmlformats.org/presentationml/2006/main">
+  <p:cSld>
+    <p:spTree>
+      <p:nvGrpSpPr>
+        <p:cNvPr id="1" name=""/>
+        <p:cNvGrpSpPr/>
+        <p:nvPr/>
+      </p:nvGrpSpPr>
+      <p:grpSpPr>
+        <a:xfrm>
+          <a:off x="0" y="0"/>
+          <a:ext cx="0" cy="0"/>
+          <a:chOff x="0" y="0"/>
+          <a:chExt cx="0" cy="0"/>
+        </a:xfrm>
+      </p:grpSpPr>
+      <p:sp>
+        <p:nvSpPr>
+          <p:cNvPr id="2" name="Title 1">
+            <a:extLst>
+              <a:ext uri="{FF2B5EF4-FFF2-40B4-BE49-F238E27FC236}">
+                <a16:creationId xmlns:a16="http://schemas.microsoft.com/office/drawing/2014/main" id="{90DABBE8-3CBB-11BB-10DF-7E4A27BCFDA1}"/>
+              </a:ext>
+            </a:extLst>
+          </p:cNvPr>
+          <p:cNvSpPr>
+            <a:spLocks noGrp="1"/>
+          </p:cNvSpPr>
+          <p:nvPr>
+            <p:ph type="title"/>
+          </p:nvPr>
+        </p:nvSpPr>
+        <p:spPr/>
+        <p:txBody>
+          <a:bodyPr/>
+          <a:lstStyle/>
+          <a:p>
+            <a:r>
+              <a:rPr lang="en-US" dirty="0"/>
+              <a:t>BFS Vs DFS</a:t>
+            </a:r>
+          </a:p>
+        </p:txBody>
+      </p:sp>
+      <p:pic>
+        <p:nvPicPr>
+          <p:cNvPr id="5" name="Picture 4">
+            <a:extLst>
+              <a:ext uri="{FF2B5EF4-FFF2-40B4-BE49-F238E27FC236}">
+                <a16:creationId xmlns:a16="http://schemas.microsoft.com/office/drawing/2014/main" id="{E16A5D80-CF5F-40FC-FC03-20A33A8ADCA0}"/>
+              </a:ext>
+            </a:extLst>
+          </p:cNvPr>
+          <p:cNvPicPr>
+            <a:picLocks noChangeAspect="1"/>
+          </p:cNvPicPr>
+          <p:nvPr/>
+        </p:nvPicPr>
+        <p:blipFill>
+          <a:blip r:embed="rId2"/>
+          <a:stretch>
+            <a:fillRect/>
+          </a:stretch>
+        </p:blipFill>
+        <p:spPr>
+          <a:xfrm>
+            <a:off x="2186774" y="2439725"/>
+            <a:ext cx="6896100" cy="3505200"/>
+          </a:xfrm>
+          <a:prstGeom prst="rect">
+            <a:avLst/>
+          </a:prstGeom>
+        </p:spPr>
+      </p:pic>
+    </p:spTree>
+    <p:extLst>
+      <p:ext uri="{BB962C8B-B14F-4D97-AF65-F5344CB8AC3E}">
+        <p14:creationId xmlns:p14="http://schemas.microsoft.com/office/powerpoint/2010/main" val="2764550239"/>
+      </p:ext>
+    </p:extLst>
+  </p:cSld>
+  <p:clrMapOvr>
+    <a:masterClrMapping/>
+  </p:clrMapOvr>
+</p:sld>
+</file>
+
+<file path=ppt/slides/slide16.xml><?xml version="1.0" encoding="utf-8"?>
+<p:sld xmlns:a="http://schemas.openxmlformats.org/drawingml/2006/main" xmlns:r="http://schemas.openxmlformats.org/officeDocument/2006/relationships" xmlns:p="http://schemas.openxmlformats.org/presentationml/2006/main">
+  <p:cSld>
+    <p:spTree>
+      <p:nvGrpSpPr>
+        <p:cNvPr id="1" name=""/>
+        <p:cNvGrpSpPr/>
+        <p:nvPr/>
+      </p:nvGrpSpPr>
+      <p:grpSpPr>
+        <a:xfrm>
+          <a:off x="0" y="0"/>
+          <a:ext cx="0" cy="0"/>
+          <a:chOff x="0" y="0"/>
+          <a:chExt cx="0" cy="0"/>
+        </a:xfrm>
+      </p:grpSpPr>
+      <p:sp>
+        <p:nvSpPr>
+          <p:cNvPr id="2" name="Title 1">
+            <a:extLst>
+              <a:ext uri="{FF2B5EF4-FFF2-40B4-BE49-F238E27FC236}">
+                <a16:creationId xmlns:a16="http://schemas.microsoft.com/office/drawing/2014/main" id="{6934B044-8636-1FA8-05F0-42AAE7B6A8D5}"/>
+              </a:ext>
+            </a:extLst>
+          </p:cNvPr>
+          <p:cNvSpPr>
+            <a:spLocks noGrp="1"/>
+          </p:cNvSpPr>
+          <p:nvPr>
+            <p:ph type="title"/>
+          </p:nvPr>
+        </p:nvSpPr>
+        <p:spPr/>
+        <p:txBody>
+          <a:bodyPr/>
+          <a:lstStyle/>
+          <a:p>
+            <a:r>
+              <a:rPr lang="en-US" b="1" dirty="0"/>
+              <a:t>Depth-Limited Search (DLS)</a:t>
+            </a:r>
+            <a:endParaRPr lang="en-US" dirty="0"/>
+          </a:p>
+        </p:txBody>
+      </p:sp>
+      <p:sp>
+        <p:nvSpPr>
+          <p:cNvPr id="3" name="Content Placeholder 2">
+            <a:extLst>
+              <a:ext uri="{FF2B5EF4-FFF2-40B4-BE49-F238E27FC236}">
+                <a16:creationId xmlns:a16="http://schemas.microsoft.com/office/drawing/2014/main" id="{6EE38E3E-F06E-6C47-A99C-B5A68E04415C}"/>
+              </a:ext>
+            </a:extLst>
+          </p:cNvPr>
+          <p:cNvSpPr>
+            <a:spLocks noGrp="1"/>
+          </p:cNvSpPr>
+          <p:nvPr>
+            <p:ph idx="1"/>
+          </p:nvPr>
+        </p:nvSpPr>
+        <p:spPr/>
+        <p:txBody>
+          <a:bodyPr/>
+          <a:lstStyle/>
+          <a:p>
+            <a:pPr marL="0" indent="0">
+              <a:buNone/>
+            </a:pPr>
+            <a:r>
+              <a:rPr lang="en-US" b="1" dirty="0"/>
+              <a:t>Depth-Limited Search (DLS)</a:t>
+            </a:r>
+            <a:r>
+              <a:rPr lang="en-US" dirty="0"/>
+              <a:t> is a variant of </a:t>
+            </a:r>
+            <a:r>
+              <a:rPr lang="en-US" b="1" dirty="0"/>
+              <a:t>Depth First Search (DFS)</a:t>
+            </a:r>
+            <a:r>
+              <a:rPr lang="en-US" dirty="0"/>
+              <a:t> that limits the depth of the recursion to a predetermined level. It helps avoid infinite loops in graphs with cycles or infinite depth.</a:t>
+            </a:r>
+          </a:p>
+          <a:p>
+            <a:pPr marL="0" indent="0">
+              <a:buNone/>
+            </a:pPr>
+            <a:endParaRPr lang="en-US" dirty="0"/>
+          </a:p>
+          <a:p>
+            <a:pPr marL="0" marR="0" lvl="0" indent="0" algn="l" defTabSz="914400" rtl="0" eaLnBrk="0" fontAlgn="base" latinLnBrk="0" hangingPunct="0">
+              <a:lnSpc>
+                <a:spcPct val="100000"/>
+              </a:lnSpc>
+              <a:spcBef>
+                <a:spcPct val="0"/>
+              </a:spcBef>
+              <a:spcAft>
+                <a:spcPct val="0"/>
+              </a:spcAft>
+              <a:buClrTx/>
+              <a:buSzTx/>
+              <a:buFontTx/>
+              <a:buChar char="•"/>
+              <a:tabLst/>
+            </a:pPr>
+            <a:r>
+              <a:rPr kumimoji="0" lang="en-US" altLang="en-US" sz="2800" b="0" i="0" u="none" strike="noStrike" cap="none" normalizeH="0" baseline="0" dirty="0">
+                <a:ln>
+                  <a:noFill/>
+                </a:ln>
+                <a:solidFill>
+                  <a:schemeClr val="tx1"/>
+                </a:solidFill>
+                <a:effectLst/>
+                <a:latin typeface="Arial" panose="020B0604020202020204" pitchFamily="34" charset="0"/>
+              </a:rPr>
+              <a:t>Same as DFS, but with a </a:t>
+            </a:r>
+            <a:r>
+              <a:rPr kumimoji="0" lang="en-US" altLang="en-US" sz="2800" b="1" i="0" u="none" strike="noStrike" cap="none" normalizeH="0" baseline="0" dirty="0">
+                <a:ln>
+                  <a:noFill/>
+                </a:ln>
+                <a:solidFill>
+                  <a:schemeClr val="tx1"/>
+                </a:solidFill>
+                <a:effectLst/>
+                <a:latin typeface="Arial" panose="020B0604020202020204" pitchFamily="34" charset="0"/>
+              </a:rPr>
+              <a:t>depth limit</a:t>
+            </a:r>
+            <a:r>
+              <a:rPr kumimoji="0" lang="en-US" altLang="en-US" sz="2800" b="0" i="0" u="none" strike="noStrike" cap="none" normalizeH="0" baseline="0" dirty="0">
+                <a:ln>
+                  <a:noFill/>
+                </a:ln>
+                <a:solidFill>
+                  <a:schemeClr val="tx1"/>
+                </a:solidFill>
+                <a:effectLst/>
+                <a:latin typeface="Arial" panose="020B0604020202020204" pitchFamily="34" charset="0"/>
+              </a:rPr>
+              <a:t>.</a:t>
+            </a:r>
+          </a:p>
+          <a:p>
+            <a:pPr marL="0" marR="0" lvl="0" indent="0" algn="l" defTabSz="914400" rtl="0" eaLnBrk="0" fontAlgn="base" latinLnBrk="0" hangingPunct="0">
+              <a:lnSpc>
+                <a:spcPct val="100000"/>
+              </a:lnSpc>
+              <a:spcBef>
+                <a:spcPct val="0"/>
+              </a:spcBef>
+              <a:spcAft>
+                <a:spcPct val="0"/>
+              </a:spcAft>
+              <a:buClrTx/>
+              <a:buSzTx/>
+              <a:buFontTx/>
+              <a:buChar char="•"/>
+              <a:tabLst/>
+            </a:pPr>
+            <a:r>
+              <a:rPr kumimoji="0" lang="en-US" altLang="en-US" sz="2800" b="0" i="0" u="none" strike="noStrike" cap="none" normalizeH="0" baseline="0" dirty="0">
+                <a:ln>
+                  <a:noFill/>
+                </a:ln>
+                <a:solidFill>
+                  <a:schemeClr val="tx1"/>
+                </a:solidFill>
+                <a:effectLst/>
+                <a:latin typeface="Arial" panose="020B0604020202020204" pitchFamily="34" charset="0"/>
+              </a:rPr>
+              <a:t>If a node is at the depth limit, DLS </a:t>
+            </a:r>
+            <a:r>
+              <a:rPr kumimoji="0" lang="en-US" altLang="en-US" sz="2800" b="1" i="0" u="none" strike="noStrike" cap="none" normalizeH="0" baseline="0" dirty="0">
+                <a:ln>
+                  <a:noFill/>
+                </a:ln>
+                <a:solidFill>
+                  <a:schemeClr val="tx1"/>
+                </a:solidFill>
+                <a:effectLst/>
+                <a:latin typeface="Arial" panose="020B0604020202020204" pitchFamily="34" charset="0"/>
+              </a:rPr>
+              <a:t>stops exploring</a:t>
+            </a:r>
+            <a:r>
+              <a:rPr kumimoji="0" lang="en-US" altLang="en-US" sz="2800" b="0" i="0" u="none" strike="noStrike" cap="none" normalizeH="0" baseline="0" dirty="0">
+                <a:ln>
+                  <a:noFill/>
+                </a:ln>
+                <a:solidFill>
+                  <a:schemeClr val="tx1"/>
+                </a:solidFill>
+                <a:effectLst/>
+                <a:latin typeface="Arial" panose="020B0604020202020204" pitchFamily="34" charset="0"/>
+              </a:rPr>
+              <a:t> deeper from that node.</a:t>
+            </a:r>
+          </a:p>
+          <a:p>
+            <a:pPr marL="0" marR="0" lvl="0" indent="0" algn="l" defTabSz="914400" rtl="0" eaLnBrk="0" fontAlgn="base" latinLnBrk="0" hangingPunct="0">
+              <a:lnSpc>
+                <a:spcPct val="100000"/>
+              </a:lnSpc>
+              <a:spcBef>
+                <a:spcPct val="0"/>
+              </a:spcBef>
+              <a:spcAft>
+                <a:spcPct val="0"/>
+              </a:spcAft>
+              <a:buClrTx/>
+              <a:buSzTx/>
+              <a:buFontTx/>
+              <a:buChar char="•"/>
+              <a:tabLst/>
+            </a:pPr>
+            <a:r>
+              <a:rPr kumimoji="0" lang="en-US" altLang="en-US" sz="2800" b="0" i="0" u="none" strike="noStrike" cap="none" normalizeH="0" baseline="0" dirty="0">
+                <a:ln>
+                  <a:noFill/>
+                </a:ln>
+                <a:solidFill>
+                  <a:schemeClr val="tx1"/>
+                </a:solidFill>
+                <a:effectLst/>
+                <a:latin typeface="Arial" panose="020B0604020202020204" pitchFamily="34" charset="0"/>
+              </a:rPr>
+              <a:t>It is </a:t>
+            </a:r>
+            <a:r>
+              <a:rPr kumimoji="0" lang="en-US" altLang="en-US" sz="2800" b="1" i="0" u="none" strike="noStrike" cap="none" normalizeH="0" baseline="0" dirty="0">
+                <a:ln>
+                  <a:noFill/>
+                </a:ln>
+                <a:solidFill>
+                  <a:srgbClr val="FF0000"/>
+                </a:solidFill>
+                <a:effectLst/>
+                <a:latin typeface="Arial" panose="020B0604020202020204" pitchFamily="34" charset="0"/>
+              </a:rPr>
+              <a:t>incomplete</a:t>
+            </a:r>
+            <a:r>
+              <a:rPr kumimoji="0" lang="en-US" altLang="en-US" sz="2800" b="0" i="0" u="none" strike="noStrike" cap="none" normalizeH="0" baseline="0" dirty="0">
+                <a:ln>
+                  <a:noFill/>
+                </a:ln>
+                <a:solidFill>
+                  <a:schemeClr val="tx1"/>
+                </a:solidFill>
+                <a:effectLst/>
+                <a:latin typeface="Arial" panose="020B0604020202020204" pitchFamily="34" charset="0"/>
+              </a:rPr>
+              <a:t> if the solution is beyond the depth limit.</a:t>
+            </a:r>
+          </a:p>
+          <a:p>
+            <a:pPr marL="0" indent="0">
+              <a:buNone/>
+            </a:pPr>
+            <a:endParaRPr lang="en-US" dirty="0"/>
+          </a:p>
+          <a:p>
+            <a:endParaRPr lang="en-US" dirty="0"/>
+          </a:p>
+        </p:txBody>
+      </p:sp>
+    </p:spTree>
+    <p:extLst>
+      <p:ext uri="{BB962C8B-B14F-4D97-AF65-F5344CB8AC3E}">
+        <p14:creationId xmlns:p14="http://schemas.microsoft.com/office/powerpoint/2010/main" val="1523152519"/>
+      </p:ext>
+    </p:extLst>
+  </p:cSld>
+  <p:clrMapOvr>
+    <a:masterClrMapping/>
+  </p:clrMapOvr>
+</p:sld>
+</file>
+
+<file path=ppt/slides/slide17.xml><?xml version="1.0" encoding="utf-8"?>
+<p:sld xmlns:a="http://schemas.openxmlformats.org/drawingml/2006/main" xmlns:r="http://schemas.openxmlformats.org/officeDocument/2006/relationships" xmlns:p="http://schemas.openxmlformats.org/presentationml/2006/main">
+  <p:cSld>
+    <p:spTree>
+      <p:nvGrpSpPr>
+        <p:cNvPr id="1" name=""/>
+        <p:cNvGrpSpPr/>
+        <p:nvPr/>
+      </p:nvGrpSpPr>
+      <p:grpSpPr>
+        <a:xfrm>
+          <a:off x="0" y="0"/>
+          <a:ext cx="0" cy="0"/>
+          <a:chOff x="0" y="0"/>
+          <a:chExt cx="0" cy="0"/>
+        </a:xfrm>
+      </p:grpSpPr>
+      <p:sp>
+        <p:nvSpPr>
+          <p:cNvPr id="2" name="Title 1">
+            <a:extLst>
+              <a:ext uri="{FF2B5EF4-FFF2-40B4-BE49-F238E27FC236}">
+                <a16:creationId xmlns:a16="http://schemas.microsoft.com/office/drawing/2014/main" id="{6ECA8D3D-B41C-C358-4BFA-EE9B118B5360}"/>
+              </a:ext>
+            </a:extLst>
+          </p:cNvPr>
+          <p:cNvSpPr>
+            <a:spLocks noGrp="1"/>
+          </p:cNvSpPr>
+          <p:nvPr>
+            <p:ph type="title"/>
+          </p:nvPr>
+        </p:nvSpPr>
+        <p:spPr/>
+        <p:txBody>
+          <a:bodyPr/>
+          <a:lstStyle/>
+          <a:p>
+            <a:r>
+              <a:rPr lang="en-US" b="1" dirty="0"/>
+              <a:t>Depth-Limited Search (Example)</a:t>
+            </a:r>
+            <a:endParaRPr lang="en-US" dirty="0"/>
+          </a:p>
+        </p:txBody>
+      </p:sp>
+      <p:pic>
+        <p:nvPicPr>
+          <p:cNvPr id="6" name="Picture 5">
+            <a:extLst>
+              <a:ext uri="{FF2B5EF4-FFF2-40B4-BE49-F238E27FC236}">
+                <a16:creationId xmlns:a16="http://schemas.microsoft.com/office/drawing/2014/main" id="{3C621076-F0A0-A73B-7628-E4EC51EB429D}"/>
+              </a:ext>
+            </a:extLst>
+          </p:cNvPr>
+          <p:cNvPicPr>
+            <a:picLocks noChangeAspect="1"/>
+          </p:cNvPicPr>
+          <p:nvPr/>
+        </p:nvPicPr>
+        <p:blipFill>
+          <a:blip r:embed="rId2"/>
+          <a:stretch>
+            <a:fillRect/>
+          </a:stretch>
+        </p:blipFill>
+        <p:spPr>
+          <a:xfrm>
+            <a:off x="6249435" y="2385266"/>
+            <a:ext cx="4543425" cy="3057525"/>
+          </a:xfrm>
+          <a:prstGeom prst="rect">
+            <a:avLst/>
+          </a:prstGeom>
+        </p:spPr>
+      </p:pic>
+      <p:sp>
+        <p:nvSpPr>
+          <p:cNvPr id="7" name="TextBox 6">
+            <a:extLst>
+              <a:ext uri="{FF2B5EF4-FFF2-40B4-BE49-F238E27FC236}">
+                <a16:creationId xmlns:a16="http://schemas.microsoft.com/office/drawing/2014/main" id="{08E448F9-55C5-0FE4-D488-0B528F85277F}"/>
+              </a:ext>
+            </a:extLst>
+          </p:cNvPr>
+          <p:cNvSpPr txBox="1"/>
+          <p:nvPr/>
+        </p:nvSpPr>
+        <p:spPr>
+          <a:xfrm>
+            <a:off x="7384297" y="1853311"/>
+            <a:ext cx="1136850" cy="646331"/>
+          </a:xfrm>
+          <a:prstGeom prst="rect">
+            <a:avLst/>
+          </a:prstGeom>
+          <a:noFill/>
+        </p:spPr>
+        <p:txBody>
+          <a:bodyPr wrap="none" rtlCol="0">
+            <a:spAutoFit/>
+          </a:bodyPr>
+          <a:lstStyle/>
+          <a:p>
+            <a:r>
+              <a:rPr lang="en-US" dirty="0">
+                <a:solidFill>
+                  <a:srgbClr val="FF0000"/>
+                </a:solidFill>
+              </a:rPr>
+              <a:t>Depth = 2</a:t>
+            </a:r>
+          </a:p>
+          <a:p>
+            <a:r>
+              <a:rPr lang="en-US" dirty="0">
+                <a:solidFill>
+                  <a:srgbClr val="FF0000"/>
+                </a:solidFill>
+              </a:rPr>
+              <a:t>Target = J</a:t>
+            </a:r>
+          </a:p>
+        </p:txBody>
+      </p:sp>
+    </p:spTree>
+    <p:extLst>
+      <p:ext uri="{BB962C8B-B14F-4D97-AF65-F5344CB8AC3E}">
+        <p14:creationId xmlns:p14="http://schemas.microsoft.com/office/powerpoint/2010/main" val="3693205280"/>
+      </p:ext>
+    </p:extLst>
+  </p:cSld>
+  <p:clrMapOvr>
+    <a:masterClrMapping/>
+  </p:clrMapOvr>
+</p:sld>
+</file>
+
+<file path=ppt/slides/slide18.xml><?xml version="1.0" encoding="utf-8"?>
+<p:sld xmlns:a="http://schemas.openxmlformats.org/drawingml/2006/main" xmlns:r="http://schemas.openxmlformats.org/officeDocument/2006/relationships" xmlns:p="http://schemas.openxmlformats.org/presentationml/2006/main">
+  <p:cSld>
+    <p:spTree>
+      <p:nvGrpSpPr>
+        <p:cNvPr id="1" name=""/>
+        <p:cNvGrpSpPr/>
+        <p:nvPr/>
+      </p:nvGrpSpPr>
+      <p:grpSpPr>
+        <a:xfrm>
+          <a:off x="0" y="0"/>
+          <a:ext cx="0" cy="0"/>
+          <a:chOff x="0" y="0"/>
+          <a:chExt cx="0" cy="0"/>
+        </a:xfrm>
+      </p:grpSpPr>
+      <p:sp>
+        <p:nvSpPr>
+          <p:cNvPr id="2" name="Title 1">
+            <a:extLst>
+              <a:ext uri="{FF2B5EF4-FFF2-40B4-BE49-F238E27FC236}">
+                <a16:creationId xmlns:a16="http://schemas.microsoft.com/office/drawing/2014/main" id="{7EFBBBDF-22EC-BE4C-E0E2-66066520D9CF}"/>
+              </a:ext>
+            </a:extLst>
+          </p:cNvPr>
+          <p:cNvSpPr>
+            <a:spLocks noGrp="1"/>
+          </p:cNvSpPr>
+          <p:nvPr>
+            <p:ph type="title"/>
+          </p:nvPr>
+        </p:nvSpPr>
+        <p:spPr/>
+        <p:txBody>
+          <a:bodyPr/>
+          <a:lstStyle/>
+          <a:p>
+            <a:r>
+              <a:rPr lang="en-US" dirty="0"/>
+              <a:t>Iterative Deepening Depth First Search (IDDFS)</a:t>
+            </a:r>
+          </a:p>
+        </p:txBody>
+      </p:sp>
+      <p:sp>
+        <p:nvSpPr>
+          <p:cNvPr id="3" name="Content Placeholder 2">
+            <a:extLst>
+              <a:ext uri="{FF2B5EF4-FFF2-40B4-BE49-F238E27FC236}">
+                <a16:creationId xmlns:a16="http://schemas.microsoft.com/office/drawing/2014/main" id="{D0EB5554-465D-4900-C711-907F35F77564}"/>
+              </a:ext>
+            </a:extLst>
+          </p:cNvPr>
+          <p:cNvSpPr>
+            <a:spLocks noGrp="1"/>
+          </p:cNvSpPr>
+          <p:nvPr>
+            <p:ph idx="1"/>
+          </p:nvPr>
+        </p:nvSpPr>
+        <p:spPr/>
+        <p:txBody>
+          <a:bodyPr/>
+          <a:lstStyle/>
+          <a:p>
+            <a:pPr marL="0" indent="0">
+              <a:lnSpc>
+                <a:spcPct val="100000"/>
+              </a:lnSpc>
+              <a:buNone/>
+            </a:pPr>
+            <a:r>
+              <a:rPr lang="en-US" b="0" i="0" dirty="0">
+                <a:solidFill>
+                  <a:srgbClr val="1F1F1F"/>
+                </a:solidFill>
+                <a:effectLst/>
+                <a:latin typeface="Google Sans"/>
+              </a:rPr>
+              <a:t>Iterative deepening depth-first search is a state space/graph search strategy in which a depth-limited version of depth-first search is run repeatedly with increasing depth limits until the goal is found.</a:t>
+            </a:r>
+            <a:endParaRPr lang="en-US" dirty="0"/>
+          </a:p>
+        </p:txBody>
+      </p:sp>
+      <p:pic>
+        <p:nvPicPr>
+          <p:cNvPr id="5" name="Picture 4">
+            <a:extLst>
+              <a:ext uri="{FF2B5EF4-FFF2-40B4-BE49-F238E27FC236}">
+                <a16:creationId xmlns:a16="http://schemas.microsoft.com/office/drawing/2014/main" id="{178E76C2-CE80-9C4C-5F4C-83756414ED94}"/>
+              </a:ext>
+            </a:extLst>
+          </p:cNvPr>
+          <p:cNvPicPr>
+            <a:picLocks noChangeAspect="1"/>
+          </p:cNvPicPr>
+          <p:nvPr/>
+        </p:nvPicPr>
+        <p:blipFill>
+          <a:blip r:embed="rId2"/>
+          <a:stretch>
+            <a:fillRect/>
+          </a:stretch>
+        </p:blipFill>
+        <p:spPr>
+          <a:xfrm>
+            <a:off x="1867107" y="3159125"/>
+            <a:ext cx="6867525" cy="3333750"/>
+          </a:xfrm>
+          <a:prstGeom prst="rect">
+            <a:avLst/>
+          </a:prstGeom>
+        </p:spPr>
+      </p:pic>
+    </p:spTree>
+    <p:extLst>
+      <p:ext uri="{BB962C8B-B14F-4D97-AF65-F5344CB8AC3E}">
+        <p14:creationId xmlns:p14="http://schemas.microsoft.com/office/powerpoint/2010/main" val="2920862794"/>
+      </p:ext>
+    </p:extLst>
+  </p:cSld>
+  <p:clrMapOvr>
+    <a:masterClrMapping/>
+  </p:clrMapOvr>
+</p:sld>
+</file>
+
+<file path=ppt/slides/slide19.xml><?xml version="1.0" encoding="utf-8"?>
+<p:sld xmlns:a="http://schemas.openxmlformats.org/drawingml/2006/main" xmlns:r="http://schemas.openxmlformats.org/officeDocument/2006/relationships" xmlns:p="http://schemas.openxmlformats.org/presentationml/2006/main">
+  <p:cSld>
+    <p:spTree>
+      <p:nvGrpSpPr>
+        <p:cNvPr id="1" name=""/>
+        <p:cNvGrpSpPr/>
+        <p:nvPr/>
+      </p:nvGrpSpPr>
+      <p:grpSpPr>
+        <a:xfrm>
+          <a:off x="0" y="0"/>
+          <a:ext cx="0" cy="0"/>
+          <a:chOff x="0" y="0"/>
+          <a:chExt cx="0" cy="0"/>
+        </a:xfrm>
+      </p:grpSpPr>
+      <p:sp>
+        <p:nvSpPr>
+          <p:cNvPr id="2" name="Title 1">
+            <a:extLst>
+              <a:ext uri="{FF2B5EF4-FFF2-40B4-BE49-F238E27FC236}">
+                <a16:creationId xmlns:a16="http://schemas.microsoft.com/office/drawing/2014/main" id="{FB6A091C-F4AE-1FB4-6CEF-58AEFA53C442}"/>
+              </a:ext>
+            </a:extLst>
+          </p:cNvPr>
+          <p:cNvSpPr>
+            <a:spLocks noGrp="1"/>
+          </p:cNvSpPr>
+          <p:nvPr>
+            <p:ph type="title"/>
+          </p:nvPr>
+        </p:nvSpPr>
+        <p:spPr/>
+        <p:txBody>
+          <a:bodyPr/>
+          <a:lstStyle/>
+          <a:p>
+            <a:r>
+              <a:rPr lang="en-US" b="1" dirty="0"/>
+              <a:t>Informed search strategies</a:t>
+            </a:r>
+            <a:endParaRPr lang="en-US" dirty="0"/>
+          </a:p>
+        </p:txBody>
+      </p:sp>
+      <p:sp>
+        <p:nvSpPr>
+          <p:cNvPr id="3" name="Content Placeholder 2">
+            <a:extLst>
+              <a:ext uri="{FF2B5EF4-FFF2-40B4-BE49-F238E27FC236}">
+                <a16:creationId xmlns:a16="http://schemas.microsoft.com/office/drawing/2014/main" id="{05186A26-7FD7-A007-A5E4-C4F97A7A4A63}"/>
+              </a:ext>
+            </a:extLst>
+          </p:cNvPr>
+          <p:cNvSpPr>
+            <a:spLocks noGrp="1"/>
+          </p:cNvSpPr>
+          <p:nvPr>
+            <p:ph idx="1"/>
+          </p:nvPr>
+        </p:nvSpPr>
+        <p:spPr/>
+        <p:txBody>
+          <a:bodyPr/>
+          <a:lstStyle/>
+          <a:p>
+            <a:pPr marL="0" indent="0">
+              <a:buNone/>
+            </a:pPr>
+            <a:r>
+              <a:rPr lang="en-US" b="1" dirty="0"/>
+              <a:t>Informed search strategies</a:t>
+            </a:r>
+            <a:r>
+              <a:rPr lang="en-US" dirty="0"/>
+              <a:t>, also known as </a:t>
+            </a:r>
+            <a:r>
+              <a:rPr lang="en-US" b="1" dirty="0"/>
+              <a:t>heuristic search</a:t>
+            </a:r>
+            <a:r>
+              <a:rPr lang="en-US" dirty="0"/>
+              <a:t>, use </a:t>
+            </a:r>
+            <a:r>
+              <a:rPr lang="en-US" b="1" dirty="0"/>
+              <a:t>extra knowledge</a:t>
+            </a:r>
+            <a:r>
+              <a:rPr lang="en-US" dirty="0"/>
+              <a:t> about the problem to find solutions more efficiently than uninformed (blind) searches.</a:t>
+            </a:r>
+            <a:br>
+              <a:rPr lang="en-US" dirty="0"/>
+            </a:br>
+            <a:r>
+              <a:rPr lang="en-US" dirty="0"/>
+              <a:t>They rely on a </a:t>
+            </a:r>
+            <a:r>
+              <a:rPr lang="en-US" b="1" dirty="0"/>
+              <a:t>heuristic function (h(n))</a:t>
+            </a:r>
+            <a:r>
+              <a:rPr lang="en-US" dirty="0"/>
+              <a:t> to estimate the cost from the current node to the goal.</a:t>
+            </a:r>
+          </a:p>
+          <a:p>
+            <a:pPr marL="0" indent="0">
+              <a:buNone/>
+            </a:pPr>
+            <a:endParaRPr lang="en-US" dirty="0"/>
+          </a:p>
+          <a:p>
+            <a:r>
+              <a:rPr lang="en-US" dirty="0"/>
+              <a:t>Greedy Best-First Search</a:t>
+            </a:r>
+          </a:p>
+          <a:p>
+            <a:r>
+              <a:rPr lang="en-US" dirty="0"/>
+              <a:t>A* Search</a:t>
+            </a:r>
+          </a:p>
+        </p:txBody>
+      </p:sp>
+    </p:spTree>
+    <p:extLst>
+      <p:ext uri="{BB962C8B-B14F-4D97-AF65-F5344CB8AC3E}">
+        <p14:creationId xmlns:p14="http://schemas.microsoft.com/office/powerpoint/2010/main" val="3643269"/>
       </p:ext>
     </p:extLst>
   </p:cSld>
@@ -4120,6 +5125,4784 @@
     <p:extLst>
       <p:ext uri="{BB962C8B-B14F-4D97-AF65-F5344CB8AC3E}">
         <p14:creationId xmlns:p14="http://schemas.microsoft.com/office/powerpoint/2010/main" val="133456575"/>
+      </p:ext>
+    </p:extLst>
+  </p:cSld>
+  <p:clrMapOvr>
+    <a:masterClrMapping/>
+  </p:clrMapOvr>
+</p:sld>
+</file>
+
+<file path=ppt/slides/slide20.xml><?xml version="1.0" encoding="utf-8"?>
+<p:sld xmlns:a="http://schemas.openxmlformats.org/drawingml/2006/main" xmlns:r="http://schemas.openxmlformats.org/officeDocument/2006/relationships" xmlns:p="http://schemas.openxmlformats.org/presentationml/2006/main">
+  <p:cSld>
+    <p:spTree>
+      <p:nvGrpSpPr>
+        <p:cNvPr id="1" name=""/>
+        <p:cNvGrpSpPr/>
+        <p:nvPr/>
+      </p:nvGrpSpPr>
+      <p:grpSpPr>
+        <a:xfrm>
+          <a:off x="0" y="0"/>
+          <a:ext cx="0" cy="0"/>
+          <a:chOff x="0" y="0"/>
+          <a:chExt cx="0" cy="0"/>
+        </a:xfrm>
+      </p:grpSpPr>
+      <p:sp>
+        <p:nvSpPr>
+          <p:cNvPr id="2" name="Title 1">
+            <a:extLst>
+              <a:ext uri="{FF2B5EF4-FFF2-40B4-BE49-F238E27FC236}">
+                <a16:creationId xmlns:a16="http://schemas.microsoft.com/office/drawing/2014/main" id="{A09AAE8E-A006-5A3C-182E-188836C1CF31}"/>
+              </a:ext>
+            </a:extLst>
+          </p:cNvPr>
+          <p:cNvSpPr>
+            <a:spLocks noGrp="1"/>
+          </p:cNvSpPr>
+          <p:nvPr>
+            <p:ph type="title"/>
+          </p:nvPr>
+        </p:nvSpPr>
+        <p:spPr/>
+        <p:txBody>
+          <a:bodyPr/>
+          <a:lstStyle/>
+          <a:p>
+            <a:r>
+              <a:rPr lang="en-US" b="1" i="0" dirty="0">
+                <a:effectLst/>
+                <a:latin typeface="Nunito" pitchFamily="2" charset="0"/>
+              </a:rPr>
+              <a:t>How Greedy Best-First Search Works?</a:t>
+            </a:r>
+            <a:endParaRPr lang="en-US" dirty="0"/>
+          </a:p>
+        </p:txBody>
+      </p:sp>
+      <p:sp>
+        <p:nvSpPr>
+          <p:cNvPr id="3" name="Content Placeholder 2">
+            <a:extLst>
+              <a:ext uri="{FF2B5EF4-FFF2-40B4-BE49-F238E27FC236}">
+                <a16:creationId xmlns:a16="http://schemas.microsoft.com/office/drawing/2014/main" id="{35D0F18E-68F1-F190-B13A-EC12A56D66CF}"/>
+              </a:ext>
+            </a:extLst>
+          </p:cNvPr>
+          <p:cNvSpPr>
+            <a:spLocks noGrp="1"/>
+          </p:cNvSpPr>
+          <p:nvPr>
+            <p:ph idx="1"/>
+          </p:nvPr>
+        </p:nvSpPr>
+        <p:spPr/>
+        <p:txBody>
+          <a:bodyPr>
+            <a:normAutofit fontScale="70000" lnSpcReduction="20000"/>
+          </a:bodyPr>
+          <a:lstStyle/>
+          <a:p>
+            <a:pPr algn="l" fontAlgn="base">
+              <a:lnSpc>
+                <a:spcPct val="120000"/>
+              </a:lnSpc>
+              <a:spcAft>
+                <a:spcPts val="1800"/>
+              </a:spcAft>
+              <a:buFont typeface="Arial" panose="020B0604020202020204" pitchFamily="34" charset="0"/>
+              <a:buChar char="•"/>
+            </a:pPr>
+            <a:r>
+              <a:rPr lang="en-US" b="0" i="0" dirty="0">
+                <a:effectLst/>
+                <a:latin typeface="Nunito" pitchFamily="2" charset="0"/>
+              </a:rPr>
+              <a:t>Greedy Best-First Search works by evaluating the cost of each possible path and then expanding the path with the lowest cost. This process is repeated until the goal is reached. </a:t>
+            </a:r>
+          </a:p>
+          <a:p>
+            <a:pPr algn="l" fontAlgn="base">
+              <a:lnSpc>
+                <a:spcPct val="120000"/>
+              </a:lnSpc>
+              <a:spcAft>
+                <a:spcPts val="1800"/>
+              </a:spcAft>
+              <a:buFont typeface="Arial" panose="020B0604020202020204" pitchFamily="34" charset="0"/>
+              <a:buChar char="•"/>
+            </a:pPr>
+            <a:r>
+              <a:rPr lang="en-US" b="0" i="0" dirty="0">
+                <a:effectLst/>
+                <a:latin typeface="Nunito" pitchFamily="2" charset="0"/>
+              </a:rPr>
+              <a:t>The algorithm uses a heuristic function to determine which path is the most promising. </a:t>
+            </a:r>
+          </a:p>
+          <a:p>
+            <a:pPr algn="l" fontAlgn="base">
+              <a:lnSpc>
+                <a:spcPct val="120000"/>
+              </a:lnSpc>
+              <a:spcAft>
+                <a:spcPts val="1800"/>
+              </a:spcAft>
+              <a:buFont typeface="Arial" panose="020B0604020202020204" pitchFamily="34" charset="0"/>
+              <a:buChar char="•"/>
+            </a:pPr>
+            <a:r>
+              <a:rPr lang="en-US" b="0" i="0" dirty="0">
+                <a:effectLst/>
+                <a:latin typeface="Nunito" pitchFamily="2" charset="0"/>
+              </a:rPr>
+              <a:t>The heuristic function takes into account the cost of the current path and the estimated cost of the remaining paths. </a:t>
+            </a:r>
+          </a:p>
+          <a:p>
+            <a:pPr algn="l" fontAlgn="base">
+              <a:lnSpc>
+                <a:spcPct val="120000"/>
+              </a:lnSpc>
+              <a:spcAft>
+                <a:spcPts val="1800"/>
+              </a:spcAft>
+              <a:buFont typeface="Arial" panose="020B0604020202020204" pitchFamily="34" charset="0"/>
+              <a:buChar char="•"/>
+            </a:pPr>
+            <a:r>
+              <a:rPr lang="en-US" b="0" i="0" dirty="0">
+                <a:effectLst/>
+                <a:latin typeface="Nunito" pitchFamily="2" charset="0"/>
+              </a:rPr>
+              <a:t>If the cost of the current path is lower than the estimated cost of the remaining paths, then the current path is chosen. This process is repeated until the goal is reached.</a:t>
+            </a:r>
+          </a:p>
+          <a:p>
+            <a:endParaRPr lang="en-US" dirty="0"/>
+          </a:p>
+        </p:txBody>
+      </p:sp>
+    </p:spTree>
+    <p:extLst>
+      <p:ext uri="{BB962C8B-B14F-4D97-AF65-F5344CB8AC3E}">
+        <p14:creationId xmlns:p14="http://schemas.microsoft.com/office/powerpoint/2010/main" val="3743281655"/>
+      </p:ext>
+    </p:extLst>
+  </p:cSld>
+  <p:clrMapOvr>
+    <a:masterClrMapping/>
+  </p:clrMapOvr>
+</p:sld>
+</file>
+
+<file path=ppt/slides/slide21.xml><?xml version="1.0" encoding="utf-8"?>
+<p:sld xmlns:a="http://schemas.openxmlformats.org/drawingml/2006/main" xmlns:r="http://schemas.openxmlformats.org/officeDocument/2006/relationships" xmlns:p="http://schemas.openxmlformats.org/presentationml/2006/main">
+  <p:cSld>
+    <p:spTree>
+      <p:nvGrpSpPr>
+        <p:cNvPr id="1" name=""/>
+        <p:cNvGrpSpPr/>
+        <p:nvPr/>
+      </p:nvGrpSpPr>
+      <p:grpSpPr>
+        <a:xfrm>
+          <a:off x="0" y="0"/>
+          <a:ext cx="0" cy="0"/>
+          <a:chOff x="0" y="0"/>
+          <a:chExt cx="0" cy="0"/>
+        </a:xfrm>
+      </p:grpSpPr>
+      <p:sp>
+        <p:nvSpPr>
+          <p:cNvPr id="2" name="Title 1">
+            <a:extLst>
+              <a:ext uri="{FF2B5EF4-FFF2-40B4-BE49-F238E27FC236}">
+                <a16:creationId xmlns:a16="http://schemas.microsoft.com/office/drawing/2014/main" id="{C63E5419-DAF5-DB95-C2D2-3ABEEB9A29AF}"/>
+              </a:ext>
+            </a:extLst>
+          </p:cNvPr>
+          <p:cNvSpPr>
+            <a:spLocks noGrp="1"/>
+          </p:cNvSpPr>
+          <p:nvPr>
+            <p:ph type="title"/>
+          </p:nvPr>
+        </p:nvSpPr>
+        <p:spPr/>
+        <p:txBody>
+          <a:bodyPr/>
+          <a:lstStyle/>
+          <a:p>
+            <a:r>
+              <a:rPr lang="en-US" b="1" dirty="0"/>
+              <a:t>Heuristic function - h(n)</a:t>
+            </a:r>
+            <a:endParaRPr lang="en-US" dirty="0"/>
+          </a:p>
+        </p:txBody>
+      </p:sp>
+      <p:pic>
+        <p:nvPicPr>
+          <p:cNvPr id="5" name="Picture 4">
+            <a:extLst>
+              <a:ext uri="{FF2B5EF4-FFF2-40B4-BE49-F238E27FC236}">
+                <a16:creationId xmlns:a16="http://schemas.microsoft.com/office/drawing/2014/main" id="{4248D5FF-230D-783F-DC31-EEA1EEDDBA8E}"/>
+              </a:ext>
+            </a:extLst>
+          </p:cNvPr>
+          <p:cNvPicPr>
+            <a:picLocks noChangeAspect="1"/>
+          </p:cNvPicPr>
+          <p:nvPr/>
+        </p:nvPicPr>
+        <p:blipFill>
+          <a:blip r:embed="rId2"/>
+          <a:stretch>
+            <a:fillRect/>
+          </a:stretch>
+        </p:blipFill>
+        <p:spPr>
+          <a:xfrm>
+            <a:off x="3218187" y="1690688"/>
+            <a:ext cx="8234342" cy="4073475"/>
+          </a:xfrm>
+          <a:prstGeom prst="rect">
+            <a:avLst/>
+          </a:prstGeom>
+        </p:spPr>
+      </p:pic>
+      <p:sp>
+        <p:nvSpPr>
+          <p:cNvPr id="6" name="TextBox 5">
+            <a:extLst>
+              <a:ext uri="{FF2B5EF4-FFF2-40B4-BE49-F238E27FC236}">
+                <a16:creationId xmlns:a16="http://schemas.microsoft.com/office/drawing/2014/main" id="{1C64C930-D489-C786-6C9D-015D7BB4BB9E}"/>
+              </a:ext>
+            </a:extLst>
+          </p:cNvPr>
+          <p:cNvSpPr txBox="1"/>
+          <p:nvPr/>
+        </p:nvSpPr>
+        <p:spPr>
+          <a:xfrm>
+            <a:off x="838199" y="1749286"/>
+            <a:ext cx="1822935" cy="1477328"/>
+          </a:xfrm>
+          <a:prstGeom prst="rect">
+            <a:avLst/>
+          </a:prstGeom>
+          <a:noFill/>
+        </p:spPr>
+        <p:txBody>
+          <a:bodyPr wrap="none" rtlCol="0">
+            <a:spAutoFit/>
+          </a:bodyPr>
+          <a:lstStyle/>
+          <a:p>
+            <a:r>
+              <a:rPr lang="en-US" dirty="0"/>
+              <a:t>f(B) = h(B) = 32</a:t>
+            </a:r>
+          </a:p>
+          <a:p>
+            <a:endParaRPr lang="en-US" dirty="0"/>
+          </a:p>
+          <a:p>
+            <a:r>
+              <a:rPr lang="en-US" b="1" dirty="0">
+                <a:solidFill>
+                  <a:srgbClr val="FF0000"/>
+                </a:solidFill>
+              </a:rPr>
+              <a:t>f(C) = h(C) = 25</a:t>
+            </a:r>
+          </a:p>
+          <a:p>
+            <a:endParaRPr lang="en-US" dirty="0"/>
+          </a:p>
+          <a:p>
+            <a:r>
+              <a:rPr lang="en-US" dirty="0"/>
+              <a:t>f(35) = h(35) = 32</a:t>
+            </a:r>
+          </a:p>
+        </p:txBody>
+      </p:sp>
+      <p:cxnSp>
+        <p:nvCxnSpPr>
+          <p:cNvPr id="10" name="Straight Arrow Connector 9">
+            <a:extLst>
+              <a:ext uri="{FF2B5EF4-FFF2-40B4-BE49-F238E27FC236}">
+                <a16:creationId xmlns:a16="http://schemas.microsoft.com/office/drawing/2014/main" id="{8FD9BCFB-9360-B2A6-1C84-7715A1DF6E03}"/>
+              </a:ext>
+            </a:extLst>
+          </p:cNvPr>
+          <p:cNvCxnSpPr/>
+          <p:nvPr/>
+        </p:nvCxnSpPr>
+        <p:spPr>
+          <a:xfrm>
+            <a:off x="5162944" y="3453394"/>
+            <a:ext cx="1463040" cy="79513"/>
+          </a:xfrm>
+          <a:prstGeom prst="straightConnector1">
+            <a:avLst/>
+          </a:prstGeom>
+          <a:ln>
+            <a:solidFill>
+              <a:srgbClr val="FF0000"/>
+            </a:solidFill>
+            <a:tailEnd type="triangle"/>
+          </a:ln>
+        </p:spPr>
+        <p:style>
+          <a:lnRef idx="2">
+            <a:schemeClr val="accent2"/>
+          </a:lnRef>
+          <a:fillRef idx="0">
+            <a:schemeClr val="accent2"/>
+          </a:fillRef>
+          <a:effectRef idx="1">
+            <a:schemeClr val="accent2"/>
+          </a:effectRef>
+          <a:fontRef idx="minor">
+            <a:schemeClr val="tx1"/>
+          </a:fontRef>
+        </p:style>
+      </p:cxnSp>
+      <p:sp>
+        <p:nvSpPr>
+          <p:cNvPr id="11" name="TextBox 10">
+            <a:extLst>
+              <a:ext uri="{FF2B5EF4-FFF2-40B4-BE49-F238E27FC236}">
+                <a16:creationId xmlns:a16="http://schemas.microsoft.com/office/drawing/2014/main" id="{9D850B00-4242-4370-6C2C-E77214B22A7E}"/>
+              </a:ext>
+            </a:extLst>
+          </p:cNvPr>
+          <p:cNvSpPr txBox="1"/>
+          <p:nvPr/>
+        </p:nvSpPr>
+        <p:spPr>
+          <a:xfrm>
+            <a:off x="838199" y="3784821"/>
+            <a:ext cx="1585690" cy="923330"/>
+          </a:xfrm>
+          <a:prstGeom prst="rect">
+            <a:avLst/>
+          </a:prstGeom>
+          <a:noFill/>
+        </p:spPr>
+        <p:txBody>
+          <a:bodyPr wrap="none" rtlCol="0">
+            <a:spAutoFit/>
+          </a:bodyPr>
+          <a:lstStyle/>
+          <a:p>
+            <a:r>
+              <a:rPr lang="en-US" b="1" dirty="0">
+                <a:solidFill>
+                  <a:srgbClr val="FF0000"/>
+                </a:solidFill>
+              </a:rPr>
+              <a:t>f(F) = h(F) = 17</a:t>
+            </a:r>
+          </a:p>
+          <a:p>
+            <a:endParaRPr lang="en-US" dirty="0"/>
+          </a:p>
+          <a:p>
+            <a:r>
+              <a:rPr lang="en-US" dirty="0"/>
+              <a:t>f(E) = h(E) = 19</a:t>
+            </a:r>
+          </a:p>
+        </p:txBody>
+      </p:sp>
+      <p:sp>
+        <p:nvSpPr>
+          <p:cNvPr id="14" name="Rectangle 13">
+            <a:extLst>
+              <a:ext uri="{FF2B5EF4-FFF2-40B4-BE49-F238E27FC236}">
+                <a16:creationId xmlns:a16="http://schemas.microsoft.com/office/drawing/2014/main" id="{CE7FBE7E-526E-CCC3-75BC-DCC320AD58E6}"/>
+              </a:ext>
+            </a:extLst>
+          </p:cNvPr>
+          <p:cNvSpPr/>
+          <p:nvPr/>
+        </p:nvSpPr>
+        <p:spPr>
+          <a:xfrm>
+            <a:off x="739471" y="1749286"/>
+            <a:ext cx="2043486" cy="1566408"/>
+          </a:xfrm>
+          <a:prstGeom prst="rect">
+            <a:avLst/>
+          </a:prstGeom>
+          <a:noFill/>
+        </p:spPr>
+        <p:style>
+          <a:lnRef idx="2">
+            <a:schemeClr val="accent1">
+              <a:shade val="15000"/>
+            </a:schemeClr>
+          </a:lnRef>
+          <a:fillRef idx="1">
+            <a:schemeClr val="accent1"/>
+          </a:fillRef>
+          <a:effectRef idx="0">
+            <a:schemeClr val="accent1"/>
+          </a:effectRef>
+          <a:fontRef idx="minor">
+            <a:schemeClr val="lt1"/>
+          </a:fontRef>
+        </p:style>
+        <p:txBody>
+          <a:bodyPr rtlCol="0" anchor="ctr"/>
+          <a:lstStyle/>
+          <a:p>
+            <a:pPr algn="ctr"/>
+            <a:endParaRPr lang="en-US"/>
+          </a:p>
+        </p:txBody>
+      </p:sp>
+      <p:sp>
+        <p:nvSpPr>
+          <p:cNvPr id="15" name="Rectangle 14">
+            <a:extLst>
+              <a:ext uri="{FF2B5EF4-FFF2-40B4-BE49-F238E27FC236}">
+                <a16:creationId xmlns:a16="http://schemas.microsoft.com/office/drawing/2014/main" id="{AD313F9F-E5AC-C0BD-FE80-718610CCDD8D}"/>
+              </a:ext>
+            </a:extLst>
+          </p:cNvPr>
+          <p:cNvSpPr/>
+          <p:nvPr/>
+        </p:nvSpPr>
+        <p:spPr>
+          <a:xfrm>
+            <a:off x="739471" y="3526692"/>
+            <a:ext cx="2043486" cy="1331555"/>
+          </a:xfrm>
+          <a:prstGeom prst="rect">
+            <a:avLst/>
+          </a:prstGeom>
+          <a:noFill/>
+        </p:spPr>
+        <p:style>
+          <a:lnRef idx="2">
+            <a:schemeClr val="accent1">
+              <a:shade val="15000"/>
+            </a:schemeClr>
+          </a:lnRef>
+          <a:fillRef idx="1">
+            <a:schemeClr val="accent1"/>
+          </a:fillRef>
+          <a:effectRef idx="0">
+            <a:schemeClr val="accent1"/>
+          </a:effectRef>
+          <a:fontRef idx="minor">
+            <a:schemeClr val="lt1"/>
+          </a:fontRef>
+        </p:style>
+        <p:txBody>
+          <a:bodyPr rtlCol="0" anchor="ctr"/>
+          <a:lstStyle/>
+          <a:p>
+            <a:pPr algn="ctr"/>
+            <a:endParaRPr lang="en-US"/>
+          </a:p>
+        </p:txBody>
+      </p:sp>
+      <p:cxnSp>
+        <p:nvCxnSpPr>
+          <p:cNvPr id="16" name="Straight Arrow Connector 15">
+            <a:extLst>
+              <a:ext uri="{FF2B5EF4-FFF2-40B4-BE49-F238E27FC236}">
+                <a16:creationId xmlns:a16="http://schemas.microsoft.com/office/drawing/2014/main" id="{0BB26B3B-F789-FFD6-80E7-B563A8EA8D26}"/>
+              </a:ext>
+            </a:extLst>
+          </p:cNvPr>
+          <p:cNvCxnSpPr>
+            <a:cxnSpLocks/>
+          </p:cNvCxnSpPr>
+          <p:nvPr/>
+        </p:nvCxnSpPr>
+        <p:spPr>
+          <a:xfrm flipV="1">
+            <a:off x="6993070" y="2735249"/>
+            <a:ext cx="576572" cy="711930"/>
+          </a:xfrm>
+          <a:prstGeom prst="straightConnector1">
+            <a:avLst/>
+          </a:prstGeom>
+          <a:ln>
+            <a:solidFill>
+              <a:srgbClr val="FF0000"/>
+            </a:solidFill>
+            <a:tailEnd type="triangle"/>
+          </a:ln>
+        </p:spPr>
+        <p:style>
+          <a:lnRef idx="2">
+            <a:schemeClr val="accent2"/>
+          </a:lnRef>
+          <a:fillRef idx="0">
+            <a:schemeClr val="accent2"/>
+          </a:fillRef>
+          <a:effectRef idx="1">
+            <a:schemeClr val="accent2"/>
+          </a:effectRef>
+          <a:fontRef idx="minor">
+            <a:schemeClr val="tx1"/>
+          </a:fontRef>
+        </p:style>
+      </p:cxnSp>
+      <p:sp>
+        <p:nvSpPr>
+          <p:cNvPr id="18" name="TextBox 17">
+            <a:extLst>
+              <a:ext uri="{FF2B5EF4-FFF2-40B4-BE49-F238E27FC236}">
+                <a16:creationId xmlns:a16="http://schemas.microsoft.com/office/drawing/2014/main" id="{DEBAEB69-79BF-0518-C018-A526DD713582}"/>
+              </a:ext>
+            </a:extLst>
+          </p:cNvPr>
+          <p:cNvSpPr txBox="1"/>
+          <p:nvPr/>
+        </p:nvSpPr>
+        <p:spPr>
+          <a:xfrm>
+            <a:off x="838199" y="5327374"/>
+            <a:ext cx="1646605" cy="923330"/>
+          </a:xfrm>
+          <a:prstGeom prst="rect">
+            <a:avLst/>
+          </a:prstGeom>
+          <a:noFill/>
+        </p:spPr>
+        <p:txBody>
+          <a:bodyPr wrap="none" rtlCol="0">
+            <a:spAutoFit/>
+          </a:bodyPr>
+          <a:lstStyle/>
+          <a:p>
+            <a:r>
+              <a:rPr lang="en-US" b="1" dirty="0">
+                <a:solidFill>
+                  <a:srgbClr val="FF0000"/>
+                </a:solidFill>
+              </a:rPr>
+              <a:t>f(G) = h(G) = 0</a:t>
+            </a:r>
+          </a:p>
+          <a:p>
+            <a:endParaRPr lang="en-US" dirty="0"/>
+          </a:p>
+          <a:p>
+            <a:r>
+              <a:rPr lang="en-US" dirty="0"/>
+              <a:t>f(D) = h(D) = 35</a:t>
+            </a:r>
+          </a:p>
+        </p:txBody>
+      </p:sp>
+      <p:sp>
+        <p:nvSpPr>
+          <p:cNvPr id="19" name="Rectangle 18">
+            <a:extLst>
+              <a:ext uri="{FF2B5EF4-FFF2-40B4-BE49-F238E27FC236}">
+                <a16:creationId xmlns:a16="http://schemas.microsoft.com/office/drawing/2014/main" id="{B4AA2F30-BE09-74D8-3BB7-C61D719577CE}"/>
+              </a:ext>
+            </a:extLst>
+          </p:cNvPr>
+          <p:cNvSpPr/>
+          <p:nvPr/>
+        </p:nvSpPr>
+        <p:spPr>
+          <a:xfrm>
+            <a:off x="739471" y="5069245"/>
+            <a:ext cx="2043486" cy="1331555"/>
+          </a:xfrm>
+          <a:prstGeom prst="rect">
+            <a:avLst/>
+          </a:prstGeom>
+          <a:noFill/>
+        </p:spPr>
+        <p:style>
+          <a:lnRef idx="2">
+            <a:schemeClr val="accent1">
+              <a:shade val="15000"/>
+            </a:schemeClr>
+          </a:lnRef>
+          <a:fillRef idx="1">
+            <a:schemeClr val="accent1"/>
+          </a:fillRef>
+          <a:effectRef idx="0">
+            <a:schemeClr val="accent1"/>
+          </a:effectRef>
+          <a:fontRef idx="minor">
+            <a:schemeClr val="lt1"/>
+          </a:fontRef>
+        </p:style>
+        <p:txBody>
+          <a:bodyPr rtlCol="0" anchor="ctr"/>
+          <a:lstStyle/>
+          <a:p>
+            <a:pPr algn="ctr"/>
+            <a:endParaRPr lang="en-US"/>
+          </a:p>
+        </p:txBody>
+      </p:sp>
+      <p:cxnSp>
+        <p:nvCxnSpPr>
+          <p:cNvPr id="20" name="Straight Arrow Connector 19">
+            <a:extLst>
+              <a:ext uri="{FF2B5EF4-FFF2-40B4-BE49-F238E27FC236}">
+                <a16:creationId xmlns:a16="http://schemas.microsoft.com/office/drawing/2014/main" id="{26FAA26D-3A29-A4AD-A301-ABF34B0288A4}"/>
+              </a:ext>
+            </a:extLst>
+          </p:cNvPr>
+          <p:cNvCxnSpPr>
+            <a:cxnSpLocks/>
+          </p:cNvCxnSpPr>
+          <p:nvPr/>
+        </p:nvCxnSpPr>
+        <p:spPr>
+          <a:xfrm>
+            <a:off x="8091675" y="2586534"/>
+            <a:ext cx="1616868" cy="562183"/>
+          </a:xfrm>
+          <a:prstGeom prst="straightConnector1">
+            <a:avLst/>
+          </a:prstGeom>
+          <a:ln>
+            <a:solidFill>
+              <a:srgbClr val="FF0000"/>
+            </a:solidFill>
+            <a:tailEnd type="triangle"/>
+          </a:ln>
+        </p:spPr>
+        <p:style>
+          <a:lnRef idx="2">
+            <a:schemeClr val="accent2"/>
+          </a:lnRef>
+          <a:fillRef idx="0">
+            <a:schemeClr val="accent2"/>
+          </a:fillRef>
+          <a:effectRef idx="1">
+            <a:schemeClr val="accent2"/>
+          </a:effectRef>
+          <a:fontRef idx="minor">
+            <a:schemeClr val="tx1"/>
+          </a:fontRef>
+        </p:style>
+      </p:cxnSp>
+      <p:sp>
+        <p:nvSpPr>
+          <p:cNvPr id="22" name="TextBox 21">
+            <a:extLst>
+              <a:ext uri="{FF2B5EF4-FFF2-40B4-BE49-F238E27FC236}">
+                <a16:creationId xmlns:a16="http://schemas.microsoft.com/office/drawing/2014/main" id="{D5DC5AF7-33FF-A755-8AA5-F8EE05B02DE3}"/>
+              </a:ext>
+            </a:extLst>
+          </p:cNvPr>
+          <p:cNvSpPr txBox="1"/>
+          <p:nvPr/>
+        </p:nvSpPr>
+        <p:spPr>
+          <a:xfrm>
+            <a:off x="6253701" y="5848792"/>
+            <a:ext cx="2631882" cy="461665"/>
+          </a:xfrm>
+          <a:prstGeom prst="rect">
+            <a:avLst/>
+          </a:prstGeom>
+          <a:noFill/>
+        </p:spPr>
+        <p:txBody>
+          <a:bodyPr wrap="square" rtlCol="0">
+            <a:spAutoFit/>
+          </a:bodyPr>
+          <a:lstStyle/>
+          <a:p>
+            <a:r>
+              <a:rPr lang="en-US" sz="2400" b="1" dirty="0"/>
+              <a:t>A-&gt;C-&gt;F-&gt;G</a:t>
+            </a:r>
+          </a:p>
+        </p:txBody>
+      </p:sp>
+    </p:spTree>
+    <p:extLst>
+      <p:ext uri="{BB962C8B-B14F-4D97-AF65-F5344CB8AC3E}">
+        <p14:creationId xmlns:p14="http://schemas.microsoft.com/office/powerpoint/2010/main" val="3396757337"/>
+      </p:ext>
+    </p:extLst>
+  </p:cSld>
+  <p:clrMapOvr>
+    <a:masterClrMapping/>
+  </p:clrMapOvr>
+</p:sld>
+</file>
+
+<file path=ppt/slides/slide22.xml><?xml version="1.0" encoding="utf-8"?>
+<p:sld xmlns:a="http://schemas.openxmlformats.org/drawingml/2006/main" xmlns:r="http://schemas.openxmlformats.org/officeDocument/2006/relationships" xmlns:p="http://schemas.openxmlformats.org/presentationml/2006/main">
+  <p:cSld>
+    <p:spTree>
+      <p:nvGrpSpPr>
+        <p:cNvPr id="1" name=""/>
+        <p:cNvGrpSpPr/>
+        <p:nvPr/>
+      </p:nvGrpSpPr>
+      <p:grpSpPr>
+        <a:xfrm>
+          <a:off x="0" y="0"/>
+          <a:ext cx="0" cy="0"/>
+          <a:chOff x="0" y="0"/>
+          <a:chExt cx="0" cy="0"/>
+        </a:xfrm>
+      </p:grpSpPr>
+      <p:sp>
+        <p:nvSpPr>
+          <p:cNvPr id="2" name="Title 1">
+            <a:extLst>
+              <a:ext uri="{FF2B5EF4-FFF2-40B4-BE49-F238E27FC236}">
+                <a16:creationId xmlns:a16="http://schemas.microsoft.com/office/drawing/2014/main" id="{1BB16441-3BB0-AF51-2E36-4F6AFD2FF98A}"/>
+              </a:ext>
+            </a:extLst>
+          </p:cNvPr>
+          <p:cNvSpPr>
+            <a:spLocks noGrp="1"/>
+          </p:cNvSpPr>
+          <p:nvPr>
+            <p:ph type="title"/>
+          </p:nvPr>
+        </p:nvSpPr>
+        <p:spPr/>
+        <p:txBody>
+          <a:bodyPr/>
+          <a:lstStyle/>
+          <a:p>
+            <a:r>
+              <a:rPr lang="en-US" dirty="0"/>
+              <a:t>Applications of GBFS</a:t>
+            </a:r>
+          </a:p>
+        </p:txBody>
+      </p:sp>
+      <p:sp>
+        <p:nvSpPr>
+          <p:cNvPr id="3" name="Content Placeholder 2">
+            <a:extLst>
+              <a:ext uri="{FF2B5EF4-FFF2-40B4-BE49-F238E27FC236}">
+                <a16:creationId xmlns:a16="http://schemas.microsoft.com/office/drawing/2014/main" id="{96F620EE-DD99-E9DD-8B61-DC1BE883C5BD}"/>
+              </a:ext>
+            </a:extLst>
+          </p:cNvPr>
+          <p:cNvSpPr>
+            <a:spLocks noGrp="1"/>
+          </p:cNvSpPr>
+          <p:nvPr>
+            <p:ph idx="1"/>
+          </p:nvPr>
+        </p:nvSpPr>
+        <p:spPr>
+          <a:xfrm>
+            <a:off x="838200" y="2506662"/>
+            <a:ext cx="10515600" cy="4351338"/>
+          </a:xfrm>
+        </p:spPr>
+        <p:txBody>
+          <a:bodyPr/>
+          <a:lstStyle/>
+          <a:p>
+            <a:r>
+              <a:rPr lang="en-US" dirty="0"/>
+              <a:t>GPS Navigation Systems.</a:t>
+            </a:r>
+          </a:p>
+          <a:p>
+            <a:pPr marL="0" indent="0">
+              <a:buNone/>
+            </a:pPr>
+            <a:r>
+              <a:rPr lang="en-US" sz="1800" b="1" dirty="0"/>
+              <a:t>Example</a:t>
+            </a:r>
+            <a:r>
+              <a:rPr lang="en-US" sz="1800" dirty="0"/>
+              <a:t>: A car navigation system estimating the shortest route to a destination.</a:t>
+            </a:r>
+          </a:p>
+          <a:p>
+            <a:r>
+              <a:rPr lang="en-US" dirty="0"/>
+              <a:t>Robot Motion Planning.</a:t>
+            </a:r>
+          </a:p>
+          <a:p>
+            <a:pPr marL="0" indent="0">
+              <a:buNone/>
+            </a:pPr>
+            <a:r>
+              <a:rPr lang="en-US" sz="1800" b="1" dirty="0"/>
+              <a:t>Example</a:t>
+            </a:r>
+            <a:r>
+              <a:rPr lang="en-US" sz="1800" dirty="0"/>
+              <a:t>: A cleaning robot navigating a home.</a:t>
+            </a:r>
+          </a:p>
+        </p:txBody>
+      </p:sp>
+    </p:spTree>
+    <p:extLst>
+      <p:ext uri="{BB962C8B-B14F-4D97-AF65-F5344CB8AC3E}">
+        <p14:creationId xmlns:p14="http://schemas.microsoft.com/office/powerpoint/2010/main" val="1201983454"/>
+      </p:ext>
+    </p:extLst>
+  </p:cSld>
+  <p:clrMapOvr>
+    <a:masterClrMapping/>
+  </p:clrMapOvr>
+</p:sld>
+</file>
+
+<file path=ppt/slides/slide23.xml><?xml version="1.0" encoding="utf-8"?>
+<p:sld xmlns:a="http://schemas.openxmlformats.org/drawingml/2006/main" xmlns:r="http://schemas.openxmlformats.org/officeDocument/2006/relationships" xmlns:p="http://schemas.openxmlformats.org/presentationml/2006/main">
+  <p:cSld>
+    <p:spTree>
+      <p:nvGrpSpPr>
+        <p:cNvPr id="1" name=""/>
+        <p:cNvGrpSpPr/>
+        <p:nvPr/>
+      </p:nvGrpSpPr>
+      <p:grpSpPr>
+        <a:xfrm>
+          <a:off x="0" y="0"/>
+          <a:ext cx="0" cy="0"/>
+          <a:chOff x="0" y="0"/>
+          <a:chExt cx="0" cy="0"/>
+        </a:xfrm>
+      </p:grpSpPr>
+      <p:sp>
+        <p:nvSpPr>
+          <p:cNvPr id="2" name="Title 1">
+            <a:extLst>
+              <a:ext uri="{FF2B5EF4-FFF2-40B4-BE49-F238E27FC236}">
+                <a16:creationId xmlns:a16="http://schemas.microsoft.com/office/drawing/2014/main" id="{87B33BD8-654F-B33F-ADE8-60E4A88181BB}"/>
+              </a:ext>
+            </a:extLst>
+          </p:cNvPr>
+          <p:cNvSpPr>
+            <a:spLocks noGrp="1"/>
+          </p:cNvSpPr>
+          <p:nvPr>
+            <p:ph type="title"/>
+          </p:nvPr>
+        </p:nvSpPr>
+        <p:spPr/>
+        <p:txBody>
+          <a:bodyPr/>
+          <a:lstStyle/>
+          <a:p>
+            <a:r>
+              <a:rPr lang="en-US" dirty="0"/>
+              <a:t>A* Search</a:t>
+            </a:r>
+          </a:p>
+        </p:txBody>
+      </p:sp>
+      <p:sp>
+        <p:nvSpPr>
+          <p:cNvPr id="3" name="Content Placeholder 2">
+            <a:extLst>
+              <a:ext uri="{FF2B5EF4-FFF2-40B4-BE49-F238E27FC236}">
+                <a16:creationId xmlns:a16="http://schemas.microsoft.com/office/drawing/2014/main" id="{DC57380E-0B70-5EEB-78E1-3640F6AB99D8}"/>
+              </a:ext>
+            </a:extLst>
+          </p:cNvPr>
+          <p:cNvSpPr>
+            <a:spLocks noGrp="1"/>
+          </p:cNvSpPr>
+          <p:nvPr>
+            <p:ph idx="1"/>
+          </p:nvPr>
+        </p:nvSpPr>
+        <p:spPr/>
+        <p:txBody>
+          <a:bodyPr/>
+          <a:lstStyle/>
+          <a:p>
+            <a:r>
+              <a:rPr lang="en-US" b="0" i="0" dirty="0">
+                <a:effectLst/>
+                <a:latin typeface="Nunito" pitchFamily="2" charset="0"/>
+              </a:rPr>
+              <a:t>A* Search algorithm is one of the best and popular technique used in path-finding and graph traversals.</a:t>
+            </a:r>
+          </a:p>
+          <a:p>
+            <a:r>
+              <a:rPr lang="en-US" dirty="0">
+                <a:latin typeface="Nunito" pitchFamily="2" charset="0"/>
+              </a:rPr>
+              <a:t>This algorithm evaluates nodes by using following function</a:t>
+            </a:r>
+          </a:p>
+          <a:p>
+            <a:pPr marL="0" indent="0">
+              <a:buNone/>
+            </a:pPr>
+            <a:r>
+              <a:rPr lang="en-US" dirty="0">
+                <a:latin typeface="Nunito" pitchFamily="2" charset="0"/>
+              </a:rPr>
+              <a:t>		f(n) = g(n)+h(n)</a:t>
+            </a:r>
+          </a:p>
+          <a:p>
+            <a:pPr marL="0" indent="0">
+              <a:buNone/>
+            </a:pPr>
+            <a:r>
+              <a:rPr lang="en-US" dirty="0">
+                <a:latin typeface="Nunito" pitchFamily="2" charset="0"/>
+              </a:rPr>
+              <a:t>g(n) = cost from initial state to current node (n)</a:t>
+            </a:r>
+          </a:p>
+          <a:p>
+            <a:pPr marL="0" indent="0">
+              <a:buNone/>
+            </a:pPr>
+            <a:r>
+              <a:rPr lang="en-US" dirty="0">
+                <a:latin typeface="Nunito" pitchFamily="2" charset="0"/>
+              </a:rPr>
+              <a:t>h(n) = estimated cost from node n to the goal state.</a:t>
+            </a:r>
+          </a:p>
+          <a:p>
+            <a:endParaRPr lang="en-US" dirty="0"/>
+          </a:p>
+        </p:txBody>
+      </p:sp>
+      <p:pic>
+        <p:nvPicPr>
+          <p:cNvPr id="6" name="Picture 5" descr="A diagram of a mathematical equation">
+            <a:extLst>
+              <a:ext uri="{FF2B5EF4-FFF2-40B4-BE49-F238E27FC236}">
+                <a16:creationId xmlns:a16="http://schemas.microsoft.com/office/drawing/2014/main" id="{F1B112BA-07B2-3651-404B-59C1336586EF}"/>
+              </a:ext>
+            </a:extLst>
+          </p:cNvPr>
+          <p:cNvPicPr>
+            <a:picLocks noChangeAspect="1"/>
+          </p:cNvPicPr>
+          <p:nvPr/>
+        </p:nvPicPr>
+        <p:blipFill>
+          <a:blip r:embed="rId2">
+            <a:extLst>
+              <a:ext uri="{28A0092B-C50C-407E-A947-70E740481C1C}">
+                <a14:useLocalDpi xmlns:a14="http://schemas.microsoft.com/office/drawing/2010/main" val="0"/>
+              </a:ext>
+            </a:extLst>
+          </a:blip>
+          <a:stretch>
+            <a:fillRect/>
+          </a:stretch>
+        </p:blipFill>
+        <p:spPr>
+          <a:xfrm>
+            <a:off x="2390693" y="4917519"/>
+            <a:ext cx="5735541" cy="1670771"/>
+          </a:xfrm>
+          <a:prstGeom prst="rect">
+            <a:avLst/>
+          </a:prstGeom>
+        </p:spPr>
+      </p:pic>
+    </p:spTree>
+    <p:extLst>
+      <p:ext uri="{BB962C8B-B14F-4D97-AF65-F5344CB8AC3E}">
+        <p14:creationId xmlns:p14="http://schemas.microsoft.com/office/powerpoint/2010/main" val="1903830705"/>
+      </p:ext>
+    </p:extLst>
+  </p:cSld>
+  <p:clrMapOvr>
+    <a:masterClrMapping/>
+  </p:clrMapOvr>
+</p:sld>
+</file>
+
+<file path=ppt/slides/slide24.xml><?xml version="1.0" encoding="utf-8"?>
+<p:sld xmlns:a="http://schemas.openxmlformats.org/drawingml/2006/main" xmlns:r="http://schemas.openxmlformats.org/officeDocument/2006/relationships" xmlns:p="http://schemas.openxmlformats.org/presentationml/2006/main">
+  <p:cSld>
+    <p:spTree>
+      <p:nvGrpSpPr>
+        <p:cNvPr id="1" name=""/>
+        <p:cNvGrpSpPr/>
+        <p:nvPr/>
+      </p:nvGrpSpPr>
+      <p:grpSpPr>
+        <a:xfrm>
+          <a:off x="0" y="0"/>
+          <a:ext cx="0" cy="0"/>
+          <a:chOff x="0" y="0"/>
+          <a:chExt cx="0" cy="0"/>
+        </a:xfrm>
+      </p:grpSpPr>
+      <p:sp>
+        <p:nvSpPr>
+          <p:cNvPr id="2" name="Title 1">
+            <a:extLst>
+              <a:ext uri="{FF2B5EF4-FFF2-40B4-BE49-F238E27FC236}">
+                <a16:creationId xmlns:a16="http://schemas.microsoft.com/office/drawing/2014/main" id="{4549B90D-4F99-77F2-C4B3-78C5F4ED317A}"/>
+              </a:ext>
+            </a:extLst>
+          </p:cNvPr>
+          <p:cNvSpPr>
+            <a:spLocks noGrp="1"/>
+          </p:cNvSpPr>
+          <p:nvPr>
+            <p:ph type="title"/>
+          </p:nvPr>
+        </p:nvSpPr>
+        <p:spPr/>
+        <p:txBody>
+          <a:bodyPr/>
+          <a:lstStyle/>
+          <a:p>
+            <a:r>
+              <a:rPr lang="en-US" dirty="0"/>
+              <a:t>How does A* Search work?</a:t>
+            </a:r>
+          </a:p>
+        </p:txBody>
+      </p:sp>
+      <p:grpSp>
+        <p:nvGrpSpPr>
+          <p:cNvPr id="43" name="Group 42">
+            <a:extLst>
+              <a:ext uri="{FF2B5EF4-FFF2-40B4-BE49-F238E27FC236}">
+                <a16:creationId xmlns:a16="http://schemas.microsoft.com/office/drawing/2014/main" id="{D35C3FAF-0AE0-F666-7987-0C084E79DEA3}"/>
+              </a:ext>
+            </a:extLst>
+          </p:cNvPr>
+          <p:cNvGrpSpPr/>
+          <p:nvPr/>
+        </p:nvGrpSpPr>
+        <p:grpSpPr>
+          <a:xfrm>
+            <a:off x="6143429" y="2249354"/>
+            <a:ext cx="4242299" cy="2864660"/>
+            <a:chOff x="6143429" y="2249354"/>
+            <a:chExt cx="4242299" cy="2864660"/>
+          </a:xfrm>
+        </p:grpSpPr>
+        <p:sp>
+          <p:nvSpPr>
+            <p:cNvPr id="4" name="Oval 3">
+              <a:extLst>
+                <a:ext uri="{FF2B5EF4-FFF2-40B4-BE49-F238E27FC236}">
+                  <a16:creationId xmlns:a16="http://schemas.microsoft.com/office/drawing/2014/main" id="{BE37EF8C-23A4-0952-1EC1-E41B9AA90EB3}"/>
+                </a:ext>
+              </a:extLst>
+            </p:cNvPr>
+            <p:cNvSpPr/>
+            <p:nvPr/>
+          </p:nvSpPr>
+          <p:spPr>
+            <a:xfrm>
+              <a:off x="6162261" y="3053301"/>
+              <a:ext cx="492981" cy="492981"/>
+            </a:xfrm>
+            <a:prstGeom prst="ellipse">
+              <a:avLst/>
+            </a:prstGeom>
+          </p:spPr>
+          <p:style>
+            <a:lnRef idx="2">
+              <a:schemeClr val="accent1">
+                <a:shade val="15000"/>
+              </a:schemeClr>
+            </a:lnRef>
+            <a:fillRef idx="1">
+              <a:schemeClr val="accent1"/>
+            </a:fillRef>
+            <a:effectRef idx="0">
+              <a:schemeClr val="accent1"/>
+            </a:effectRef>
+            <a:fontRef idx="minor">
+              <a:schemeClr val="lt1"/>
+            </a:fontRef>
+          </p:style>
+          <p:txBody>
+            <a:bodyPr rtlCol="0" anchor="ctr"/>
+            <a:lstStyle/>
+            <a:p>
+              <a:pPr algn="ctr"/>
+              <a:r>
+                <a:rPr lang="en-US" dirty="0"/>
+                <a:t>A</a:t>
+              </a:r>
+            </a:p>
+          </p:txBody>
+        </p:sp>
+        <p:sp>
+          <p:nvSpPr>
+            <p:cNvPr id="5" name="Oval 4">
+              <a:extLst>
+                <a:ext uri="{FF2B5EF4-FFF2-40B4-BE49-F238E27FC236}">
+                  <a16:creationId xmlns:a16="http://schemas.microsoft.com/office/drawing/2014/main" id="{3471DB89-9FC9-0DC1-B020-56D5C747FF7E}"/>
+                </a:ext>
+              </a:extLst>
+            </p:cNvPr>
+            <p:cNvSpPr/>
+            <p:nvPr/>
+          </p:nvSpPr>
+          <p:spPr>
+            <a:xfrm>
+              <a:off x="7268817" y="2259496"/>
+              <a:ext cx="492981" cy="492981"/>
+            </a:xfrm>
+            <a:prstGeom prst="ellipse">
+              <a:avLst/>
+            </a:prstGeom>
+          </p:spPr>
+          <p:style>
+            <a:lnRef idx="2">
+              <a:schemeClr val="accent1">
+                <a:shade val="15000"/>
+              </a:schemeClr>
+            </a:lnRef>
+            <a:fillRef idx="1">
+              <a:schemeClr val="accent1"/>
+            </a:fillRef>
+            <a:effectRef idx="0">
+              <a:schemeClr val="accent1"/>
+            </a:effectRef>
+            <a:fontRef idx="minor">
+              <a:schemeClr val="lt1"/>
+            </a:fontRef>
+          </p:style>
+          <p:txBody>
+            <a:bodyPr rtlCol="0" anchor="ctr"/>
+            <a:lstStyle/>
+            <a:p>
+              <a:pPr algn="ctr"/>
+              <a:r>
+                <a:rPr lang="en-US" dirty="0"/>
+                <a:t>B</a:t>
+              </a:r>
+            </a:p>
+          </p:txBody>
+        </p:sp>
+        <p:sp>
+          <p:nvSpPr>
+            <p:cNvPr id="6" name="Oval 5">
+              <a:extLst>
+                <a:ext uri="{FF2B5EF4-FFF2-40B4-BE49-F238E27FC236}">
+                  <a16:creationId xmlns:a16="http://schemas.microsoft.com/office/drawing/2014/main" id="{F43C8B8B-E306-239C-299D-93E6FA1F1052}"/>
+                </a:ext>
+              </a:extLst>
+            </p:cNvPr>
+            <p:cNvSpPr/>
+            <p:nvPr/>
+          </p:nvSpPr>
+          <p:spPr>
+            <a:xfrm>
+              <a:off x="6266953" y="4295029"/>
+              <a:ext cx="492981" cy="492981"/>
+            </a:xfrm>
+            <a:prstGeom prst="ellipse">
+              <a:avLst/>
+            </a:prstGeom>
+          </p:spPr>
+          <p:style>
+            <a:lnRef idx="2">
+              <a:schemeClr val="accent1">
+                <a:shade val="15000"/>
+              </a:schemeClr>
+            </a:lnRef>
+            <a:fillRef idx="1">
+              <a:schemeClr val="accent1"/>
+            </a:fillRef>
+            <a:effectRef idx="0">
+              <a:schemeClr val="accent1"/>
+            </a:effectRef>
+            <a:fontRef idx="minor">
+              <a:schemeClr val="lt1"/>
+            </a:fontRef>
+          </p:style>
+          <p:txBody>
+            <a:bodyPr rtlCol="0" anchor="ctr"/>
+            <a:lstStyle/>
+            <a:p>
+              <a:pPr algn="ctr"/>
+              <a:r>
+                <a:rPr lang="en-US" dirty="0"/>
+                <a:t>C</a:t>
+              </a:r>
+            </a:p>
+          </p:txBody>
+        </p:sp>
+        <p:sp>
+          <p:nvSpPr>
+            <p:cNvPr id="7" name="Oval 6">
+              <a:extLst>
+                <a:ext uri="{FF2B5EF4-FFF2-40B4-BE49-F238E27FC236}">
+                  <a16:creationId xmlns:a16="http://schemas.microsoft.com/office/drawing/2014/main" id="{E987BB4D-3038-289C-EB66-A90A1C8F67CA}"/>
+                </a:ext>
+              </a:extLst>
+            </p:cNvPr>
+            <p:cNvSpPr/>
+            <p:nvPr/>
+          </p:nvSpPr>
+          <p:spPr>
+            <a:xfrm>
+              <a:off x="7865166" y="4621032"/>
+              <a:ext cx="492981" cy="492981"/>
+            </a:xfrm>
+            <a:prstGeom prst="ellipse">
+              <a:avLst/>
+            </a:prstGeom>
+          </p:spPr>
+          <p:style>
+            <a:lnRef idx="2">
+              <a:schemeClr val="accent1">
+                <a:shade val="15000"/>
+              </a:schemeClr>
+            </a:lnRef>
+            <a:fillRef idx="1">
+              <a:schemeClr val="accent1"/>
+            </a:fillRef>
+            <a:effectRef idx="0">
+              <a:schemeClr val="accent1"/>
+            </a:effectRef>
+            <a:fontRef idx="minor">
+              <a:schemeClr val="lt1"/>
+            </a:fontRef>
+          </p:style>
+          <p:txBody>
+            <a:bodyPr rtlCol="0" anchor="ctr"/>
+            <a:lstStyle/>
+            <a:p>
+              <a:pPr algn="ctr"/>
+              <a:r>
+                <a:rPr lang="en-US" dirty="0"/>
+                <a:t>E</a:t>
+              </a:r>
+            </a:p>
+          </p:txBody>
+        </p:sp>
+        <p:sp>
+          <p:nvSpPr>
+            <p:cNvPr id="8" name="Oval 7">
+              <a:extLst>
+                <a:ext uri="{FF2B5EF4-FFF2-40B4-BE49-F238E27FC236}">
+                  <a16:creationId xmlns:a16="http://schemas.microsoft.com/office/drawing/2014/main" id="{8A35F3D3-D839-3682-11BA-D6A484B0C307}"/>
+                </a:ext>
+              </a:extLst>
+            </p:cNvPr>
+            <p:cNvSpPr/>
+            <p:nvPr/>
+          </p:nvSpPr>
+          <p:spPr>
+            <a:xfrm>
+              <a:off x="8676198" y="2625256"/>
+              <a:ext cx="492981" cy="492981"/>
+            </a:xfrm>
+            <a:prstGeom prst="ellipse">
+              <a:avLst/>
+            </a:prstGeom>
+          </p:spPr>
+          <p:style>
+            <a:lnRef idx="2">
+              <a:schemeClr val="accent1">
+                <a:shade val="15000"/>
+              </a:schemeClr>
+            </a:lnRef>
+            <a:fillRef idx="1">
+              <a:schemeClr val="accent1"/>
+            </a:fillRef>
+            <a:effectRef idx="0">
+              <a:schemeClr val="accent1"/>
+            </a:effectRef>
+            <a:fontRef idx="minor">
+              <a:schemeClr val="lt1"/>
+            </a:fontRef>
+          </p:style>
+          <p:txBody>
+            <a:bodyPr rtlCol="0" anchor="ctr"/>
+            <a:lstStyle/>
+            <a:p>
+              <a:pPr algn="ctr"/>
+              <a:r>
+                <a:rPr lang="en-US" dirty="0"/>
+                <a:t>D</a:t>
+              </a:r>
+            </a:p>
+          </p:txBody>
+        </p:sp>
+        <p:sp>
+          <p:nvSpPr>
+            <p:cNvPr id="9" name="Oval 8">
+              <a:extLst>
+                <a:ext uri="{FF2B5EF4-FFF2-40B4-BE49-F238E27FC236}">
+                  <a16:creationId xmlns:a16="http://schemas.microsoft.com/office/drawing/2014/main" id="{16DE5531-13DB-131F-03F2-FE92EAF1D8ED}"/>
+                </a:ext>
+              </a:extLst>
+            </p:cNvPr>
+            <p:cNvSpPr/>
+            <p:nvPr/>
+          </p:nvSpPr>
+          <p:spPr>
+            <a:xfrm>
+              <a:off x="9892747" y="3391231"/>
+              <a:ext cx="492981" cy="492981"/>
+            </a:xfrm>
+            <a:prstGeom prst="ellipse">
+              <a:avLst/>
+            </a:prstGeom>
+          </p:spPr>
+          <p:style>
+            <a:lnRef idx="2">
+              <a:schemeClr val="accent1">
+                <a:shade val="15000"/>
+              </a:schemeClr>
+            </a:lnRef>
+            <a:fillRef idx="1">
+              <a:schemeClr val="accent1"/>
+            </a:fillRef>
+            <a:effectRef idx="0">
+              <a:schemeClr val="accent1"/>
+            </a:effectRef>
+            <a:fontRef idx="minor">
+              <a:schemeClr val="lt1"/>
+            </a:fontRef>
+          </p:style>
+          <p:txBody>
+            <a:bodyPr rtlCol="0" anchor="ctr"/>
+            <a:lstStyle/>
+            <a:p>
+              <a:pPr algn="ctr"/>
+              <a:r>
+                <a:rPr lang="en-US" dirty="0"/>
+                <a:t>F</a:t>
+              </a:r>
+            </a:p>
+          </p:txBody>
+        </p:sp>
+        <p:sp>
+          <p:nvSpPr>
+            <p:cNvPr id="10" name="Oval 9">
+              <a:extLst>
+                <a:ext uri="{FF2B5EF4-FFF2-40B4-BE49-F238E27FC236}">
+                  <a16:creationId xmlns:a16="http://schemas.microsoft.com/office/drawing/2014/main" id="{611EDADE-EA56-76A3-1C00-8958FB475090}"/>
+                </a:ext>
+              </a:extLst>
+            </p:cNvPr>
+            <p:cNvSpPr/>
+            <p:nvPr/>
+          </p:nvSpPr>
+          <p:spPr>
+            <a:xfrm>
+              <a:off x="9224838" y="4621033"/>
+              <a:ext cx="492981" cy="492981"/>
+            </a:xfrm>
+            <a:prstGeom prst="ellipse">
+              <a:avLst/>
+            </a:prstGeom>
+          </p:spPr>
+          <p:style>
+            <a:lnRef idx="2">
+              <a:schemeClr val="accent1">
+                <a:shade val="15000"/>
+              </a:schemeClr>
+            </a:lnRef>
+            <a:fillRef idx="1">
+              <a:schemeClr val="accent1"/>
+            </a:fillRef>
+            <a:effectRef idx="0">
+              <a:schemeClr val="accent1"/>
+            </a:effectRef>
+            <a:fontRef idx="minor">
+              <a:schemeClr val="lt1"/>
+            </a:fontRef>
+          </p:style>
+          <p:txBody>
+            <a:bodyPr rtlCol="0" anchor="ctr"/>
+            <a:lstStyle/>
+            <a:p>
+              <a:pPr algn="ctr"/>
+              <a:r>
+                <a:rPr lang="en-US" dirty="0"/>
+                <a:t>G</a:t>
+              </a:r>
+            </a:p>
+          </p:txBody>
+        </p:sp>
+        <p:cxnSp>
+          <p:nvCxnSpPr>
+            <p:cNvPr id="12" name="Straight Arrow Connector 11">
+              <a:extLst>
+                <a:ext uri="{FF2B5EF4-FFF2-40B4-BE49-F238E27FC236}">
+                  <a16:creationId xmlns:a16="http://schemas.microsoft.com/office/drawing/2014/main" id="{B55664CB-5A1C-82FB-42E0-4CA0DEC0F189}"/>
+                </a:ext>
+              </a:extLst>
+            </p:cNvPr>
+            <p:cNvCxnSpPr>
+              <a:stCxn id="4" idx="7"/>
+              <a:endCxn id="5" idx="3"/>
+            </p:cNvCxnSpPr>
+            <p:nvPr/>
+          </p:nvCxnSpPr>
+          <p:spPr>
+            <a:xfrm flipV="1">
+              <a:off x="6583047" y="2680282"/>
+              <a:ext cx="757965" cy="445214"/>
+            </a:xfrm>
+            <a:prstGeom prst="straightConnector1">
+              <a:avLst/>
+            </a:prstGeom>
+            <a:ln>
+              <a:tailEnd type="triangle"/>
+            </a:ln>
+          </p:spPr>
+          <p:style>
+            <a:lnRef idx="2">
+              <a:schemeClr val="accent1"/>
+            </a:lnRef>
+            <a:fillRef idx="0">
+              <a:schemeClr val="accent1"/>
+            </a:fillRef>
+            <a:effectRef idx="1">
+              <a:schemeClr val="accent1"/>
+            </a:effectRef>
+            <a:fontRef idx="minor">
+              <a:schemeClr val="tx1"/>
+            </a:fontRef>
+          </p:style>
+        </p:cxnSp>
+        <p:cxnSp>
+          <p:nvCxnSpPr>
+            <p:cNvPr id="14" name="Straight Arrow Connector 13">
+              <a:extLst>
+                <a:ext uri="{FF2B5EF4-FFF2-40B4-BE49-F238E27FC236}">
+                  <a16:creationId xmlns:a16="http://schemas.microsoft.com/office/drawing/2014/main" id="{4AFDBC81-E2AF-C872-8A7F-B5DC2CCEEE52}"/>
+                </a:ext>
+              </a:extLst>
+            </p:cNvPr>
+            <p:cNvCxnSpPr>
+              <a:stCxn id="4" idx="4"/>
+              <a:endCxn id="6" idx="0"/>
+            </p:cNvCxnSpPr>
+            <p:nvPr/>
+          </p:nvCxnSpPr>
+          <p:spPr>
+            <a:xfrm>
+              <a:off x="6408752" y="3546282"/>
+              <a:ext cx="104692" cy="748747"/>
+            </a:xfrm>
+            <a:prstGeom prst="straightConnector1">
+              <a:avLst/>
+            </a:prstGeom>
+            <a:ln>
+              <a:tailEnd type="triangle"/>
+            </a:ln>
+          </p:spPr>
+          <p:style>
+            <a:lnRef idx="2">
+              <a:schemeClr val="accent1"/>
+            </a:lnRef>
+            <a:fillRef idx="0">
+              <a:schemeClr val="accent1"/>
+            </a:fillRef>
+            <a:effectRef idx="1">
+              <a:schemeClr val="accent1"/>
+            </a:effectRef>
+            <a:fontRef idx="minor">
+              <a:schemeClr val="tx1"/>
+            </a:fontRef>
+          </p:style>
+        </p:cxnSp>
+        <p:cxnSp>
+          <p:nvCxnSpPr>
+            <p:cNvPr id="17" name="Straight Arrow Connector 16">
+              <a:extLst>
+                <a:ext uri="{FF2B5EF4-FFF2-40B4-BE49-F238E27FC236}">
+                  <a16:creationId xmlns:a16="http://schemas.microsoft.com/office/drawing/2014/main" id="{266480EE-6B16-0CBA-B498-888EF1EC80FF}"/>
+                </a:ext>
+              </a:extLst>
+            </p:cNvPr>
+            <p:cNvCxnSpPr>
+              <a:stCxn id="5" idx="6"/>
+              <a:endCxn id="8" idx="1"/>
+            </p:cNvCxnSpPr>
+            <p:nvPr/>
+          </p:nvCxnSpPr>
+          <p:spPr>
+            <a:xfrm>
+              <a:off x="7761798" y="2505987"/>
+              <a:ext cx="986595" cy="191464"/>
+            </a:xfrm>
+            <a:prstGeom prst="straightConnector1">
+              <a:avLst/>
+            </a:prstGeom>
+            <a:ln>
+              <a:tailEnd type="triangle"/>
+            </a:ln>
+          </p:spPr>
+          <p:style>
+            <a:lnRef idx="2">
+              <a:schemeClr val="accent1"/>
+            </a:lnRef>
+            <a:fillRef idx="0">
+              <a:schemeClr val="accent1"/>
+            </a:fillRef>
+            <a:effectRef idx="1">
+              <a:schemeClr val="accent1"/>
+            </a:effectRef>
+            <a:fontRef idx="minor">
+              <a:schemeClr val="tx1"/>
+            </a:fontRef>
+          </p:style>
+        </p:cxnSp>
+        <p:cxnSp>
+          <p:nvCxnSpPr>
+            <p:cNvPr id="21" name="Straight Arrow Connector 20">
+              <a:extLst>
+                <a:ext uri="{FF2B5EF4-FFF2-40B4-BE49-F238E27FC236}">
+                  <a16:creationId xmlns:a16="http://schemas.microsoft.com/office/drawing/2014/main" id="{3ED00E8A-FCC9-D64E-3B95-894D24474F34}"/>
+                </a:ext>
+              </a:extLst>
+            </p:cNvPr>
+            <p:cNvCxnSpPr>
+              <a:stCxn id="8" idx="6"/>
+              <a:endCxn id="9" idx="1"/>
+            </p:cNvCxnSpPr>
+            <p:nvPr/>
+          </p:nvCxnSpPr>
+          <p:spPr>
+            <a:xfrm>
+              <a:off x="9169179" y="2871747"/>
+              <a:ext cx="795763" cy="591679"/>
+            </a:xfrm>
+            <a:prstGeom prst="straightConnector1">
+              <a:avLst/>
+            </a:prstGeom>
+            <a:ln>
+              <a:tailEnd type="triangle"/>
+            </a:ln>
+          </p:spPr>
+          <p:style>
+            <a:lnRef idx="2">
+              <a:schemeClr val="accent1"/>
+            </a:lnRef>
+            <a:fillRef idx="0">
+              <a:schemeClr val="accent1"/>
+            </a:fillRef>
+            <a:effectRef idx="1">
+              <a:schemeClr val="accent1"/>
+            </a:effectRef>
+            <a:fontRef idx="minor">
+              <a:schemeClr val="tx1"/>
+            </a:fontRef>
+          </p:style>
+        </p:cxnSp>
+        <p:cxnSp>
+          <p:nvCxnSpPr>
+            <p:cNvPr id="23" name="Straight Arrow Connector 22">
+              <a:extLst>
+                <a:ext uri="{FF2B5EF4-FFF2-40B4-BE49-F238E27FC236}">
+                  <a16:creationId xmlns:a16="http://schemas.microsoft.com/office/drawing/2014/main" id="{E4F60272-FDE4-3A67-91F7-190A93D26BEC}"/>
+                </a:ext>
+              </a:extLst>
+            </p:cNvPr>
+            <p:cNvCxnSpPr>
+              <a:stCxn id="9" idx="4"/>
+              <a:endCxn id="10" idx="7"/>
+            </p:cNvCxnSpPr>
+            <p:nvPr/>
+          </p:nvCxnSpPr>
+          <p:spPr>
+            <a:xfrm flipH="1">
+              <a:off x="9645624" y="3884212"/>
+              <a:ext cx="493614" cy="809016"/>
+            </a:xfrm>
+            <a:prstGeom prst="straightConnector1">
+              <a:avLst/>
+            </a:prstGeom>
+            <a:ln>
+              <a:tailEnd type="triangle"/>
+            </a:ln>
+          </p:spPr>
+          <p:style>
+            <a:lnRef idx="2">
+              <a:schemeClr val="accent1"/>
+            </a:lnRef>
+            <a:fillRef idx="0">
+              <a:schemeClr val="accent1"/>
+            </a:fillRef>
+            <a:effectRef idx="1">
+              <a:schemeClr val="accent1"/>
+            </a:effectRef>
+            <a:fontRef idx="minor">
+              <a:schemeClr val="tx1"/>
+            </a:fontRef>
+          </p:style>
+        </p:cxnSp>
+        <p:cxnSp>
+          <p:nvCxnSpPr>
+            <p:cNvPr id="25" name="Straight Arrow Connector 24">
+              <a:extLst>
+                <a:ext uri="{FF2B5EF4-FFF2-40B4-BE49-F238E27FC236}">
+                  <a16:creationId xmlns:a16="http://schemas.microsoft.com/office/drawing/2014/main" id="{A0DE4C73-98CD-30A9-9064-F0A16CB1FEBC}"/>
+                </a:ext>
+              </a:extLst>
+            </p:cNvPr>
+            <p:cNvCxnSpPr>
+              <a:stCxn id="8" idx="4"/>
+              <a:endCxn id="10" idx="1"/>
+            </p:cNvCxnSpPr>
+            <p:nvPr/>
+          </p:nvCxnSpPr>
+          <p:spPr>
+            <a:xfrm>
+              <a:off x="8922689" y="3118237"/>
+              <a:ext cx="374344" cy="1574991"/>
+            </a:xfrm>
+            <a:prstGeom prst="straightConnector1">
+              <a:avLst/>
+            </a:prstGeom>
+            <a:ln>
+              <a:tailEnd type="triangle"/>
+            </a:ln>
+          </p:spPr>
+          <p:style>
+            <a:lnRef idx="2">
+              <a:schemeClr val="accent1"/>
+            </a:lnRef>
+            <a:fillRef idx="0">
+              <a:schemeClr val="accent1"/>
+            </a:fillRef>
+            <a:effectRef idx="1">
+              <a:schemeClr val="accent1"/>
+            </a:effectRef>
+            <a:fontRef idx="minor">
+              <a:schemeClr val="tx1"/>
+            </a:fontRef>
+          </p:style>
+        </p:cxnSp>
+        <p:cxnSp>
+          <p:nvCxnSpPr>
+            <p:cNvPr id="27" name="Straight Arrow Connector 26">
+              <a:extLst>
+                <a:ext uri="{FF2B5EF4-FFF2-40B4-BE49-F238E27FC236}">
+                  <a16:creationId xmlns:a16="http://schemas.microsoft.com/office/drawing/2014/main" id="{7484F8B4-5D24-2D1A-E286-46238BF8823F}"/>
+                </a:ext>
+              </a:extLst>
+            </p:cNvPr>
+            <p:cNvCxnSpPr>
+              <a:stCxn id="5" idx="4"/>
+              <a:endCxn id="6" idx="7"/>
+            </p:cNvCxnSpPr>
+            <p:nvPr/>
+          </p:nvCxnSpPr>
+          <p:spPr>
+            <a:xfrm flipH="1">
+              <a:off x="6687739" y="2752477"/>
+              <a:ext cx="827569" cy="1614747"/>
+            </a:xfrm>
+            <a:prstGeom prst="straightConnector1">
+              <a:avLst/>
+            </a:prstGeom>
+            <a:ln>
+              <a:tailEnd type="triangle"/>
+            </a:ln>
+          </p:spPr>
+          <p:style>
+            <a:lnRef idx="2">
+              <a:schemeClr val="accent1"/>
+            </a:lnRef>
+            <a:fillRef idx="0">
+              <a:schemeClr val="accent1"/>
+            </a:fillRef>
+            <a:effectRef idx="1">
+              <a:schemeClr val="accent1"/>
+            </a:effectRef>
+            <a:fontRef idx="minor">
+              <a:schemeClr val="tx1"/>
+            </a:fontRef>
+          </p:style>
+        </p:cxnSp>
+        <p:cxnSp>
+          <p:nvCxnSpPr>
+            <p:cNvPr id="29" name="Straight Arrow Connector 28">
+              <a:extLst>
+                <a:ext uri="{FF2B5EF4-FFF2-40B4-BE49-F238E27FC236}">
+                  <a16:creationId xmlns:a16="http://schemas.microsoft.com/office/drawing/2014/main" id="{3703622D-A90B-D674-FB4F-D6F123C9D77C}"/>
+                </a:ext>
+              </a:extLst>
+            </p:cNvPr>
+            <p:cNvCxnSpPr>
+              <a:stCxn id="6" idx="5"/>
+              <a:endCxn id="7" idx="2"/>
+            </p:cNvCxnSpPr>
+            <p:nvPr/>
+          </p:nvCxnSpPr>
+          <p:spPr>
+            <a:xfrm>
+              <a:off x="6687739" y="4715815"/>
+              <a:ext cx="1177427" cy="151708"/>
+            </a:xfrm>
+            <a:prstGeom prst="straightConnector1">
+              <a:avLst/>
+            </a:prstGeom>
+            <a:ln>
+              <a:tailEnd type="triangle"/>
+            </a:ln>
+          </p:spPr>
+          <p:style>
+            <a:lnRef idx="2">
+              <a:schemeClr val="accent1"/>
+            </a:lnRef>
+            <a:fillRef idx="0">
+              <a:schemeClr val="accent1"/>
+            </a:fillRef>
+            <a:effectRef idx="1">
+              <a:schemeClr val="accent1"/>
+            </a:effectRef>
+            <a:fontRef idx="minor">
+              <a:schemeClr val="tx1"/>
+            </a:fontRef>
+          </p:style>
+        </p:cxnSp>
+        <p:cxnSp>
+          <p:nvCxnSpPr>
+            <p:cNvPr id="31" name="Straight Arrow Connector 30">
+              <a:extLst>
+                <a:ext uri="{FF2B5EF4-FFF2-40B4-BE49-F238E27FC236}">
+                  <a16:creationId xmlns:a16="http://schemas.microsoft.com/office/drawing/2014/main" id="{B0D4A28B-EB16-C138-1489-8B25FB9767A6}"/>
+                </a:ext>
+              </a:extLst>
+            </p:cNvPr>
+            <p:cNvCxnSpPr>
+              <a:stCxn id="7" idx="6"/>
+              <a:endCxn id="10" idx="2"/>
+            </p:cNvCxnSpPr>
+            <p:nvPr/>
+          </p:nvCxnSpPr>
+          <p:spPr>
+            <a:xfrm>
+              <a:off x="8358147" y="4867523"/>
+              <a:ext cx="866691" cy="1"/>
+            </a:xfrm>
+            <a:prstGeom prst="straightConnector1">
+              <a:avLst/>
+            </a:prstGeom>
+            <a:ln>
+              <a:tailEnd type="triangle"/>
+            </a:ln>
+          </p:spPr>
+          <p:style>
+            <a:lnRef idx="2">
+              <a:schemeClr val="accent1"/>
+            </a:lnRef>
+            <a:fillRef idx="0">
+              <a:schemeClr val="accent1"/>
+            </a:fillRef>
+            <a:effectRef idx="1">
+              <a:schemeClr val="accent1"/>
+            </a:effectRef>
+            <a:fontRef idx="minor">
+              <a:schemeClr val="tx1"/>
+            </a:fontRef>
+          </p:style>
+        </p:cxnSp>
+        <p:sp>
+          <p:nvSpPr>
+            <p:cNvPr id="33" name="TextBox 32">
+              <a:extLst>
+                <a:ext uri="{FF2B5EF4-FFF2-40B4-BE49-F238E27FC236}">
+                  <a16:creationId xmlns:a16="http://schemas.microsoft.com/office/drawing/2014/main" id="{45A3B904-53AC-5A6E-3311-AD91AED128BD}"/>
+                </a:ext>
+              </a:extLst>
+            </p:cNvPr>
+            <p:cNvSpPr txBox="1"/>
+            <p:nvPr/>
+          </p:nvSpPr>
+          <p:spPr>
+            <a:xfrm>
+              <a:off x="6683425" y="2633870"/>
+              <a:ext cx="308098" cy="369332"/>
+            </a:xfrm>
+            <a:prstGeom prst="rect">
+              <a:avLst/>
+            </a:prstGeom>
+            <a:noFill/>
+          </p:spPr>
+          <p:txBody>
+            <a:bodyPr wrap="none" rtlCol="0">
+              <a:spAutoFit/>
+            </a:bodyPr>
+            <a:lstStyle/>
+            <a:p>
+              <a:r>
+                <a:rPr lang="en-US" dirty="0"/>
+                <a:t>1</a:t>
+              </a:r>
+            </a:p>
+          </p:txBody>
+        </p:sp>
+        <p:sp>
+          <p:nvSpPr>
+            <p:cNvPr id="34" name="TextBox 33">
+              <a:extLst>
+                <a:ext uri="{FF2B5EF4-FFF2-40B4-BE49-F238E27FC236}">
+                  <a16:creationId xmlns:a16="http://schemas.microsoft.com/office/drawing/2014/main" id="{CCE78E9E-A912-709B-AAB7-4980CD61A3CF}"/>
+                </a:ext>
+              </a:extLst>
+            </p:cNvPr>
+            <p:cNvSpPr txBox="1"/>
+            <p:nvPr/>
+          </p:nvSpPr>
+          <p:spPr>
+            <a:xfrm>
+              <a:off x="8044423" y="2249354"/>
+              <a:ext cx="308098" cy="369332"/>
+            </a:xfrm>
+            <a:prstGeom prst="rect">
+              <a:avLst/>
+            </a:prstGeom>
+            <a:noFill/>
+          </p:spPr>
+          <p:txBody>
+            <a:bodyPr wrap="none" rtlCol="0">
+              <a:spAutoFit/>
+            </a:bodyPr>
+            <a:lstStyle/>
+            <a:p>
+              <a:r>
+                <a:rPr lang="en-US" dirty="0"/>
+                <a:t>3</a:t>
+              </a:r>
+            </a:p>
+          </p:txBody>
+        </p:sp>
+        <p:sp>
+          <p:nvSpPr>
+            <p:cNvPr id="35" name="TextBox 34">
+              <a:extLst>
+                <a:ext uri="{FF2B5EF4-FFF2-40B4-BE49-F238E27FC236}">
+                  <a16:creationId xmlns:a16="http://schemas.microsoft.com/office/drawing/2014/main" id="{BE656473-B0CF-DFCC-B8D8-51CF65F75179}"/>
+                </a:ext>
+              </a:extLst>
+            </p:cNvPr>
+            <p:cNvSpPr txBox="1"/>
+            <p:nvPr/>
+          </p:nvSpPr>
+          <p:spPr>
+            <a:xfrm>
+              <a:off x="6754987" y="3440898"/>
+              <a:ext cx="308098" cy="369332"/>
+            </a:xfrm>
+            <a:prstGeom prst="rect">
+              <a:avLst/>
+            </a:prstGeom>
+            <a:noFill/>
+          </p:spPr>
+          <p:txBody>
+            <a:bodyPr wrap="none" rtlCol="0">
+              <a:spAutoFit/>
+            </a:bodyPr>
+            <a:lstStyle/>
+            <a:p>
+              <a:r>
+                <a:rPr lang="en-US" dirty="0"/>
+                <a:t>2</a:t>
+              </a:r>
+            </a:p>
+          </p:txBody>
+        </p:sp>
+        <p:sp>
+          <p:nvSpPr>
+            <p:cNvPr id="36" name="TextBox 35">
+              <a:extLst>
+                <a:ext uri="{FF2B5EF4-FFF2-40B4-BE49-F238E27FC236}">
+                  <a16:creationId xmlns:a16="http://schemas.microsoft.com/office/drawing/2014/main" id="{11E44FDB-6775-ABB8-54D2-54DD84F0E4EC}"/>
+                </a:ext>
+              </a:extLst>
+            </p:cNvPr>
+            <p:cNvSpPr txBox="1"/>
+            <p:nvPr/>
+          </p:nvSpPr>
+          <p:spPr>
+            <a:xfrm>
+              <a:off x="6143429" y="3699546"/>
+              <a:ext cx="308098" cy="369332"/>
+            </a:xfrm>
+            <a:prstGeom prst="rect">
+              <a:avLst/>
+            </a:prstGeom>
+            <a:noFill/>
+          </p:spPr>
+          <p:txBody>
+            <a:bodyPr wrap="none" rtlCol="0">
+              <a:spAutoFit/>
+            </a:bodyPr>
+            <a:lstStyle/>
+            <a:p>
+              <a:r>
+                <a:rPr lang="en-US" dirty="0"/>
+                <a:t>4</a:t>
+              </a:r>
+            </a:p>
+          </p:txBody>
+        </p:sp>
+        <p:sp>
+          <p:nvSpPr>
+            <p:cNvPr id="37" name="TextBox 36">
+              <a:extLst>
+                <a:ext uri="{FF2B5EF4-FFF2-40B4-BE49-F238E27FC236}">
+                  <a16:creationId xmlns:a16="http://schemas.microsoft.com/office/drawing/2014/main" id="{18F1CE53-9402-B3B3-65B1-BB5AFD54358E}"/>
+                </a:ext>
+              </a:extLst>
+            </p:cNvPr>
+            <p:cNvSpPr txBox="1"/>
+            <p:nvPr/>
+          </p:nvSpPr>
+          <p:spPr>
+            <a:xfrm>
+              <a:off x="9645624" y="4041308"/>
+              <a:ext cx="308098" cy="369332"/>
+            </a:xfrm>
+            <a:prstGeom prst="rect">
+              <a:avLst/>
+            </a:prstGeom>
+            <a:noFill/>
+          </p:spPr>
+          <p:txBody>
+            <a:bodyPr wrap="none" rtlCol="0">
+              <a:spAutoFit/>
+            </a:bodyPr>
+            <a:lstStyle/>
+            <a:p>
+              <a:r>
+                <a:rPr lang="en-US" dirty="0"/>
+                <a:t>1</a:t>
+              </a:r>
+            </a:p>
+          </p:txBody>
+        </p:sp>
+        <p:sp>
+          <p:nvSpPr>
+            <p:cNvPr id="38" name="TextBox 37">
+              <a:extLst>
+                <a:ext uri="{FF2B5EF4-FFF2-40B4-BE49-F238E27FC236}">
+                  <a16:creationId xmlns:a16="http://schemas.microsoft.com/office/drawing/2014/main" id="{EB92D6E9-92E0-3FE9-F4AC-67C691ADF3F5}"/>
+                </a:ext>
+              </a:extLst>
+            </p:cNvPr>
+            <p:cNvSpPr txBox="1"/>
+            <p:nvPr/>
+          </p:nvSpPr>
+          <p:spPr>
+            <a:xfrm>
+              <a:off x="8827280" y="3637721"/>
+              <a:ext cx="308098" cy="369332"/>
+            </a:xfrm>
+            <a:prstGeom prst="rect">
+              <a:avLst/>
+            </a:prstGeom>
+            <a:noFill/>
+          </p:spPr>
+          <p:txBody>
+            <a:bodyPr wrap="none" rtlCol="0">
+              <a:spAutoFit/>
+            </a:bodyPr>
+            <a:lstStyle/>
+            <a:p>
+              <a:r>
+                <a:rPr lang="en-US" dirty="0"/>
+                <a:t>4</a:t>
+              </a:r>
+            </a:p>
+          </p:txBody>
+        </p:sp>
+        <p:sp>
+          <p:nvSpPr>
+            <p:cNvPr id="39" name="TextBox 38">
+              <a:extLst>
+                <a:ext uri="{FF2B5EF4-FFF2-40B4-BE49-F238E27FC236}">
+                  <a16:creationId xmlns:a16="http://schemas.microsoft.com/office/drawing/2014/main" id="{1751C58F-A69D-E867-98CE-071639ED5BB6}"/>
+                </a:ext>
+              </a:extLst>
+            </p:cNvPr>
+            <p:cNvSpPr txBox="1"/>
+            <p:nvPr/>
+          </p:nvSpPr>
+          <p:spPr>
+            <a:xfrm>
+              <a:off x="7101523" y="4440745"/>
+              <a:ext cx="308098" cy="369332"/>
+            </a:xfrm>
+            <a:prstGeom prst="rect">
+              <a:avLst/>
+            </a:prstGeom>
+            <a:noFill/>
+          </p:spPr>
+          <p:txBody>
+            <a:bodyPr wrap="none" rtlCol="0">
+              <a:spAutoFit/>
+            </a:bodyPr>
+            <a:lstStyle/>
+            <a:p>
+              <a:r>
+                <a:rPr lang="en-US" dirty="0"/>
+                <a:t>5</a:t>
+              </a:r>
+            </a:p>
+          </p:txBody>
+        </p:sp>
+        <p:sp>
+          <p:nvSpPr>
+            <p:cNvPr id="40" name="TextBox 39">
+              <a:extLst>
+                <a:ext uri="{FF2B5EF4-FFF2-40B4-BE49-F238E27FC236}">
+                  <a16:creationId xmlns:a16="http://schemas.microsoft.com/office/drawing/2014/main" id="{BF18AF5A-A6C3-65C9-5A57-534E620CC760}"/>
+                </a:ext>
+              </a:extLst>
+            </p:cNvPr>
+            <p:cNvSpPr txBox="1"/>
+            <p:nvPr/>
+          </p:nvSpPr>
+          <p:spPr>
+            <a:xfrm>
+              <a:off x="9415338" y="2848295"/>
+              <a:ext cx="308098" cy="369332"/>
+            </a:xfrm>
+            <a:prstGeom prst="rect">
+              <a:avLst/>
+            </a:prstGeom>
+            <a:noFill/>
+          </p:spPr>
+          <p:txBody>
+            <a:bodyPr wrap="none" rtlCol="0">
+              <a:spAutoFit/>
+            </a:bodyPr>
+            <a:lstStyle/>
+            <a:p>
+              <a:r>
+                <a:rPr lang="en-US" dirty="0"/>
+                <a:t>2</a:t>
+              </a:r>
+            </a:p>
+          </p:txBody>
+        </p:sp>
+        <p:sp>
+          <p:nvSpPr>
+            <p:cNvPr id="41" name="TextBox 40">
+              <a:extLst>
+                <a:ext uri="{FF2B5EF4-FFF2-40B4-BE49-F238E27FC236}">
+                  <a16:creationId xmlns:a16="http://schemas.microsoft.com/office/drawing/2014/main" id="{6B25E27E-DBD2-D300-334C-8A78387E58D7}"/>
+                </a:ext>
+              </a:extLst>
+            </p:cNvPr>
+            <p:cNvSpPr txBox="1"/>
+            <p:nvPr/>
+          </p:nvSpPr>
+          <p:spPr>
+            <a:xfrm>
+              <a:off x="8396622" y="4509916"/>
+              <a:ext cx="308098" cy="369332"/>
+            </a:xfrm>
+            <a:prstGeom prst="rect">
+              <a:avLst/>
+            </a:prstGeom>
+            <a:noFill/>
+          </p:spPr>
+          <p:txBody>
+            <a:bodyPr wrap="none" rtlCol="0">
+              <a:spAutoFit/>
+            </a:bodyPr>
+            <a:lstStyle/>
+            <a:p>
+              <a:r>
+                <a:rPr lang="en-US" dirty="0"/>
+                <a:t>3</a:t>
+              </a:r>
+            </a:p>
+          </p:txBody>
+        </p:sp>
+      </p:grpSp>
+      <p:graphicFrame>
+        <p:nvGraphicFramePr>
+          <p:cNvPr id="42" name="Table 41">
+            <a:extLst>
+              <a:ext uri="{FF2B5EF4-FFF2-40B4-BE49-F238E27FC236}">
+                <a16:creationId xmlns:a16="http://schemas.microsoft.com/office/drawing/2014/main" id="{A7103340-FC1E-B19E-9A0A-4990BEADA147}"/>
+              </a:ext>
+            </a:extLst>
+          </p:cNvPr>
+          <p:cNvGraphicFramePr>
+            <a:graphicFrameLocks noGrp="1"/>
+          </p:cNvGraphicFramePr>
+          <p:nvPr>
+            <p:extLst>
+              <p:ext uri="{D42A27DB-BD31-4B8C-83A1-F6EECF244321}">
+                <p14:modId xmlns:p14="http://schemas.microsoft.com/office/powerpoint/2010/main" val="3665721887"/>
+              </p:ext>
+            </p:extLst>
+          </p:nvPr>
+        </p:nvGraphicFramePr>
+        <p:xfrm>
+          <a:off x="4233791" y="2339781"/>
+          <a:ext cx="995238" cy="2595880"/>
+        </p:xfrm>
+        <a:graphic>
+          <a:graphicData uri="http://schemas.openxmlformats.org/drawingml/2006/table">
+            <a:tbl>
+              <a:tblPr bandRow="1">
+                <a:tableStyleId>{5C22544A-7EE6-4342-B048-85BDC9FD1C3A}</a:tableStyleId>
+              </a:tblPr>
+              <a:tblGrid>
+                <a:gridCol w="497619">
+                  <a:extLst>
+                    <a:ext uri="{9D8B030D-6E8A-4147-A177-3AD203B41FA5}">
+                      <a16:colId xmlns:a16="http://schemas.microsoft.com/office/drawing/2014/main" val="1597073156"/>
+                    </a:ext>
+                  </a:extLst>
+                </a:gridCol>
+                <a:gridCol w="497619">
+                  <a:extLst>
+                    <a:ext uri="{9D8B030D-6E8A-4147-A177-3AD203B41FA5}">
+                      <a16:colId xmlns:a16="http://schemas.microsoft.com/office/drawing/2014/main" val="2036348679"/>
+                    </a:ext>
+                  </a:extLst>
+                </a:gridCol>
+              </a:tblGrid>
+              <a:tr h="370840">
+                <a:tc>
+                  <a:txBody>
+                    <a:bodyPr/>
+                    <a:lstStyle/>
+                    <a:p>
+                      <a:pPr algn="ctr"/>
+                      <a:r>
+                        <a:rPr lang="en-US" dirty="0"/>
+                        <a:t>A</a:t>
+                      </a:r>
+                    </a:p>
+                  </a:txBody>
+                  <a:tcPr/>
+                </a:tc>
+                <a:tc>
+                  <a:txBody>
+                    <a:bodyPr/>
+                    <a:lstStyle/>
+                    <a:p>
+                      <a:pPr algn="ctr"/>
+                      <a:r>
+                        <a:rPr lang="en-US" dirty="0"/>
+                        <a:t>5</a:t>
+                      </a:r>
+                    </a:p>
+                  </a:txBody>
+                  <a:tcPr/>
+                </a:tc>
+                <a:extLst>
+                  <a:ext uri="{0D108BD9-81ED-4DB2-BD59-A6C34878D82A}">
+                    <a16:rowId xmlns:a16="http://schemas.microsoft.com/office/drawing/2014/main" val="352641686"/>
+                  </a:ext>
+                </a:extLst>
+              </a:tr>
+              <a:tr h="370840">
+                <a:tc>
+                  <a:txBody>
+                    <a:bodyPr/>
+                    <a:lstStyle/>
+                    <a:p>
+                      <a:pPr algn="ctr"/>
+                      <a:r>
+                        <a:rPr lang="en-US" dirty="0"/>
+                        <a:t>B</a:t>
+                      </a:r>
+                    </a:p>
+                  </a:txBody>
+                  <a:tcPr/>
+                </a:tc>
+                <a:tc>
+                  <a:txBody>
+                    <a:bodyPr/>
+                    <a:lstStyle/>
+                    <a:p>
+                      <a:pPr algn="ctr"/>
+                      <a:r>
+                        <a:rPr lang="en-US" dirty="0"/>
+                        <a:t>6</a:t>
+                      </a:r>
+                    </a:p>
+                  </a:txBody>
+                  <a:tcPr/>
+                </a:tc>
+                <a:extLst>
+                  <a:ext uri="{0D108BD9-81ED-4DB2-BD59-A6C34878D82A}">
+                    <a16:rowId xmlns:a16="http://schemas.microsoft.com/office/drawing/2014/main" val="3399540780"/>
+                  </a:ext>
+                </a:extLst>
+              </a:tr>
+              <a:tr h="370840">
+                <a:tc>
+                  <a:txBody>
+                    <a:bodyPr/>
+                    <a:lstStyle/>
+                    <a:p>
+                      <a:pPr algn="ctr"/>
+                      <a:r>
+                        <a:rPr lang="en-US" dirty="0"/>
+                        <a:t>C</a:t>
+                      </a:r>
+                    </a:p>
+                  </a:txBody>
+                  <a:tcPr/>
+                </a:tc>
+                <a:tc>
+                  <a:txBody>
+                    <a:bodyPr/>
+                    <a:lstStyle/>
+                    <a:p>
+                      <a:pPr algn="ctr"/>
+                      <a:r>
+                        <a:rPr lang="en-US" dirty="0"/>
+                        <a:t>4</a:t>
+                      </a:r>
+                    </a:p>
+                  </a:txBody>
+                  <a:tcPr/>
+                </a:tc>
+                <a:extLst>
+                  <a:ext uri="{0D108BD9-81ED-4DB2-BD59-A6C34878D82A}">
+                    <a16:rowId xmlns:a16="http://schemas.microsoft.com/office/drawing/2014/main" val="2999956310"/>
+                  </a:ext>
+                </a:extLst>
+              </a:tr>
+              <a:tr h="370840">
+                <a:tc>
+                  <a:txBody>
+                    <a:bodyPr/>
+                    <a:lstStyle/>
+                    <a:p>
+                      <a:pPr algn="ctr"/>
+                      <a:r>
+                        <a:rPr lang="en-US" dirty="0"/>
+                        <a:t>D</a:t>
+                      </a:r>
+                    </a:p>
+                  </a:txBody>
+                  <a:tcPr/>
+                </a:tc>
+                <a:tc>
+                  <a:txBody>
+                    <a:bodyPr/>
+                    <a:lstStyle/>
+                    <a:p>
+                      <a:pPr algn="ctr"/>
+                      <a:r>
+                        <a:rPr lang="en-US" dirty="0"/>
+                        <a:t>3</a:t>
+                      </a:r>
+                    </a:p>
+                  </a:txBody>
+                  <a:tcPr/>
+                </a:tc>
+                <a:extLst>
+                  <a:ext uri="{0D108BD9-81ED-4DB2-BD59-A6C34878D82A}">
+                    <a16:rowId xmlns:a16="http://schemas.microsoft.com/office/drawing/2014/main" val="1857605057"/>
+                  </a:ext>
+                </a:extLst>
+              </a:tr>
+              <a:tr h="370840">
+                <a:tc>
+                  <a:txBody>
+                    <a:bodyPr/>
+                    <a:lstStyle/>
+                    <a:p>
+                      <a:pPr algn="ctr"/>
+                      <a:r>
+                        <a:rPr lang="en-US" dirty="0"/>
+                        <a:t>E</a:t>
+                      </a:r>
+                    </a:p>
+                  </a:txBody>
+                  <a:tcPr/>
+                </a:tc>
+                <a:tc>
+                  <a:txBody>
+                    <a:bodyPr/>
+                    <a:lstStyle/>
+                    <a:p>
+                      <a:pPr algn="ctr"/>
+                      <a:r>
+                        <a:rPr lang="en-US" dirty="0"/>
+                        <a:t>3</a:t>
+                      </a:r>
+                    </a:p>
+                  </a:txBody>
+                  <a:tcPr/>
+                </a:tc>
+                <a:extLst>
+                  <a:ext uri="{0D108BD9-81ED-4DB2-BD59-A6C34878D82A}">
+                    <a16:rowId xmlns:a16="http://schemas.microsoft.com/office/drawing/2014/main" val="555217022"/>
+                  </a:ext>
+                </a:extLst>
+              </a:tr>
+              <a:tr h="370840">
+                <a:tc>
+                  <a:txBody>
+                    <a:bodyPr/>
+                    <a:lstStyle/>
+                    <a:p>
+                      <a:pPr algn="ctr"/>
+                      <a:r>
+                        <a:rPr lang="en-US" dirty="0"/>
+                        <a:t>F</a:t>
+                      </a:r>
+                    </a:p>
+                  </a:txBody>
+                  <a:tcPr/>
+                </a:tc>
+                <a:tc>
+                  <a:txBody>
+                    <a:bodyPr/>
+                    <a:lstStyle/>
+                    <a:p>
+                      <a:pPr algn="ctr"/>
+                      <a:r>
+                        <a:rPr lang="en-US" dirty="0"/>
+                        <a:t>3</a:t>
+                      </a:r>
+                    </a:p>
+                  </a:txBody>
+                  <a:tcPr/>
+                </a:tc>
+                <a:extLst>
+                  <a:ext uri="{0D108BD9-81ED-4DB2-BD59-A6C34878D82A}">
+                    <a16:rowId xmlns:a16="http://schemas.microsoft.com/office/drawing/2014/main" val="2801233636"/>
+                  </a:ext>
+                </a:extLst>
+              </a:tr>
+              <a:tr h="370840">
+                <a:tc>
+                  <a:txBody>
+                    <a:bodyPr/>
+                    <a:lstStyle/>
+                    <a:p>
+                      <a:pPr algn="ctr"/>
+                      <a:r>
+                        <a:rPr lang="en-US" dirty="0"/>
+                        <a:t>G</a:t>
+                      </a:r>
+                    </a:p>
+                  </a:txBody>
+                  <a:tcPr/>
+                </a:tc>
+                <a:tc>
+                  <a:txBody>
+                    <a:bodyPr/>
+                    <a:lstStyle/>
+                    <a:p>
+                      <a:pPr algn="ctr"/>
+                      <a:r>
+                        <a:rPr lang="en-US" dirty="0"/>
+                        <a:t>0</a:t>
+                      </a:r>
+                    </a:p>
+                  </a:txBody>
+                  <a:tcPr/>
+                </a:tc>
+                <a:extLst>
+                  <a:ext uri="{0D108BD9-81ED-4DB2-BD59-A6C34878D82A}">
+                    <a16:rowId xmlns:a16="http://schemas.microsoft.com/office/drawing/2014/main" val="3275058254"/>
+                  </a:ext>
+                </a:extLst>
+              </a:tr>
+            </a:tbl>
+          </a:graphicData>
+        </a:graphic>
+      </p:graphicFrame>
+      <p:sp>
+        <p:nvSpPr>
+          <p:cNvPr id="44" name="TextBox 43">
+            <a:extLst>
+              <a:ext uri="{FF2B5EF4-FFF2-40B4-BE49-F238E27FC236}">
+                <a16:creationId xmlns:a16="http://schemas.microsoft.com/office/drawing/2014/main" id="{C373DB55-3E42-7207-5DCC-3D1A107A7507}"/>
+              </a:ext>
+            </a:extLst>
+          </p:cNvPr>
+          <p:cNvSpPr txBox="1"/>
+          <p:nvPr/>
+        </p:nvSpPr>
+        <p:spPr>
+          <a:xfrm>
+            <a:off x="3975986" y="1913671"/>
+            <a:ext cx="1685333" cy="369332"/>
+          </a:xfrm>
+          <a:prstGeom prst="rect">
+            <a:avLst/>
+          </a:prstGeom>
+          <a:noFill/>
+        </p:spPr>
+        <p:txBody>
+          <a:bodyPr wrap="none" rtlCol="0">
+            <a:spAutoFit/>
+          </a:bodyPr>
+          <a:lstStyle/>
+          <a:p>
+            <a:r>
+              <a:rPr lang="en-US" dirty="0"/>
+              <a:t> Heuristics h(n)</a:t>
+            </a:r>
+          </a:p>
+        </p:txBody>
+      </p:sp>
+    </p:spTree>
+    <p:extLst>
+      <p:ext uri="{BB962C8B-B14F-4D97-AF65-F5344CB8AC3E}">
+        <p14:creationId xmlns:p14="http://schemas.microsoft.com/office/powerpoint/2010/main" val="1258279980"/>
+      </p:ext>
+    </p:extLst>
+  </p:cSld>
+  <p:clrMapOvr>
+    <a:masterClrMapping/>
+  </p:clrMapOvr>
+</p:sld>
+</file>
+
+<file path=ppt/slides/slide25.xml><?xml version="1.0" encoding="utf-8"?>
+<p:sld xmlns:a="http://schemas.openxmlformats.org/drawingml/2006/main" xmlns:r="http://schemas.openxmlformats.org/officeDocument/2006/relationships" xmlns:p="http://schemas.openxmlformats.org/presentationml/2006/main">
+  <p:cSld>
+    <p:spTree>
+      <p:nvGrpSpPr>
+        <p:cNvPr id="1" name=""/>
+        <p:cNvGrpSpPr/>
+        <p:nvPr/>
+      </p:nvGrpSpPr>
+      <p:grpSpPr>
+        <a:xfrm>
+          <a:off x="0" y="0"/>
+          <a:ext cx="0" cy="0"/>
+          <a:chOff x="0" y="0"/>
+          <a:chExt cx="0" cy="0"/>
+        </a:xfrm>
+      </p:grpSpPr>
+      <p:sp>
+        <p:nvSpPr>
+          <p:cNvPr id="2" name="Title 1">
+            <a:extLst>
+              <a:ext uri="{FF2B5EF4-FFF2-40B4-BE49-F238E27FC236}">
+                <a16:creationId xmlns:a16="http://schemas.microsoft.com/office/drawing/2014/main" id="{49F9D172-4DBC-125D-34AB-F9730993F0D1}"/>
+              </a:ext>
+            </a:extLst>
+          </p:cNvPr>
+          <p:cNvSpPr>
+            <a:spLocks noGrp="1"/>
+          </p:cNvSpPr>
+          <p:nvPr>
+            <p:ph type="title"/>
+          </p:nvPr>
+        </p:nvSpPr>
+        <p:spPr/>
+        <p:txBody>
+          <a:bodyPr/>
+          <a:lstStyle/>
+          <a:p>
+            <a:r>
+              <a:rPr lang="en-US" dirty="0"/>
+              <a:t>Steps</a:t>
+            </a:r>
+          </a:p>
+        </p:txBody>
+      </p:sp>
+      <p:grpSp>
+        <p:nvGrpSpPr>
+          <p:cNvPr id="17" name="Group 16">
+            <a:extLst>
+              <a:ext uri="{FF2B5EF4-FFF2-40B4-BE49-F238E27FC236}">
+                <a16:creationId xmlns:a16="http://schemas.microsoft.com/office/drawing/2014/main" id="{379E9735-CE0C-2BE5-2337-D57678D44979}"/>
+              </a:ext>
+            </a:extLst>
+          </p:cNvPr>
+          <p:cNvGrpSpPr/>
+          <p:nvPr/>
+        </p:nvGrpSpPr>
+        <p:grpSpPr>
+          <a:xfrm>
+            <a:off x="386952" y="1770738"/>
+            <a:ext cx="6413962" cy="1426189"/>
+            <a:chOff x="4242397" y="2305879"/>
+            <a:chExt cx="6413962" cy="1426189"/>
+          </a:xfrm>
+        </p:grpSpPr>
+        <p:sp>
+          <p:nvSpPr>
+            <p:cNvPr id="4" name="Oval 3">
+              <a:extLst>
+                <a:ext uri="{FF2B5EF4-FFF2-40B4-BE49-F238E27FC236}">
+                  <a16:creationId xmlns:a16="http://schemas.microsoft.com/office/drawing/2014/main" id="{584B5AAA-B553-9A21-B7A0-DA478A85424D}"/>
+                </a:ext>
+              </a:extLst>
+            </p:cNvPr>
+            <p:cNvSpPr/>
+            <p:nvPr/>
+          </p:nvSpPr>
+          <p:spPr>
+            <a:xfrm>
+              <a:off x="7076661" y="2305879"/>
+              <a:ext cx="492981" cy="492981"/>
+            </a:xfrm>
+            <a:prstGeom prst="ellipse">
+              <a:avLst/>
+            </a:prstGeom>
+          </p:spPr>
+          <p:style>
+            <a:lnRef idx="2">
+              <a:schemeClr val="accent1">
+                <a:shade val="15000"/>
+              </a:schemeClr>
+            </a:lnRef>
+            <a:fillRef idx="1">
+              <a:schemeClr val="accent1"/>
+            </a:fillRef>
+            <a:effectRef idx="0">
+              <a:schemeClr val="accent1"/>
+            </a:effectRef>
+            <a:fontRef idx="minor">
+              <a:schemeClr val="lt1"/>
+            </a:fontRef>
+          </p:style>
+          <p:txBody>
+            <a:bodyPr rtlCol="0" anchor="ctr"/>
+            <a:lstStyle/>
+            <a:p>
+              <a:pPr algn="ctr"/>
+              <a:r>
+                <a:rPr lang="en-US" dirty="0"/>
+                <a:t>A</a:t>
+              </a:r>
+            </a:p>
+          </p:txBody>
+        </p:sp>
+        <p:sp>
+          <p:nvSpPr>
+            <p:cNvPr id="5" name="Oval 4">
+              <a:extLst>
+                <a:ext uri="{FF2B5EF4-FFF2-40B4-BE49-F238E27FC236}">
+                  <a16:creationId xmlns:a16="http://schemas.microsoft.com/office/drawing/2014/main" id="{5A0C6D9D-8993-9DB1-11EB-BA258633A915}"/>
+                </a:ext>
+              </a:extLst>
+            </p:cNvPr>
+            <p:cNvSpPr/>
+            <p:nvPr/>
+          </p:nvSpPr>
+          <p:spPr>
+            <a:xfrm>
+              <a:off x="6162261" y="3108958"/>
+              <a:ext cx="492981" cy="492981"/>
+            </a:xfrm>
+            <a:prstGeom prst="ellipse">
+              <a:avLst/>
+            </a:prstGeom>
+            <a:solidFill>
+              <a:srgbClr val="FF0000"/>
+            </a:solidFill>
+          </p:spPr>
+          <p:style>
+            <a:lnRef idx="2">
+              <a:schemeClr val="accent1">
+                <a:shade val="15000"/>
+              </a:schemeClr>
+            </a:lnRef>
+            <a:fillRef idx="1">
+              <a:schemeClr val="accent1"/>
+            </a:fillRef>
+            <a:effectRef idx="0">
+              <a:schemeClr val="accent1"/>
+            </a:effectRef>
+            <a:fontRef idx="minor">
+              <a:schemeClr val="lt1"/>
+            </a:fontRef>
+          </p:style>
+          <p:txBody>
+            <a:bodyPr rtlCol="0" anchor="ctr"/>
+            <a:lstStyle/>
+            <a:p>
+              <a:pPr algn="ctr"/>
+              <a:r>
+                <a:rPr lang="en-US" dirty="0">
+                  <a:solidFill>
+                    <a:schemeClr val="bg1"/>
+                  </a:solidFill>
+                </a:rPr>
+                <a:t>B</a:t>
+              </a:r>
+            </a:p>
+          </p:txBody>
+        </p:sp>
+        <p:sp>
+          <p:nvSpPr>
+            <p:cNvPr id="6" name="Oval 5">
+              <a:extLst>
+                <a:ext uri="{FF2B5EF4-FFF2-40B4-BE49-F238E27FC236}">
+                  <a16:creationId xmlns:a16="http://schemas.microsoft.com/office/drawing/2014/main" id="{1F40465C-0F63-18CE-6B20-B140835ADD63}"/>
+                </a:ext>
+              </a:extLst>
+            </p:cNvPr>
+            <p:cNvSpPr/>
+            <p:nvPr/>
+          </p:nvSpPr>
+          <p:spPr>
+            <a:xfrm>
+              <a:off x="8016240" y="3053301"/>
+              <a:ext cx="492981" cy="492981"/>
+            </a:xfrm>
+            <a:prstGeom prst="ellipse">
+              <a:avLst/>
+            </a:prstGeom>
+          </p:spPr>
+          <p:style>
+            <a:lnRef idx="2">
+              <a:schemeClr val="accent1">
+                <a:shade val="15000"/>
+              </a:schemeClr>
+            </a:lnRef>
+            <a:fillRef idx="1">
+              <a:schemeClr val="accent1"/>
+            </a:fillRef>
+            <a:effectRef idx="0">
+              <a:schemeClr val="accent1"/>
+            </a:effectRef>
+            <a:fontRef idx="minor">
+              <a:schemeClr val="lt1"/>
+            </a:fontRef>
+          </p:style>
+          <p:txBody>
+            <a:bodyPr rtlCol="0" anchor="ctr"/>
+            <a:lstStyle/>
+            <a:p>
+              <a:pPr algn="ctr"/>
+              <a:r>
+                <a:rPr lang="en-US" dirty="0"/>
+                <a:t>C</a:t>
+              </a:r>
+            </a:p>
+          </p:txBody>
+        </p:sp>
+        <p:cxnSp>
+          <p:nvCxnSpPr>
+            <p:cNvPr id="10" name="Straight Arrow Connector 9">
+              <a:extLst>
+                <a:ext uri="{FF2B5EF4-FFF2-40B4-BE49-F238E27FC236}">
+                  <a16:creationId xmlns:a16="http://schemas.microsoft.com/office/drawing/2014/main" id="{D377ADD6-5885-730B-56E6-B2D8E4BFF589}"/>
+                </a:ext>
+              </a:extLst>
+            </p:cNvPr>
+            <p:cNvCxnSpPr>
+              <a:stCxn id="4" idx="3"/>
+              <a:endCxn id="5" idx="7"/>
+            </p:cNvCxnSpPr>
+            <p:nvPr/>
+          </p:nvCxnSpPr>
+          <p:spPr>
+            <a:xfrm flipH="1">
+              <a:off x="6583047" y="2726665"/>
+              <a:ext cx="565809" cy="454488"/>
+            </a:xfrm>
+            <a:prstGeom prst="straightConnector1">
+              <a:avLst/>
+            </a:prstGeom>
+            <a:ln>
+              <a:tailEnd type="triangle"/>
+            </a:ln>
+          </p:spPr>
+          <p:style>
+            <a:lnRef idx="2">
+              <a:schemeClr val="accent1"/>
+            </a:lnRef>
+            <a:fillRef idx="0">
+              <a:schemeClr val="accent1"/>
+            </a:fillRef>
+            <a:effectRef idx="1">
+              <a:schemeClr val="accent1"/>
+            </a:effectRef>
+            <a:fontRef idx="minor">
+              <a:schemeClr val="tx1"/>
+            </a:fontRef>
+          </p:style>
+        </p:cxnSp>
+        <p:cxnSp>
+          <p:nvCxnSpPr>
+            <p:cNvPr id="12" name="Straight Arrow Connector 11">
+              <a:extLst>
+                <a:ext uri="{FF2B5EF4-FFF2-40B4-BE49-F238E27FC236}">
+                  <a16:creationId xmlns:a16="http://schemas.microsoft.com/office/drawing/2014/main" id="{4615B79B-62D1-98D3-CA10-CC9E5CA7D38A}"/>
+                </a:ext>
+              </a:extLst>
+            </p:cNvPr>
+            <p:cNvCxnSpPr>
+              <a:stCxn id="4" idx="5"/>
+              <a:endCxn id="6" idx="1"/>
+            </p:cNvCxnSpPr>
+            <p:nvPr/>
+          </p:nvCxnSpPr>
+          <p:spPr>
+            <a:xfrm>
+              <a:off x="7497447" y="2726665"/>
+              <a:ext cx="590988" cy="398831"/>
+            </a:xfrm>
+            <a:prstGeom prst="straightConnector1">
+              <a:avLst/>
+            </a:prstGeom>
+            <a:ln>
+              <a:tailEnd type="triangle"/>
+            </a:ln>
+          </p:spPr>
+          <p:style>
+            <a:lnRef idx="2">
+              <a:schemeClr val="accent1"/>
+            </a:lnRef>
+            <a:fillRef idx="0">
+              <a:schemeClr val="accent1"/>
+            </a:fillRef>
+            <a:effectRef idx="1">
+              <a:schemeClr val="accent1"/>
+            </a:effectRef>
+            <a:fontRef idx="minor">
+              <a:schemeClr val="tx1"/>
+            </a:fontRef>
+          </p:style>
+        </p:cxnSp>
+        <p:sp>
+          <p:nvSpPr>
+            <p:cNvPr id="14" name="TextBox 13">
+              <a:extLst>
+                <a:ext uri="{FF2B5EF4-FFF2-40B4-BE49-F238E27FC236}">
+                  <a16:creationId xmlns:a16="http://schemas.microsoft.com/office/drawing/2014/main" id="{4DD600A1-E47B-2075-42AA-E4C0E8E32586}"/>
+                </a:ext>
+              </a:extLst>
+            </p:cNvPr>
+            <p:cNvSpPr txBox="1"/>
+            <p:nvPr/>
+          </p:nvSpPr>
+          <p:spPr>
+            <a:xfrm>
+              <a:off x="4242397" y="2986116"/>
+              <a:ext cx="2081253" cy="646331"/>
+            </a:xfrm>
+            <a:prstGeom prst="rect">
+              <a:avLst/>
+            </a:prstGeom>
+            <a:noFill/>
+          </p:spPr>
+          <p:txBody>
+            <a:bodyPr wrap="square">
+              <a:spAutoFit/>
+            </a:bodyPr>
+            <a:lstStyle/>
+            <a:p>
+              <a:pPr marL="0" indent="0">
+                <a:buNone/>
+              </a:pPr>
+              <a:r>
+                <a:rPr lang="en-US" dirty="0">
+                  <a:latin typeface="Nunito" pitchFamily="2" charset="0"/>
+                </a:rPr>
+                <a:t>f(B) = g(B)+h(B)</a:t>
+              </a:r>
+            </a:p>
+            <a:p>
+              <a:pPr marL="0" indent="0">
+                <a:buNone/>
+              </a:pPr>
+              <a:r>
+                <a:rPr lang="en-US" dirty="0">
+                  <a:latin typeface="Nunito" pitchFamily="2" charset="0"/>
+                </a:rPr>
+                <a:t>       = 1+6 = 7</a:t>
+              </a:r>
+            </a:p>
+          </p:txBody>
+        </p:sp>
+        <p:sp>
+          <p:nvSpPr>
+            <p:cNvPr id="15" name="TextBox 14">
+              <a:extLst>
+                <a:ext uri="{FF2B5EF4-FFF2-40B4-BE49-F238E27FC236}">
+                  <a16:creationId xmlns:a16="http://schemas.microsoft.com/office/drawing/2014/main" id="{A9732ABC-E175-90BA-2F4B-87839CC1FA7D}"/>
+                </a:ext>
+              </a:extLst>
+            </p:cNvPr>
+            <p:cNvSpPr txBox="1"/>
+            <p:nvPr/>
+          </p:nvSpPr>
+          <p:spPr>
+            <a:xfrm>
+              <a:off x="8575106" y="3085737"/>
+              <a:ext cx="2081253" cy="646331"/>
+            </a:xfrm>
+            <a:prstGeom prst="rect">
+              <a:avLst/>
+            </a:prstGeom>
+            <a:noFill/>
+          </p:spPr>
+          <p:txBody>
+            <a:bodyPr wrap="square">
+              <a:spAutoFit/>
+            </a:bodyPr>
+            <a:lstStyle/>
+            <a:p>
+              <a:pPr marL="0" indent="0">
+                <a:buNone/>
+              </a:pPr>
+              <a:r>
+                <a:rPr lang="en-US" dirty="0">
+                  <a:latin typeface="Nunito" pitchFamily="2" charset="0"/>
+                </a:rPr>
+                <a:t>f(C) = g(C)+h(C)</a:t>
+              </a:r>
+            </a:p>
+            <a:p>
+              <a:pPr marL="0" indent="0">
+                <a:buNone/>
+              </a:pPr>
+              <a:r>
+                <a:rPr lang="en-US" dirty="0">
+                  <a:latin typeface="Nunito" pitchFamily="2" charset="0"/>
+                </a:rPr>
+                <a:t>       = 4+4 = 8</a:t>
+              </a:r>
+            </a:p>
+          </p:txBody>
+        </p:sp>
+      </p:grpSp>
+      <p:sp>
+        <p:nvSpPr>
+          <p:cNvPr id="19" name="Oval 18">
+            <a:extLst>
+              <a:ext uri="{FF2B5EF4-FFF2-40B4-BE49-F238E27FC236}">
+                <a16:creationId xmlns:a16="http://schemas.microsoft.com/office/drawing/2014/main" id="{44CC4A52-E3D9-2DB0-9127-667F512990EB}"/>
+              </a:ext>
+            </a:extLst>
+          </p:cNvPr>
+          <p:cNvSpPr/>
+          <p:nvPr/>
+        </p:nvSpPr>
+        <p:spPr>
+          <a:xfrm>
+            <a:off x="3720533" y="3772487"/>
+            <a:ext cx="492981" cy="492981"/>
+          </a:xfrm>
+          <a:prstGeom prst="ellipse">
+            <a:avLst/>
+          </a:prstGeom>
+        </p:spPr>
+        <p:style>
+          <a:lnRef idx="2">
+            <a:schemeClr val="accent1">
+              <a:shade val="15000"/>
+            </a:schemeClr>
+          </a:lnRef>
+          <a:fillRef idx="1">
+            <a:schemeClr val="accent1"/>
+          </a:fillRef>
+          <a:effectRef idx="0">
+            <a:schemeClr val="accent1"/>
+          </a:effectRef>
+          <a:fontRef idx="minor">
+            <a:schemeClr val="lt1"/>
+          </a:fontRef>
+        </p:style>
+        <p:txBody>
+          <a:bodyPr rtlCol="0" anchor="ctr"/>
+          <a:lstStyle/>
+          <a:p>
+            <a:pPr algn="ctr"/>
+            <a:r>
+              <a:rPr lang="en-US" dirty="0"/>
+              <a:t>A</a:t>
+            </a:r>
+          </a:p>
+        </p:txBody>
+      </p:sp>
+      <p:sp>
+        <p:nvSpPr>
+          <p:cNvPr id="20" name="Oval 19">
+            <a:extLst>
+              <a:ext uri="{FF2B5EF4-FFF2-40B4-BE49-F238E27FC236}">
+                <a16:creationId xmlns:a16="http://schemas.microsoft.com/office/drawing/2014/main" id="{72CF8FA3-260A-58BC-3032-9B1591ADCD46}"/>
+              </a:ext>
+            </a:extLst>
+          </p:cNvPr>
+          <p:cNvSpPr/>
+          <p:nvPr/>
+        </p:nvSpPr>
+        <p:spPr>
+          <a:xfrm>
+            <a:off x="2806133" y="4575566"/>
+            <a:ext cx="492981" cy="492981"/>
+          </a:xfrm>
+          <a:prstGeom prst="ellipse">
+            <a:avLst/>
+          </a:prstGeom>
+          <a:solidFill>
+            <a:srgbClr val="FF0000"/>
+          </a:solidFill>
+        </p:spPr>
+        <p:style>
+          <a:lnRef idx="2">
+            <a:schemeClr val="accent1">
+              <a:shade val="15000"/>
+            </a:schemeClr>
+          </a:lnRef>
+          <a:fillRef idx="1">
+            <a:schemeClr val="accent1"/>
+          </a:fillRef>
+          <a:effectRef idx="0">
+            <a:schemeClr val="accent1"/>
+          </a:effectRef>
+          <a:fontRef idx="minor">
+            <a:schemeClr val="lt1"/>
+          </a:fontRef>
+        </p:style>
+        <p:txBody>
+          <a:bodyPr rtlCol="0" anchor="ctr"/>
+          <a:lstStyle/>
+          <a:p>
+            <a:pPr algn="ctr"/>
+            <a:r>
+              <a:rPr lang="en-US" dirty="0">
+                <a:solidFill>
+                  <a:schemeClr val="bg1"/>
+                </a:solidFill>
+              </a:rPr>
+              <a:t>B</a:t>
+            </a:r>
+          </a:p>
+        </p:txBody>
+      </p:sp>
+      <p:sp>
+        <p:nvSpPr>
+          <p:cNvPr id="21" name="Oval 20">
+            <a:extLst>
+              <a:ext uri="{FF2B5EF4-FFF2-40B4-BE49-F238E27FC236}">
+                <a16:creationId xmlns:a16="http://schemas.microsoft.com/office/drawing/2014/main" id="{E93932E4-8E91-C44B-09B1-B086D3FCB948}"/>
+              </a:ext>
+            </a:extLst>
+          </p:cNvPr>
+          <p:cNvSpPr/>
+          <p:nvPr/>
+        </p:nvSpPr>
+        <p:spPr>
+          <a:xfrm>
+            <a:off x="4660112" y="4519909"/>
+            <a:ext cx="492981" cy="492981"/>
+          </a:xfrm>
+          <a:prstGeom prst="ellipse">
+            <a:avLst/>
+          </a:prstGeom>
+        </p:spPr>
+        <p:style>
+          <a:lnRef idx="2">
+            <a:schemeClr val="accent1">
+              <a:shade val="15000"/>
+            </a:schemeClr>
+          </a:lnRef>
+          <a:fillRef idx="1">
+            <a:schemeClr val="accent1"/>
+          </a:fillRef>
+          <a:effectRef idx="0">
+            <a:schemeClr val="accent1"/>
+          </a:effectRef>
+          <a:fontRef idx="minor">
+            <a:schemeClr val="lt1"/>
+          </a:fontRef>
+        </p:style>
+        <p:txBody>
+          <a:bodyPr rtlCol="0" anchor="ctr"/>
+          <a:lstStyle/>
+          <a:p>
+            <a:pPr algn="ctr"/>
+            <a:r>
+              <a:rPr lang="en-US" dirty="0"/>
+              <a:t>C</a:t>
+            </a:r>
+          </a:p>
+        </p:txBody>
+      </p:sp>
+      <p:cxnSp>
+        <p:nvCxnSpPr>
+          <p:cNvPr id="22" name="Straight Arrow Connector 21">
+            <a:extLst>
+              <a:ext uri="{FF2B5EF4-FFF2-40B4-BE49-F238E27FC236}">
+                <a16:creationId xmlns:a16="http://schemas.microsoft.com/office/drawing/2014/main" id="{334603DC-825C-1A8D-0EDD-0E9D476469BE}"/>
+              </a:ext>
+            </a:extLst>
+          </p:cNvPr>
+          <p:cNvCxnSpPr>
+            <a:stCxn id="19" idx="3"/>
+            <a:endCxn id="20" idx="7"/>
+          </p:cNvCxnSpPr>
+          <p:nvPr/>
+        </p:nvCxnSpPr>
+        <p:spPr>
+          <a:xfrm flipH="1">
+            <a:off x="3226919" y="4193273"/>
+            <a:ext cx="565809" cy="454488"/>
+          </a:xfrm>
+          <a:prstGeom prst="straightConnector1">
+            <a:avLst/>
+          </a:prstGeom>
+          <a:ln>
+            <a:tailEnd type="triangle"/>
+          </a:ln>
+        </p:spPr>
+        <p:style>
+          <a:lnRef idx="2">
+            <a:schemeClr val="accent1"/>
+          </a:lnRef>
+          <a:fillRef idx="0">
+            <a:schemeClr val="accent1"/>
+          </a:fillRef>
+          <a:effectRef idx="1">
+            <a:schemeClr val="accent1"/>
+          </a:effectRef>
+          <a:fontRef idx="minor">
+            <a:schemeClr val="tx1"/>
+          </a:fontRef>
+        </p:style>
+      </p:cxnSp>
+      <p:cxnSp>
+        <p:nvCxnSpPr>
+          <p:cNvPr id="23" name="Straight Arrow Connector 22">
+            <a:extLst>
+              <a:ext uri="{FF2B5EF4-FFF2-40B4-BE49-F238E27FC236}">
+                <a16:creationId xmlns:a16="http://schemas.microsoft.com/office/drawing/2014/main" id="{1B5517B8-AEDA-BAAE-18F2-3E2533F4CD2B}"/>
+              </a:ext>
+            </a:extLst>
+          </p:cNvPr>
+          <p:cNvCxnSpPr>
+            <a:stCxn id="19" idx="5"/>
+            <a:endCxn id="21" idx="1"/>
+          </p:cNvCxnSpPr>
+          <p:nvPr/>
+        </p:nvCxnSpPr>
+        <p:spPr>
+          <a:xfrm>
+            <a:off x="4141319" y="4193273"/>
+            <a:ext cx="590988" cy="398831"/>
+          </a:xfrm>
+          <a:prstGeom prst="straightConnector1">
+            <a:avLst/>
+          </a:prstGeom>
+          <a:ln>
+            <a:tailEnd type="triangle"/>
+          </a:ln>
+        </p:spPr>
+        <p:style>
+          <a:lnRef idx="2">
+            <a:schemeClr val="accent1"/>
+          </a:lnRef>
+          <a:fillRef idx="0">
+            <a:schemeClr val="accent1"/>
+          </a:fillRef>
+          <a:effectRef idx="1">
+            <a:schemeClr val="accent1"/>
+          </a:effectRef>
+          <a:fontRef idx="minor">
+            <a:schemeClr val="tx1"/>
+          </a:fontRef>
+        </p:style>
+      </p:cxnSp>
+      <p:sp>
+        <p:nvSpPr>
+          <p:cNvPr id="26" name="Oval 25">
+            <a:extLst>
+              <a:ext uri="{FF2B5EF4-FFF2-40B4-BE49-F238E27FC236}">
+                <a16:creationId xmlns:a16="http://schemas.microsoft.com/office/drawing/2014/main" id="{82977FDB-9C85-F35B-6F5E-2E8C090F0B59}"/>
+              </a:ext>
+            </a:extLst>
+          </p:cNvPr>
+          <p:cNvSpPr/>
+          <p:nvPr/>
+        </p:nvSpPr>
+        <p:spPr>
+          <a:xfrm>
+            <a:off x="1881387" y="5562855"/>
+            <a:ext cx="492981" cy="492981"/>
+          </a:xfrm>
+          <a:prstGeom prst="ellipse">
+            <a:avLst/>
+          </a:prstGeom>
+        </p:spPr>
+        <p:style>
+          <a:lnRef idx="2">
+            <a:schemeClr val="accent1">
+              <a:shade val="15000"/>
+            </a:schemeClr>
+          </a:lnRef>
+          <a:fillRef idx="1">
+            <a:schemeClr val="accent1"/>
+          </a:fillRef>
+          <a:effectRef idx="0">
+            <a:schemeClr val="accent1"/>
+          </a:effectRef>
+          <a:fontRef idx="minor">
+            <a:schemeClr val="lt1"/>
+          </a:fontRef>
+        </p:style>
+        <p:txBody>
+          <a:bodyPr rtlCol="0" anchor="ctr"/>
+          <a:lstStyle/>
+          <a:p>
+            <a:pPr algn="ctr"/>
+            <a:r>
+              <a:rPr lang="en-US" dirty="0"/>
+              <a:t>C</a:t>
+            </a:r>
+          </a:p>
+        </p:txBody>
+      </p:sp>
+      <p:sp>
+        <p:nvSpPr>
+          <p:cNvPr id="27" name="Oval 26">
+            <a:extLst>
+              <a:ext uri="{FF2B5EF4-FFF2-40B4-BE49-F238E27FC236}">
+                <a16:creationId xmlns:a16="http://schemas.microsoft.com/office/drawing/2014/main" id="{5AA3E896-C3D9-3F29-4A78-5684E36EE2AD}"/>
+              </a:ext>
+            </a:extLst>
+          </p:cNvPr>
+          <p:cNvSpPr/>
+          <p:nvPr/>
+        </p:nvSpPr>
+        <p:spPr>
+          <a:xfrm>
+            <a:off x="3215263" y="5632277"/>
+            <a:ext cx="492981" cy="492981"/>
+          </a:xfrm>
+          <a:prstGeom prst="ellipse">
+            <a:avLst/>
+          </a:prstGeom>
+        </p:spPr>
+        <p:style>
+          <a:lnRef idx="2">
+            <a:schemeClr val="accent1">
+              <a:shade val="15000"/>
+            </a:schemeClr>
+          </a:lnRef>
+          <a:fillRef idx="1">
+            <a:schemeClr val="accent1"/>
+          </a:fillRef>
+          <a:effectRef idx="0">
+            <a:schemeClr val="accent1"/>
+          </a:effectRef>
+          <a:fontRef idx="minor">
+            <a:schemeClr val="lt1"/>
+          </a:fontRef>
+        </p:style>
+        <p:txBody>
+          <a:bodyPr rtlCol="0" anchor="ctr"/>
+          <a:lstStyle/>
+          <a:p>
+            <a:pPr algn="ctr"/>
+            <a:r>
+              <a:rPr lang="en-US" dirty="0"/>
+              <a:t>D</a:t>
+            </a:r>
+          </a:p>
+        </p:txBody>
+      </p:sp>
+      <p:cxnSp>
+        <p:nvCxnSpPr>
+          <p:cNvPr id="29" name="Straight Arrow Connector 28">
+            <a:extLst>
+              <a:ext uri="{FF2B5EF4-FFF2-40B4-BE49-F238E27FC236}">
+                <a16:creationId xmlns:a16="http://schemas.microsoft.com/office/drawing/2014/main" id="{5FF840F5-D0CF-9D26-47E5-641809559EA7}"/>
+              </a:ext>
+            </a:extLst>
+          </p:cNvPr>
+          <p:cNvCxnSpPr>
+            <a:stCxn id="20" idx="3"/>
+            <a:endCxn id="26" idx="7"/>
+          </p:cNvCxnSpPr>
+          <p:nvPr/>
+        </p:nvCxnSpPr>
+        <p:spPr>
+          <a:xfrm flipH="1">
+            <a:off x="2302173" y="4996352"/>
+            <a:ext cx="576155" cy="638698"/>
+          </a:xfrm>
+          <a:prstGeom prst="straightConnector1">
+            <a:avLst/>
+          </a:prstGeom>
+          <a:ln>
+            <a:tailEnd type="triangle"/>
+          </a:ln>
+        </p:spPr>
+        <p:style>
+          <a:lnRef idx="2">
+            <a:schemeClr val="accent1"/>
+          </a:lnRef>
+          <a:fillRef idx="0">
+            <a:schemeClr val="accent1"/>
+          </a:fillRef>
+          <a:effectRef idx="1">
+            <a:schemeClr val="accent1"/>
+          </a:effectRef>
+          <a:fontRef idx="minor">
+            <a:schemeClr val="tx1"/>
+          </a:fontRef>
+        </p:style>
+      </p:cxnSp>
+      <p:cxnSp>
+        <p:nvCxnSpPr>
+          <p:cNvPr id="31" name="Straight Arrow Connector 30">
+            <a:extLst>
+              <a:ext uri="{FF2B5EF4-FFF2-40B4-BE49-F238E27FC236}">
+                <a16:creationId xmlns:a16="http://schemas.microsoft.com/office/drawing/2014/main" id="{F953BF91-25D9-C37F-D4FF-8691E928CEAE}"/>
+              </a:ext>
+            </a:extLst>
+          </p:cNvPr>
+          <p:cNvCxnSpPr>
+            <a:stCxn id="20" idx="5"/>
+            <a:endCxn id="27" idx="0"/>
+          </p:cNvCxnSpPr>
+          <p:nvPr/>
+        </p:nvCxnSpPr>
+        <p:spPr>
+          <a:xfrm>
+            <a:off x="3226919" y="4996352"/>
+            <a:ext cx="234835" cy="635925"/>
+          </a:xfrm>
+          <a:prstGeom prst="straightConnector1">
+            <a:avLst/>
+          </a:prstGeom>
+          <a:ln>
+            <a:tailEnd type="triangle"/>
+          </a:ln>
+        </p:spPr>
+        <p:style>
+          <a:lnRef idx="2">
+            <a:schemeClr val="accent1"/>
+          </a:lnRef>
+          <a:fillRef idx="0">
+            <a:schemeClr val="accent1"/>
+          </a:fillRef>
+          <a:effectRef idx="1">
+            <a:schemeClr val="accent1"/>
+          </a:effectRef>
+          <a:fontRef idx="minor">
+            <a:schemeClr val="tx1"/>
+          </a:fontRef>
+        </p:style>
+      </p:cxnSp>
+      <p:sp>
+        <p:nvSpPr>
+          <p:cNvPr id="32" name="TextBox 31">
+            <a:extLst>
+              <a:ext uri="{FF2B5EF4-FFF2-40B4-BE49-F238E27FC236}">
+                <a16:creationId xmlns:a16="http://schemas.microsoft.com/office/drawing/2014/main" id="{66377ECA-C8D7-2F4B-1EEC-DE598A974F67}"/>
+              </a:ext>
+            </a:extLst>
+          </p:cNvPr>
+          <p:cNvSpPr txBox="1"/>
+          <p:nvPr/>
+        </p:nvSpPr>
+        <p:spPr>
+          <a:xfrm>
+            <a:off x="129190" y="5555601"/>
+            <a:ext cx="2081253" cy="646331"/>
+          </a:xfrm>
+          <a:prstGeom prst="rect">
+            <a:avLst/>
+          </a:prstGeom>
+          <a:noFill/>
+        </p:spPr>
+        <p:txBody>
+          <a:bodyPr wrap="square">
+            <a:spAutoFit/>
+          </a:bodyPr>
+          <a:lstStyle/>
+          <a:p>
+            <a:pPr marL="0" indent="0">
+              <a:buNone/>
+            </a:pPr>
+            <a:r>
+              <a:rPr lang="en-US" dirty="0">
+                <a:latin typeface="Nunito" pitchFamily="2" charset="0"/>
+              </a:rPr>
+              <a:t>f(C) = g(C)+h(C)</a:t>
+            </a:r>
+          </a:p>
+          <a:p>
+            <a:pPr marL="0" indent="0">
+              <a:buNone/>
+            </a:pPr>
+            <a:r>
+              <a:rPr lang="en-US" dirty="0">
+                <a:latin typeface="Nunito" pitchFamily="2" charset="0"/>
+              </a:rPr>
+              <a:t>       = 3+4 = 7</a:t>
+            </a:r>
+          </a:p>
+        </p:txBody>
+      </p:sp>
+      <p:sp>
+        <p:nvSpPr>
+          <p:cNvPr id="33" name="TextBox 32">
+            <a:extLst>
+              <a:ext uri="{FF2B5EF4-FFF2-40B4-BE49-F238E27FC236}">
+                <a16:creationId xmlns:a16="http://schemas.microsoft.com/office/drawing/2014/main" id="{E7DA940B-40B9-884E-5FD1-6575D97871FA}"/>
+              </a:ext>
+            </a:extLst>
+          </p:cNvPr>
+          <p:cNvSpPr txBox="1"/>
+          <p:nvPr/>
+        </p:nvSpPr>
+        <p:spPr>
+          <a:xfrm>
+            <a:off x="3744659" y="5691056"/>
+            <a:ext cx="2081253" cy="646331"/>
+          </a:xfrm>
+          <a:prstGeom prst="rect">
+            <a:avLst/>
+          </a:prstGeom>
+          <a:noFill/>
+        </p:spPr>
+        <p:txBody>
+          <a:bodyPr wrap="square">
+            <a:spAutoFit/>
+          </a:bodyPr>
+          <a:lstStyle/>
+          <a:p>
+            <a:pPr marL="0" indent="0">
+              <a:buNone/>
+            </a:pPr>
+            <a:r>
+              <a:rPr lang="en-US" dirty="0">
+                <a:latin typeface="Nunito" pitchFamily="2" charset="0"/>
+              </a:rPr>
+              <a:t>f(D) = g(D)+h(D)</a:t>
+            </a:r>
+          </a:p>
+          <a:p>
+            <a:pPr marL="0" indent="0">
+              <a:buNone/>
+            </a:pPr>
+            <a:r>
+              <a:rPr lang="en-US" dirty="0">
+                <a:latin typeface="Nunito" pitchFamily="2" charset="0"/>
+              </a:rPr>
+              <a:t>       = 4+3 = 7</a:t>
+            </a:r>
+          </a:p>
+        </p:txBody>
+      </p:sp>
+      <p:grpSp>
+        <p:nvGrpSpPr>
+          <p:cNvPr id="34" name="Group 33">
+            <a:extLst>
+              <a:ext uri="{FF2B5EF4-FFF2-40B4-BE49-F238E27FC236}">
+                <a16:creationId xmlns:a16="http://schemas.microsoft.com/office/drawing/2014/main" id="{29DF8FCE-7418-0888-F1B5-E5DA289503D8}"/>
+              </a:ext>
+            </a:extLst>
+          </p:cNvPr>
+          <p:cNvGrpSpPr/>
+          <p:nvPr/>
+        </p:nvGrpSpPr>
+        <p:grpSpPr>
+          <a:xfrm>
+            <a:off x="8484042" y="2862469"/>
+            <a:ext cx="3526934" cy="2588837"/>
+            <a:chOff x="6143429" y="2249354"/>
+            <a:chExt cx="4242299" cy="2864660"/>
+          </a:xfrm>
+        </p:grpSpPr>
+        <p:sp>
+          <p:nvSpPr>
+            <p:cNvPr id="35" name="Oval 34">
+              <a:extLst>
+                <a:ext uri="{FF2B5EF4-FFF2-40B4-BE49-F238E27FC236}">
+                  <a16:creationId xmlns:a16="http://schemas.microsoft.com/office/drawing/2014/main" id="{59B2565E-2134-32C7-00A0-72F9CC46012B}"/>
+                </a:ext>
+              </a:extLst>
+            </p:cNvPr>
+            <p:cNvSpPr/>
+            <p:nvPr/>
+          </p:nvSpPr>
+          <p:spPr>
+            <a:xfrm>
+              <a:off x="6162261" y="3053301"/>
+              <a:ext cx="492981" cy="492981"/>
+            </a:xfrm>
+            <a:prstGeom prst="ellipse">
+              <a:avLst/>
+            </a:prstGeom>
+          </p:spPr>
+          <p:style>
+            <a:lnRef idx="2">
+              <a:schemeClr val="accent1">
+                <a:shade val="15000"/>
+              </a:schemeClr>
+            </a:lnRef>
+            <a:fillRef idx="1">
+              <a:schemeClr val="accent1"/>
+            </a:fillRef>
+            <a:effectRef idx="0">
+              <a:schemeClr val="accent1"/>
+            </a:effectRef>
+            <a:fontRef idx="minor">
+              <a:schemeClr val="lt1"/>
+            </a:fontRef>
+          </p:style>
+          <p:txBody>
+            <a:bodyPr rtlCol="0" anchor="ctr"/>
+            <a:lstStyle/>
+            <a:p>
+              <a:pPr algn="ctr"/>
+              <a:r>
+                <a:rPr lang="en-US" dirty="0"/>
+                <a:t>A</a:t>
+              </a:r>
+            </a:p>
+          </p:txBody>
+        </p:sp>
+        <p:sp>
+          <p:nvSpPr>
+            <p:cNvPr id="36" name="Oval 35">
+              <a:extLst>
+                <a:ext uri="{FF2B5EF4-FFF2-40B4-BE49-F238E27FC236}">
+                  <a16:creationId xmlns:a16="http://schemas.microsoft.com/office/drawing/2014/main" id="{8E5306CE-30BC-0161-BCD7-9E301BF7A649}"/>
+                </a:ext>
+              </a:extLst>
+            </p:cNvPr>
+            <p:cNvSpPr/>
+            <p:nvPr/>
+          </p:nvSpPr>
+          <p:spPr>
+            <a:xfrm>
+              <a:off x="7268817" y="2259496"/>
+              <a:ext cx="492981" cy="492981"/>
+            </a:xfrm>
+            <a:prstGeom prst="ellipse">
+              <a:avLst/>
+            </a:prstGeom>
+          </p:spPr>
+          <p:style>
+            <a:lnRef idx="2">
+              <a:schemeClr val="accent1">
+                <a:shade val="15000"/>
+              </a:schemeClr>
+            </a:lnRef>
+            <a:fillRef idx="1">
+              <a:schemeClr val="accent1"/>
+            </a:fillRef>
+            <a:effectRef idx="0">
+              <a:schemeClr val="accent1"/>
+            </a:effectRef>
+            <a:fontRef idx="minor">
+              <a:schemeClr val="lt1"/>
+            </a:fontRef>
+          </p:style>
+          <p:txBody>
+            <a:bodyPr rtlCol="0" anchor="ctr"/>
+            <a:lstStyle/>
+            <a:p>
+              <a:pPr algn="ctr"/>
+              <a:r>
+                <a:rPr lang="en-US" dirty="0"/>
+                <a:t>B</a:t>
+              </a:r>
+            </a:p>
+          </p:txBody>
+        </p:sp>
+        <p:sp>
+          <p:nvSpPr>
+            <p:cNvPr id="37" name="Oval 36">
+              <a:extLst>
+                <a:ext uri="{FF2B5EF4-FFF2-40B4-BE49-F238E27FC236}">
+                  <a16:creationId xmlns:a16="http://schemas.microsoft.com/office/drawing/2014/main" id="{1A63DDE0-5C44-1692-3D5E-541918005E73}"/>
+                </a:ext>
+              </a:extLst>
+            </p:cNvPr>
+            <p:cNvSpPr/>
+            <p:nvPr/>
+          </p:nvSpPr>
+          <p:spPr>
+            <a:xfrm>
+              <a:off x="6266953" y="4295029"/>
+              <a:ext cx="492981" cy="492981"/>
+            </a:xfrm>
+            <a:prstGeom prst="ellipse">
+              <a:avLst/>
+            </a:prstGeom>
+          </p:spPr>
+          <p:style>
+            <a:lnRef idx="2">
+              <a:schemeClr val="accent1">
+                <a:shade val="15000"/>
+              </a:schemeClr>
+            </a:lnRef>
+            <a:fillRef idx="1">
+              <a:schemeClr val="accent1"/>
+            </a:fillRef>
+            <a:effectRef idx="0">
+              <a:schemeClr val="accent1"/>
+            </a:effectRef>
+            <a:fontRef idx="minor">
+              <a:schemeClr val="lt1"/>
+            </a:fontRef>
+          </p:style>
+          <p:txBody>
+            <a:bodyPr rtlCol="0" anchor="ctr"/>
+            <a:lstStyle/>
+            <a:p>
+              <a:pPr algn="ctr"/>
+              <a:r>
+                <a:rPr lang="en-US" dirty="0"/>
+                <a:t>C</a:t>
+              </a:r>
+            </a:p>
+          </p:txBody>
+        </p:sp>
+        <p:sp>
+          <p:nvSpPr>
+            <p:cNvPr id="38" name="Oval 37">
+              <a:extLst>
+                <a:ext uri="{FF2B5EF4-FFF2-40B4-BE49-F238E27FC236}">
+                  <a16:creationId xmlns:a16="http://schemas.microsoft.com/office/drawing/2014/main" id="{D37F23BD-3797-3F03-B819-B86C12CA28BB}"/>
+                </a:ext>
+              </a:extLst>
+            </p:cNvPr>
+            <p:cNvSpPr/>
+            <p:nvPr/>
+          </p:nvSpPr>
+          <p:spPr>
+            <a:xfrm>
+              <a:off x="7865166" y="4621032"/>
+              <a:ext cx="492981" cy="492981"/>
+            </a:xfrm>
+            <a:prstGeom prst="ellipse">
+              <a:avLst/>
+            </a:prstGeom>
+          </p:spPr>
+          <p:style>
+            <a:lnRef idx="2">
+              <a:schemeClr val="accent1">
+                <a:shade val="15000"/>
+              </a:schemeClr>
+            </a:lnRef>
+            <a:fillRef idx="1">
+              <a:schemeClr val="accent1"/>
+            </a:fillRef>
+            <a:effectRef idx="0">
+              <a:schemeClr val="accent1"/>
+            </a:effectRef>
+            <a:fontRef idx="minor">
+              <a:schemeClr val="lt1"/>
+            </a:fontRef>
+          </p:style>
+          <p:txBody>
+            <a:bodyPr rtlCol="0" anchor="ctr"/>
+            <a:lstStyle/>
+            <a:p>
+              <a:pPr algn="ctr"/>
+              <a:r>
+                <a:rPr lang="en-US" dirty="0"/>
+                <a:t>E</a:t>
+              </a:r>
+            </a:p>
+          </p:txBody>
+        </p:sp>
+        <p:sp>
+          <p:nvSpPr>
+            <p:cNvPr id="39" name="Oval 38">
+              <a:extLst>
+                <a:ext uri="{FF2B5EF4-FFF2-40B4-BE49-F238E27FC236}">
+                  <a16:creationId xmlns:a16="http://schemas.microsoft.com/office/drawing/2014/main" id="{27FAF2D2-4FF6-AED2-CE4C-20C258195A37}"/>
+                </a:ext>
+              </a:extLst>
+            </p:cNvPr>
+            <p:cNvSpPr/>
+            <p:nvPr/>
+          </p:nvSpPr>
+          <p:spPr>
+            <a:xfrm>
+              <a:off x="8676198" y="2625256"/>
+              <a:ext cx="492981" cy="492981"/>
+            </a:xfrm>
+            <a:prstGeom prst="ellipse">
+              <a:avLst/>
+            </a:prstGeom>
+          </p:spPr>
+          <p:style>
+            <a:lnRef idx="2">
+              <a:schemeClr val="accent1">
+                <a:shade val="15000"/>
+              </a:schemeClr>
+            </a:lnRef>
+            <a:fillRef idx="1">
+              <a:schemeClr val="accent1"/>
+            </a:fillRef>
+            <a:effectRef idx="0">
+              <a:schemeClr val="accent1"/>
+            </a:effectRef>
+            <a:fontRef idx="minor">
+              <a:schemeClr val="lt1"/>
+            </a:fontRef>
+          </p:style>
+          <p:txBody>
+            <a:bodyPr rtlCol="0" anchor="ctr"/>
+            <a:lstStyle/>
+            <a:p>
+              <a:pPr algn="ctr"/>
+              <a:r>
+                <a:rPr lang="en-US" dirty="0"/>
+                <a:t>D</a:t>
+              </a:r>
+            </a:p>
+          </p:txBody>
+        </p:sp>
+        <p:sp>
+          <p:nvSpPr>
+            <p:cNvPr id="40" name="Oval 39">
+              <a:extLst>
+                <a:ext uri="{FF2B5EF4-FFF2-40B4-BE49-F238E27FC236}">
+                  <a16:creationId xmlns:a16="http://schemas.microsoft.com/office/drawing/2014/main" id="{4D4267F4-D9D9-554E-AE40-9A8EC7CBD391}"/>
+                </a:ext>
+              </a:extLst>
+            </p:cNvPr>
+            <p:cNvSpPr/>
+            <p:nvPr/>
+          </p:nvSpPr>
+          <p:spPr>
+            <a:xfrm>
+              <a:off x="9892747" y="3391231"/>
+              <a:ext cx="492981" cy="492981"/>
+            </a:xfrm>
+            <a:prstGeom prst="ellipse">
+              <a:avLst/>
+            </a:prstGeom>
+          </p:spPr>
+          <p:style>
+            <a:lnRef idx="2">
+              <a:schemeClr val="accent1">
+                <a:shade val="15000"/>
+              </a:schemeClr>
+            </a:lnRef>
+            <a:fillRef idx="1">
+              <a:schemeClr val="accent1"/>
+            </a:fillRef>
+            <a:effectRef idx="0">
+              <a:schemeClr val="accent1"/>
+            </a:effectRef>
+            <a:fontRef idx="minor">
+              <a:schemeClr val="lt1"/>
+            </a:fontRef>
+          </p:style>
+          <p:txBody>
+            <a:bodyPr rtlCol="0" anchor="ctr"/>
+            <a:lstStyle/>
+            <a:p>
+              <a:pPr algn="ctr"/>
+              <a:r>
+                <a:rPr lang="en-US" dirty="0"/>
+                <a:t>F</a:t>
+              </a:r>
+            </a:p>
+          </p:txBody>
+        </p:sp>
+        <p:sp>
+          <p:nvSpPr>
+            <p:cNvPr id="41" name="Oval 40">
+              <a:extLst>
+                <a:ext uri="{FF2B5EF4-FFF2-40B4-BE49-F238E27FC236}">
+                  <a16:creationId xmlns:a16="http://schemas.microsoft.com/office/drawing/2014/main" id="{FF2A49D9-D1B2-8FC7-A558-C205AAE6AF35}"/>
+                </a:ext>
+              </a:extLst>
+            </p:cNvPr>
+            <p:cNvSpPr/>
+            <p:nvPr/>
+          </p:nvSpPr>
+          <p:spPr>
+            <a:xfrm>
+              <a:off x="9224838" y="4621033"/>
+              <a:ext cx="492981" cy="492981"/>
+            </a:xfrm>
+            <a:prstGeom prst="ellipse">
+              <a:avLst/>
+            </a:prstGeom>
+          </p:spPr>
+          <p:style>
+            <a:lnRef idx="2">
+              <a:schemeClr val="accent1">
+                <a:shade val="15000"/>
+              </a:schemeClr>
+            </a:lnRef>
+            <a:fillRef idx="1">
+              <a:schemeClr val="accent1"/>
+            </a:fillRef>
+            <a:effectRef idx="0">
+              <a:schemeClr val="accent1"/>
+            </a:effectRef>
+            <a:fontRef idx="minor">
+              <a:schemeClr val="lt1"/>
+            </a:fontRef>
+          </p:style>
+          <p:txBody>
+            <a:bodyPr rtlCol="0" anchor="ctr"/>
+            <a:lstStyle/>
+            <a:p>
+              <a:pPr algn="ctr"/>
+              <a:r>
+                <a:rPr lang="en-US" dirty="0"/>
+                <a:t>G</a:t>
+              </a:r>
+            </a:p>
+          </p:txBody>
+        </p:sp>
+        <p:cxnSp>
+          <p:nvCxnSpPr>
+            <p:cNvPr id="42" name="Straight Arrow Connector 41">
+              <a:extLst>
+                <a:ext uri="{FF2B5EF4-FFF2-40B4-BE49-F238E27FC236}">
+                  <a16:creationId xmlns:a16="http://schemas.microsoft.com/office/drawing/2014/main" id="{A3DDBCE0-FB3F-3883-9469-D55D169CE4B3}"/>
+                </a:ext>
+              </a:extLst>
+            </p:cNvPr>
+            <p:cNvCxnSpPr>
+              <a:stCxn id="35" idx="7"/>
+              <a:endCxn id="36" idx="3"/>
+            </p:cNvCxnSpPr>
+            <p:nvPr/>
+          </p:nvCxnSpPr>
+          <p:spPr>
+            <a:xfrm flipV="1">
+              <a:off x="6583047" y="2680282"/>
+              <a:ext cx="757965" cy="445214"/>
+            </a:xfrm>
+            <a:prstGeom prst="straightConnector1">
+              <a:avLst/>
+            </a:prstGeom>
+            <a:ln>
+              <a:tailEnd type="triangle"/>
+            </a:ln>
+          </p:spPr>
+          <p:style>
+            <a:lnRef idx="2">
+              <a:schemeClr val="accent1"/>
+            </a:lnRef>
+            <a:fillRef idx="0">
+              <a:schemeClr val="accent1"/>
+            </a:fillRef>
+            <a:effectRef idx="1">
+              <a:schemeClr val="accent1"/>
+            </a:effectRef>
+            <a:fontRef idx="minor">
+              <a:schemeClr val="tx1"/>
+            </a:fontRef>
+          </p:style>
+        </p:cxnSp>
+        <p:cxnSp>
+          <p:nvCxnSpPr>
+            <p:cNvPr id="43" name="Straight Arrow Connector 42">
+              <a:extLst>
+                <a:ext uri="{FF2B5EF4-FFF2-40B4-BE49-F238E27FC236}">
+                  <a16:creationId xmlns:a16="http://schemas.microsoft.com/office/drawing/2014/main" id="{34436841-774B-07CA-7C95-ADF892E9721A}"/>
+                </a:ext>
+              </a:extLst>
+            </p:cNvPr>
+            <p:cNvCxnSpPr>
+              <a:stCxn id="35" idx="4"/>
+              <a:endCxn id="37" idx="0"/>
+            </p:cNvCxnSpPr>
+            <p:nvPr/>
+          </p:nvCxnSpPr>
+          <p:spPr>
+            <a:xfrm>
+              <a:off x="6408752" y="3546282"/>
+              <a:ext cx="104692" cy="748747"/>
+            </a:xfrm>
+            <a:prstGeom prst="straightConnector1">
+              <a:avLst/>
+            </a:prstGeom>
+            <a:ln>
+              <a:tailEnd type="triangle"/>
+            </a:ln>
+          </p:spPr>
+          <p:style>
+            <a:lnRef idx="2">
+              <a:schemeClr val="accent1"/>
+            </a:lnRef>
+            <a:fillRef idx="0">
+              <a:schemeClr val="accent1"/>
+            </a:fillRef>
+            <a:effectRef idx="1">
+              <a:schemeClr val="accent1"/>
+            </a:effectRef>
+            <a:fontRef idx="minor">
+              <a:schemeClr val="tx1"/>
+            </a:fontRef>
+          </p:style>
+        </p:cxnSp>
+        <p:cxnSp>
+          <p:nvCxnSpPr>
+            <p:cNvPr id="44" name="Straight Arrow Connector 43">
+              <a:extLst>
+                <a:ext uri="{FF2B5EF4-FFF2-40B4-BE49-F238E27FC236}">
+                  <a16:creationId xmlns:a16="http://schemas.microsoft.com/office/drawing/2014/main" id="{5F95D867-2CBA-AFE8-3190-5C5539083D3A}"/>
+                </a:ext>
+              </a:extLst>
+            </p:cNvPr>
+            <p:cNvCxnSpPr>
+              <a:stCxn id="36" idx="6"/>
+              <a:endCxn id="39" idx="1"/>
+            </p:cNvCxnSpPr>
+            <p:nvPr/>
+          </p:nvCxnSpPr>
+          <p:spPr>
+            <a:xfrm>
+              <a:off x="7761798" y="2505987"/>
+              <a:ext cx="986595" cy="191464"/>
+            </a:xfrm>
+            <a:prstGeom prst="straightConnector1">
+              <a:avLst/>
+            </a:prstGeom>
+            <a:ln>
+              <a:tailEnd type="triangle"/>
+            </a:ln>
+          </p:spPr>
+          <p:style>
+            <a:lnRef idx="2">
+              <a:schemeClr val="accent1"/>
+            </a:lnRef>
+            <a:fillRef idx="0">
+              <a:schemeClr val="accent1"/>
+            </a:fillRef>
+            <a:effectRef idx="1">
+              <a:schemeClr val="accent1"/>
+            </a:effectRef>
+            <a:fontRef idx="minor">
+              <a:schemeClr val="tx1"/>
+            </a:fontRef>
+          </p:style>
+        </p:cxnSp>
+        <p:cxnSp>
+          <p:nvCxnSpPr>
+            <p:cNvPr id="45" name="Straight Arrow Connector 44">
+              <a:extLst>
+                <a:ext uri="{FF2B5EF4-FFF2-40B4-BE49-F238E27FC236}">
+                  <a16:creationId xmlns:a16="http://schemas.microsoft.com/office/drawing/2014/main" id="{FDCAB688-E40E-96E8-389A-C3C12E6DDEE4}"/>
+                </a:ext>
+              </a:extLst>
+            </p:cNvPr>
+            <p:cNvCxnSpPr>
+              <a:stCxn id="39" idx="6"/>
+              <a:endCxn id="40" idx="1"/>
+            </p:cNvCxnSpPr>
+            <p:nvPr/>
+          </p:nvCxnSpPr>
+          <p:spPr>
+            <a:xfrm>
+              <a:off x="9169179" y="2871747"/>
+              <a:ext cx="795763" cy="591679"/>
+            </a:xfrm>
+            <a:prstGeom prst="straightConnector1">
+              <a:avLst/>
+            </a:prstGeom>
+            <a:ln>
+              <a:tailEnd type="triangle"/>
+            </a:ln>
+          </p:spPr>
+          <p:style>
+            <a:lnRef idx="2">
+              <a:schemeClr val="accent1"/>
+            </a:lnRef>
+            <a:fillRef idx="0">
+              <a:schemeClr val="accent1"/>
+            </a:fillRef>
+            <a:effectRef idx="1">
+              <a:schemeClr val="accent1"/>
+            </a:effectRef>
+            <a:fontRef idx="minor">
+              <a:schemeClr val="tx1"/>
+            </a:fontRef>
+          </p:style>
+        </p:cxnSp>
+        <p:cxnSp>
+          <p:nvCxnSpPr>
+            <p:cNvPr id="46" name="Straight Arrow Connector 45">
+              <a:extLst>
+                <a:ext uri="{FF2B5EF4-FFF2-40B4-BE49-F238E27FC236}">
+                  <a16:creationId xmlns:a16="http://schemas.microsoft.com/office/drawing/2014/main" id="{920E079B-F062-A72C-8E94-FF0F59F1CD62}"/>
+                </a:ext>
+              </a:extLst>
+            </p:cNvPr>
+            <p:cNvCxnSpPr>
+              <a:stCxn id="40" idx="4"/>
+              <a:endCxn id="41" idx="7"/>
+            </p:cNvCxnSpPr>
+            <p:nvPr/>
+          </p:nvCxnSpPr>
+          <p:spPr>
+            <a:xfrm flipH="1">
+              <a:off x="9645624" y="3884212"/>
+              <a:ext cx="493614" cy="809016"/>
+            </a:xfrm>
+            <a:prstGeom prst="straightConnector1">
+              <a:avLst/>
+            </a:prstGeom>
+            <a:ln>
+              <a:tailEnd type="triangle"/>
+            </a:ln>
+          </p:spPr>
+          <p:style>
+            <a:lnRef idx="2">
+              <a:schemeClr val="accent1"/>
+            </a:lnRef>
+            <a:fillRef idx="0">
+              <a:schemeClr val="accent1"/>
+            </a:fillRef>
+            <a:effectRef idx="1">
+              <a:schemeClr val="accent1"/>
+            </a:effectRef>
+            <a:fontRef idx="minor">
+              <a:schemeClr val="tx1"/>
+            </a:fontRef>
+          </p:style>
+        </p:cxnSp>
+        <p:cxnSp>
+          <p:nvCxnSpPr>
+            <p:cNvPr id="47" name="Straight Arrow Connector 46">
+              <a:extLst>
+                <a:ext uri="{FF2B5EF4-FFF2-40B4-BE49-F238E27FC236}">
+                  <a16:creationId xmlns:a16="http://schemas.microsoft.com/office/drawing/2014/main" id="{5128C17E-E9EE-D025-033F-C6851580B9EB}"/>
+                </a:ext>
+              </a:extLst>
+            </p:cNvPr>
+            <p:cNvCxnSpPr>
+              <a:stCxn id="39" idx="4"/>
+              <a:endCxn id="41" idx="1"/>
+            </p:cNvCxnSpPr>
+            <p:nvPr/>
+          </p:nvCxnSpPr>
+          <p:spPr>
+            <a:xfrm>
+              <a:off x="8922689" y="3118237"/>
+              <a:ext cx="374344" cy="1574991"/>
+            </a:xfrm>
+            <a:prstGeom prst="straightConnector1">
+              <a:avLst/>
+            </a:prstGeom>
+            <a:ln>
+              <a:tailEnd type="triangle"/>
+            </a:ln>
+          </p:spPr>
+          <p:style>
+            <a:lnRef idx="2">
+              <a:schemeClr val="accent1"/>
+            </a:lnRef>
+            <a:fillRef idx="0">
+              <a:schemeClr val="accent1"/>
+            </a:fillRef>
+            <a:effectRef idx="1">
+              <a:schemeClr val="accent1"/>
+            </a:effectRef>
+            <a:fontRef idx="minor">
+              <a:schemeClr val="tx1"/>
+            </a:fontRef>
+          </p:style>
+        </p:cxnSp>
+        <p:cxnSp>
+          <p:nvCxnSpPr>
+            <p:cNvPr id="48" name="Straight Arrow Connector 47">
+              <a:extLst>
+                <a:ext uri="{FF2B5EF4-FFF2-40B4-BE49-F238E27FC236}">
+                  <a16:creationId xmlns:a16="http://schemas.microsoft.com/office/drawing/2014/main" id="{4882F365-6A6D-26BB-B14E-D97960789499}"/>
+                </a:ext>
+              </a:extLst>
+            </p:cNvPr>
+            <p:cNvCxnSpPr>
+              <a:stCxn id="36" idx="4"/>
+              <a:endCxn id="37" idx="7"/>
+            </p:cNvCxnSpPr>
+            <p:nvPr/>
+          </p:nvCxnSpPr>
+          <p:spPr>
+            <a:xfrm flipH="1">
+              <a:off x="6687739" y="2752477"/>
+              <a:ext cx="827569" cy="1614747"/>
+            </a:xfrm>
+            <a:prstGeom prst="straightConnector1">
+              <a:avLst/>
+            </a:prstGeom>
+            <a:ln>
+              <a:tailEnd type="triangle"/>
+            </a:ln>
+          </p:spPr>
+          <p:style>
+            <a:lnRef idx="2">
+              <a:schemeClr val="accent1"/>
+            </a:lnRef>
+            <a:fillRef idx="0">
+              <a:schemeClr val="accent1"/>
+            </a:fillRef>
+            <a:effectRef idx="1">
+              <a:schemeClr val="accent1"/>
+            </a:effectRef>
+            <a:fontRef idx="minor">
+              <a:schemeClr val="tx1"/>
+            </a:fontRef>
+          </p:style>
+        </p:cxnSp>
+        <p:cxnSp>
+          <p:nvCxnSpPr>
+            <p:cNvPr id="49" name="Straight Arrow Connector 48">
+              <a:extLst>
+                <a:ext uri="{FF2B5EF4-FFF2-40B4-BE49-F238E27FC236}">
+                  <a16:creationId xmlns:a16="http://schemas.microsoft.com/office/drawing/2014/main" id="{E755048D-B7D0-C7F3-36A0-6409DFA0D933}"/>
+                </a:ext>
+              </a:extLst>
+            </p:cNvPr>
+            <p:cNvCxnSpPr>
+              <a:stCxn id="37" idx="5"/>
+              <a:endCxn id="38" idx="2"/>
+            </p:cNvCxnSpPr>
+            <p:nvPr/>
+          </p:nvCxnSpPr>
+          <p:spPr>
+            <a:xfrm>
+              <a:off x="6687739" y="4715815"/>
+              <a:ext cx="1177427" cy="151708"/>
+            </a:xfrm>
+            <a:prstGeom prst="straightConnector1">
+              <a:avLst/>
+            </a:prstGeom>
+            <a:ln>
+              <a:tailEnd type="triangle"/>
+            </a:ln>
+          </p:spPr>
+          <p:style>
+            <a:lnRef idx="2">
+              <a:schemeClr val="accent1"/>
+            </a:lnRef>
+            <a:fillRef idx="0">
+              <a:schemeClr val="accent1"/>
+            </a:fillRef>
+            <a:effectRef idx="1">
+              <a:schemeClr val="accent1"/>
+            </a:effectRef>
+            <a:fontRef idx="minor">
+              <a:schemeClr val="tx1"/>
+            </a:fontRef>
+          </p:style>
+        </p:cxnSp>
+        <p:cxnSp>
+          <p:nvCxnSpPr>
+            <p:cNvPr id="50" name="Straight Arrow Connector 49">
+              <a:extLst>
+                <a:ext uri="{FF2B5EF4-FFF2-40B4-BE49-F238E27FC236}">
+                  <a16:creationId xmlns:a16="http://schemas.microsoft.com/office/drawing/2014/main" id="{60389194-6677-56AB-6C2E-0CB7C136436C}"/>
+                </a:ext>
+              </a:extLst>
+            </p:cNvPr>
+            <p:cNvCxnSpPr>
+              <a:stCxn id="38" idx="6"/>
+              <a:endCxn id="41" idx="2"/>
+            </p:cNvCxnSpPr>
+            <p:nvPr/>
+          </p:nvCxnSpPr>
+          <p:spPr>
+            <a:xfrm>
+              <a:off x="8358147" y="4867523"/>
+              <a:ext cx="866691" cy="1"/>
+            </a:xfrm>
+            <a:prstGeom prst="straightConnector1">
+              <a:avLst/>
+            </a:prstGeom>
+            <a:ln>
+              <a:tailEnd type="triangle"/>
+            </a:ln>
+          </p:spPr>
+          <p:style>
+            <a:lnRef idx="2">
+              <a:schemeClr val="accent1"/>
+            </a:lnRef>
+            <a:fillRef idx="0">
+              <a:schemeClr val="accent1"/>
+            </a:fillRef>
+            <a:effectRef idx="1">
+              <a:schemeClr val="accent1"/>
+            </a:effectRef>
+            <a:fontRef idx="minor">
+              <a:schemeClr val="tx1"/>
+            </a:fontRef>
+          </p:style>
+        </p:cxnSp>
+        <p:sp>
+          <p:nvSpPr>
+            <p:cNvPr id="51" name="TextBox 50">
+              <a:extLst>
+                <a:ext uri="{FF2B5EF4-FFF2-40B4-BE49-F238E27FC236}">
+                  <a16:creationId xmlns:a16="http://schemas.microsoft.com/office/drawing/2014/main" id="{C2883052-5E84-B355-D1E7-BF2F6919035C}"/>
+                </a:ext>
+              </a:extLst>
+            </p:cNvPr>
+            <p:cNvSpPr txBox="1"/>
+            <p:nvPr/>
+          </p:nvSpPr>
+          <p:spPr>
+            <a:xfrm>
+              <a:off x="6683425" y="2633870"/>
+              <a:ext cx="308098" cy="369332"/>
+            </a:xfrm>
+            <a:prstGeom prst="rect">
+              <a:avLst/>
+            </a:prstGeom>
+            <a:noFill/>
+          </p:spPr>
+          <p:txBody>
+            <a:bodyPr wrap="none" rtlCol="0">
+              <a:spAutoFit/>
+            </a:bodyPr>
+            <a:lstStyle/>
+            <a:p>
+              <a:r>
+                <a:rPr lang="en-US" dirty="0"/>
+                <a:t>1</a:t>
+              </a:r>
+            </a:p>
+          </p:txBody>
+        </p:sp>
+        <p:sp>
+          <p:nvSpPr>
+            <p:cNvPr id="52" name="TextBox 51">
+              <a:extLst>
+                <a:ext uri="{FF2B5EF4-FFF2-40B4-BE49-F238E27FC236}">
+                  <a16:creationId xmlns:a16="http://schemas.microsoft.com/office/drawing/2014/main" id="{C492CE68-2735-F688-E070-2AF8ED413D88}"/>
+                </a:ext>
+              </a:extLst>
+            </p:cNvPr>
+            <p:cNvSpPr txBox="1"/>
+            <p:nvPr/>
+          </p:nvSpPr>
+          <p:spPr>
+            <a:xfrm>
+              <a:off x="8044423" y="2249354"/>
+              <a:ext cx="308098" cy="369332"/>
+            </a:xfrm>
+            <a:prstGeom prst="rect">
+              <a:avLst/>
+            </a:prstGeom>
+            <a:noFill/>
+          </p:spPr>
+          <p:txBody>
+            <a:bodyPr wrap="none" rtlCol="0">
+              <a:spAutoFit/>
+            </a:bodyPr>
+            <a:lstStyle/>
+            <a:p>
+              <a:r>
+                <a:rPr lang="en-US" dirty="0"/>
+                <a:t>3</a:t>
+              </a:r>
+            </a:p>
+          </p:txBody>
+        </p:sp>
+        <p:sp>
+          <p:nvSpPr>
+            <p:cNvPr id="53" name="TextBox 52">
+              <a:extLst>
+                <a:ext uri="{FF2B5EF4-FFF2-40B4-BE49-F238E27FC236}">
+                  <a16:creationId xmlns:a16="http://schemas.microsoft.com/office/drawing/2014/main" id="{5470099F-8948-2EB8-FD8F-054481D844EC}"/>
+                </a:ext>
+              </a:extLst>
+            </p:cNvPr>
+            <p:cNvSpPr txBox="1"/>
+            <p:nvPr/>
+          </p:nvSpPr>
+          <p:spPr>
+            <a:xfrm>
+              <a:off x="6754987" y="3440898"/>
+              <a:ext cx="308098" cy="369332"/>
+            </a:xfrm>
+            <a:prstGeom prst="rect">
+              <a:avLst/>
+            </a:prstGeom>
+            <a:noFill/>
+          </p:spPr>
+          <p:txBody>
+            <a:bodyPr wrap="none" rtlCol="0">
+              <a:spAutoFit/>
+            </a:bodyPr>
+            <a:lstStyle/>
+            <a:p>
+              <a:r>
+                <a:rPr lang="en-US" dirty="0"/>
+                <a:t>2</a:t>
+              </a:r>
+            </a:p>
+          </p:txBody>
+        </p:sp>
+        <p:sp>
+          <p:nvSpPr>
+            <p:cNvPr id="54" name="TextBox 53">
+              <a:extLst>
+                <a:ext uri="{FF2B5EF4-FFF2-40B4-BE49-F238E27FC236}">
+                  <a16:creationId xmlns:a16="http://schemas.microsoft.com/office/drawing/2014/main" id="{545248B3-C4D7-E945-E733-F5FFE3736BCC}"/>
+                </a:ext>
+              </a:extLst>
+            </p:cNvPr>
+            <p:cNvSpPr txBox="1"/>
+            <p:nvPr/>
+          </p:nvSpPr>
+          <p:spPr>
+            <a:xfrm>
+              <a:off x="6143429" y="3699546"/>
+              <a:ext cx="308098" cy="369332"/>
+            </a:xfrm>
+            <a:prstGeom prst="rect">
+              <a:avLst/>
+            </a:prstGeom>
+            <a:noFill/>
+          </p:spPr>
+          <p:txBody>
+            <a:bodyPr wrap="none" rtlCol="0">
+              <a:spAutoFit/>
+            </a:bodyPr>
+            <a:lstStyle/>
+            <a:p>
+              <a:r>
+                <a:rPr lang="en-US" dirty="0"/>
+                <a:t>4</a:t>
+              </a:r>
+            </a:p>
+          </p:txBody>
+        </p:sp>
+        <p:sp>
+          <p:nvSpPr>
+            <p:cNvPr id="55" name="TextBox 54">
+              <a:extLst>
+                <a:ext uri="{FF2B5EF4-FFF2-40B4-BE49-F238E27FC236}">
+                  <a16:creationId xmlns:a16="http://schemas.microsoft.com/office/drawing/2014/main" id="{F0E25735-1202-B444-149F-2496B4A5DB28}"/>
+                </a:ext>
+              </a:extLst>
+            </p:cNvPr>
+            <p:cNvSpPr txBox="1"/>
+            <p:nvPr/>
+          </p:nvSpPr>
+          <p:spPr>
+            <a:xfrm>
+              <a:off x="9645624" y="4041308"/>
+              <a:ext cx="308098" cy="369332"/>
+            </a:xfrm>
+            <a:prstGeom prst="rect">
+              <a:avLst/>
+            </a:prstGeom>
+            <a:noFill/>
+          </p:spPr>
+          <p:txBody>
+            <a:bodyPr wrap="none" rtlCol="0">
+              <a:spAutoFit/>
+            </a:bodyPr>
+            <a:lstStyle/>
+            <a:p>
+              <a:r>
+                <a:rPr lang="en-US" dirty="0"/>
+                <a:t>1</a:t>
+              </a:r>
+            </a:p>
+          </p:txBody>
+        </p:sp>
+        <p:sp>
+          <p:nvSpPr>
+            <p:cNvPr id="56" name="TextBox 55">
+              <a:extLst>
+                <a:ext uri="{FF2B5EF4-FFF2-40B4-BE49-F238E27FC236}">
+                  <a16:creationId xmlns:a16="http://schemas.microsoft.com/office/drawing/2014/main" id="{71A3DE7C-59D8-CF1B-6E11-5CD8C9C7D00F}"/>
+                </a:ext>
+              </a:extLst>
+            </p:cNvPr>
+            <p:cNvSpPr txBox="1"/>
+            <p:nvPr/>
+          </p:nvSpPr>
+          <p:spPr>
+            <a:xfrm>
+              <a:off x="8827280" y="3637721"/>
+              <a:ext cx="308098" cy="369332"/>
+            </a:xfrm>
+            <a:prstGeom prst="rect">
+              <a:avLst/>
+            </a:prstGeom>
+            <a:noFill/>
+          </p:spPr>
+          <p:txBody>
+            <a:bodyPr wrap="none" rtlCol="0">
+              <a:spAutoFit/>
+            </a:bodyPr>
+            <a:lstStyle/>
+            <a:p>
+              <a:r>
+                <a:rPr lang="en-US" dirty="0"/>
+                <a:t>4</a:t>
+              </a:r>
+            </a:p>
+          </p:txBody>
+        </p:sp>
+        <p:sp>
+          <p:nvSpPr>
+            <p:cNvPr id="57" name="TextBox 56">
+              <a:extLst>
+                <a:ext uri="{FF2B5EF4-FFF2-40B4-BE49-F238E27FC236}">
+                  <a16:creationId xmlns:a16="http://schemas.microsoft.com/office/drawing/2014/main" id="{87F1B262-136E-BA18-F722-31BCB9C169CA}"/>
+                </a:ext>
+              </a:extLst>
+            </p:cNvPr>
+            <p:cNvSpPr txBox="1"/>
+            <p:nvPr/>
+          </p:nvSpPr>
+          <p:spPr>
+            <a:xfrm>
+              <a:off x="7101523" y="4440745"/>
+              <a:ext cx="308098" cy="369332"/>
+            </a:xfrm>
+            <a:prstGeom prst="rect">
+              <a:avLst/>
+            </a:prstGeom>
+            <a:noFill/>
+          </p:spPr>
+          <p:txBody>
+            <a:bodyPr wrap="none" rtlCol="0">
+              <a:spAutoFit/>
+            </a:bodyPr>
+            <a:lstStyle/>
+            <a:p>
+              <a:r>
+                <a:rPr lang="en-US" dirty="0"/>
+                <a:t>5</a:t>
+              </a:r>
+            </a:p>
+          </p:txBody>
+        </p:sp>
+        <p:sp>
+          <p:nvSpPr>
+            <p:cNvPr id="58" name="TextBox 57">
+              <a:extLst>
+                <a:ext uri="{FF2B5EF4-FFF2-40B4-BE49-F238E27FC236}">
+                  <a16:creationId xmlns:a16="http://schemas.microsoft.com/office/drawing/2014/main" id="{3F7196D1-7118-C616-3187-88FE872FD302}"/>
+                </a:ext>
+              </a:extLst>
+            </p:cNvPr>
+            <p:cNvSpPr txBox="1"/>
+            <p:nvPr/>
+          </p:nvSpPr>
+          <p:spPr>
+            <a:xfrm>
+              <a:off x="9415338" y="2848295"/>
+              <a:ext cx="308098" cy="369332"/>
+            </a:xfrm>
+            <a:prstGeom prst="rect">
+              <a:avLst/>
+            </a:prstGeom>
+            <a:noFill/>
+          </p:spPr>
+          <p:txBody>
+            <a:bodyPr wrap="none" rtlCol="0">
+              <a:spAutoFit/>
+            </a:bodyPr>
+            <a:lstStyle/>
+            <a:p>
+              <a:r>
+                <a:rPr lang="en-US" dirty="0"/>
+                <a:t>2</a:t>
+              </a:r>
+            </a:p>
+          </p:txBody>
+        </p:sp>
+        <p:sp>
+          <p:nvSpPr>
+            <p:cNvPr id="59" name="TextBox 58">
+              <a:extLst>
+                <a:ext uri="{FF2B5EF4-FFF2-40B4-BE49-F238E27FC236}">
+                  <a16:creationId xmlns:a16="http://schemas.microsoft.com/office/drawing/2014/main" id="{49CD961B-E73E-4659-476B-9AC3945574B2}"/>
+                </a:ext>
+              </a:extLst>
+            </p:cNvPr>
+            <p:cNvSpPr txBox="1"/>
+            <p:nvPr/>
+          </p:nvSpPr>
+          <p:spPr>
+            <a:xfrm>
+              <a:off x="8396622" y="4509916"/>
+              <a:ext cx="308098" cy="369332"/>
+            </a:xfrm>
+            <a:prstGeom prst="rect">
+              <a:avLst/>
+            </a:prstGeom>
+            <a:noFill/>
+          </p:spPr>
+          <p:txBody>
+            <a:bodyPr wrap="none" rtlCol="0">
+              <a:spAutoFit/>
+            </a:bodyPr>
+            <a:lstStyle/>
+            <a:p>
+              <a:r>
+                <a:rPr lang="en-US" dirty="0"/>
+                <a:t>3</a:t>
+              </a:r>
+            </a:p>
+          </p:txBody>
+        </p:sp>
+      </p:grpSp>
+      <p:graphicFrame>
+        <p:nvGraphicFramePr>
+          <p:cNvPr id="60" name="Table 59">
+            <a:extLst>
+              <a:ext uri="{FF2B5EF4-FFF2-40B4-BE49-F238E27FC236}">
+                <a16:creationId xmlns:a16="http://schemas.microsoft.com/office/drawing/2014/main" id="{FD505A26-89AE-4A51-A9E7-83A4E8A727AE}"/>
+              </a:ext>
+            </a:extLst>
+          </p:cNvPr>
+          <p:cNvGraphicFramePr>
+            <a:graphicFrameLocks noGrp="1"/>
+          </p:cNvGraphicFramePr>
+          <p:nvPr>
+            <p:extLst>
+              <p:ext uri="{D42A27DB-BD31-4B8C-83A1-F6EECF244321}">
+                <p14:modId xmlns:p14="http://schemas.microsoft.com/office/powerpoint/2010/main" val="3973177340"/>
+              </p:ext>
+            </p:extLst>
+          </p:nvPr>
+        </p:nvGraphicFramePr>
+        <p:xfrm>
+          <a:off x="7271431" y="2855425"/>
+          <a:ext cx="995238" cy="2595880"/>
+        </p:xfrm>
+        <a:graphic>
+          <a:graphicData uri="http://schemas.openxmlformats.org/drawingml/2006/table">
+            <a:tbl>
+              <a:tblPr bandRow="1">
+                <a:tableStyleId>{5C22544A-7EE6-4342-B048-85BDC9FD1C3A}</a:tableStyleId>
+              </a:tblPr>
+              <a:tblGrid>
+                <a:gridCol w="497619">
+                  <a:extLst>
+                    <a:ext uri="{9D8B030D-6E8A-4147-A177-3AD203B41FA5}">
+                      <a16:colId xmlns:a16="http://schemas.microsoft.com/office/drawing/2014/main" val="1597073156"/>
+                    </a:ext>
+                  </a:extLst>
+                </a:gridCol>
+                <a:gridCol w="497619">
+                  <a:extLst>
+                    <a:ext uri="{9D8B030D-6E8A-4147-A177-3AD203B41FA5}">
+                      <a16:colId xmlns:a16="http://schemas.microsoft.com/office/drawing/2014/main" val="2036348679"/>
+                    </a:ext>
+                  </a:extLst>
+                </a:gridCol>
+              </a:tblGrid>
+              <a:tr h="370840">
+                <a:tc>
+                  <a:txBody>
+                    <a:bodyPr/>
+                    <a:lstStyle/>
+                    <a:p>
+                      <a:pPr algn="ctr"/>
+                      <a:r>
+                        <a:rPr lang="en-US" dirty="0"/>
+                        <a:t>A</a:t>
+                      </a:r>
+                    </a:p>
+                  </a:txBody>
+                  <a:tcPr/>
+                </a:tc>
+                <a:tc>
+                  <a:txBody>
+                    <a:bodyPr/>
+                    <a:lstStyle/>
+                    <a:p>
+                      <a:pPr algn="ctr"/>
+                      <a:r>
+                        <a:rPr lang="en-US" dirty="0"/>
+                        <a:t>5</a:t>
+                      </a:r>
+                    </a:p>
+                  </a:txBody>
+                  <a:tcPr/>
+                </a:tc>
+                <a:extLst>
+                  <a:ext uri="{0D108BD9-81ED-4DB2-BD59-A6C34878D82A}">
+                    <a16:rowId xmlns:a16="http://schemas.microsoft.com/office/drawing/2014/main" val="352641686"/>
+                  </a:ext>
+                </a:extLst>
+              </a:tr>
+              <a:tr h="370840">
+                <a:tc>
+                  <a:txBody>
+                    <a:bodyPr/>
+                    <a:lstStyle/>
+                    <a:p>
+                      <a:pPr algn="ctr"/>
+                      <a:r>
+                        <a:rPr lang="en-US" dirty="0"/>
+                        <a:t>B</a:t>
+                      </a:r>
+                    </a:p>
+                  </a:txBody>
+                  <a:tcPr/>
+                </a:tc>
+                <a:tc>
+                  <a:txBody>
+                    <a:bodyPr/>
+                    <a:lstStyle/>
+                    <a:p>
+                      <a:pPr algn="ctr"/>
+                      <a:r>
+                        <a:rPr lang="en-US" dirty="0"/>
+                        <a:t>6</a:t>
+                      </a:r>
+                    </a:p>
+                  </a:txBody>
+                  <a:tcPr/>
+                </a:tc>
+                <a:extLst>
+                  <a:ext uri="{0D108BD9-81ED-4DB2-BD59-A6C34878D82A}">
+                    <a16:rowId xmlns:a16="http://schemas.microsoft.com/office/drawing/2014/main" val="3399540780"/>
+                  </a:ext>
+                </a:extLst>
+              </a:tr>
+              <a:tr h="370840">
+                <a:tc>
+                  <a:txBody>
+                    <a:bodyPr/>
+                    <a:lstStyle/>
+                    <a:p>
+                      <a:pPr algn="ctr"/>
+                      <a:r>
+                        <a:rPr lang="en-US" dirty="0"/>
+                        <a:t>C</a:t>
+                      </a:r>
+                    </a:p>
+                  </a:txBody>
+                  <a:tcPr/>
+                </a:tc>
+                <a:tc>
+                  <a:txBody>
+                    <a:bodyPr/>
+                    <a:lstStyle/>
+                    <a:p>
+                      <a:pPr algn="ctr"/>
+                      <a:r>
+                        <a:rPr lang="en-US" dirty="0"/>
+                        <a:t>4</a:t>
+                      </a:r>
+                    </a:p>
+                  </a:txBody>
+                  <a:tcPr/>
+                </a:tc>
+                <a:extLst>
+                  <a:ext uri="{0D108BD9-81ED-4DB2-BD59-A6C34878D82A}">
+                    <a16:rowId xmlns:a16="http://schemas.microsoft.com/office/drawing/2014/main" val="2999956310"/>
+                  </a:ext>
+                </a:extLst>
+              </a:tr>
+              <a:tr h="370840">
+                <a:tc>
+                  <a:txBody>
+                    <a:bodyPr/>
+                    <a:lstStyle/>
+                    <a:p>
+                      <a:pPr algn="ctr"/>
+                      <a:r>
+                        <a:rPr lang="en-US" dirty="0"/>
+                        <a:t>D</a:t>
+                      </a:r>
+                    </a:p>
+                  </a:txBody>
+                  <a:tcPr/>
+                </a:tc>
+                <a:tc>
+                  <a:txBody>
+                    <a:bodyPr/>
+                    <a:lstStyle/>
+                    <a:p>
+                      <a:pPr algn="ctr"/>
+                      <a:r>
+                        <a:rPr lang="en-US" dirty="0"/>
+                        <a:t>3</a:t>
+                      </a:r>
+                    </a:p>
+                  </a:txBody>
+                  <a:tcPr/>
+                </a:tc>
+                <a:extLst>
+                  <a:ext uri="{0D108BD9-81ED-4DB2-BD59-A6C34878D82A}">
+                    <a16:rowId xmlns:a16="http://schemas.microsoft.com/office/drawing/2014/main" val="1857605057"/>
+                  </a:ext>
+                </a:extLst>
+              </a:tr>
+              <a:tr h="370840">
+                <a:tc>
+                  <a:txBody>
+                    <a:bodyPr/>
+                    <a:lstStyle/>
+                    <a:p>
+                      <a:pPr algn="ctr"/>
+                      <a:r>
+                        <a:rPr lang="en-US" dirty="0"/>
+                        <a:t>E</a:t>
+                      </a:r>
+                    </a:p>
+                  </a:txBody>
+                  <a:tcPr/>
+                </a:tc>
+                <a:tc>
+                  <a:txBody>
+                    <a:bodyPr/>
+                    <a:lstStyle/>
+                    <a:p>
+                      <a:pPr algn="ctr"/>
+                      <a:r>
+                        <a:rPr lang="en-US" dirty="0"/>
+                        <a:t>3</a:t>
+                      </a:r>
+                    </a:p>
+                  </a:txBody>
+                  <a:tcPr/>
+                </a:tc>
+                <a:extLst>
+                  <a:ext uri="{0D108BD9-81ED-4DB2-BD59-A6C34878D82A}">
+                    <a16:rowId xmlns:a16="http://schemas.microsoft.com/office/drawing/2014/main" val="555217022"/>
+                  </a:ext>
+                </a:extLst>
+              </a:tr>
+              <a:tr h="370840">
+                <a:tc>
+                  <a:txBody>
+                    <a:bodyPr/>
+                    <a:lstStyle/>
+                    <a:p>
+                      <a:pPr algn="ctr"/>
+                      <a:r>
+                        <a:rPr lang="en-US" dirty="0"/>
+                        <a:t>F</a:t>
+                      </a:r>
+                    </a:p>
+                  </a:txBody>
+                  <a:tcPr/>
+                </a:tc>
+                <a:tc>
+                  <a:txBody>
+                    <a:bodyPr/>
+                    <a:lstStyle/>
+                    <a:p>
+                      <a:pPr algn="ctr"/>
+                      <a:r>
+                        <a:rPr lang="en-US" dirty="0"/>
+                        <a:t>3</a:t>
+                      </a:r>
+                    </a:p>
+                  </a:txBody>
+                  <a:tcPr/>
+                </a:tc>
+                <a:extLst>
+                  <a:ext uri="{0D108BD9-81ED-4DB2-BD59-A6C34878D82A}">
+                    <a16:rowId xmlns:a16="http://schemas.microsoft.com/office/drawing/2014/main" val="2801233636"/>
+                  </a:ext>
+                </a:extLst>
+              </a:tr>
+              <a:tr h="370840">
+                <a:tc>
+                  <a:txBody>
+                    <a:bodyPr/>
+                    <a:lstStyle/>
+                    <a:p>
+                      <a:pPr algn="ctr"/>
+                      <a:r>
+                        <a:rPr lang="en-US" dirty="0"/>
+                        <a:t>G</a:t>
+                      </a:r>
+                    </a:p>
+                  </a:txBody>
+                  <a:tcPr/>
+                </a:tc>
+                <a:tc>
+                  <a:txBody>
+                    <a:bodyPr/>
+                    <a:lstStyle/>
+                    <a:p>
+                      <a:pPr algn="ctr"/>
+                      <a:r>
+                        <a:rPr lang="en-US" dirty="0"/>
+                        <a:t>0</a:t>
+                      </a:r>
+                    </a:p>
+                  </a:txBody>
+                  <a:tcPr/>
+                </a:tc>
+                <a:extLst>
+                  <a:ext uri="{0D108BD9-81ED-4DB2-BD59-A6C34878D82A}">
+                    <a16:rowId xmlns:a16="http://schemas.microsoft.com/office/drawing/2014/main" val="3275058254"/>
+                  </a:ext>
+                </a:extLst>
+              </a:tr>
+            </a:tbl>
+          </a:graphicData>
+        </a:graphic>
+      </p:graphicFrame>
+      <p:sp>
+        <p:nvSpPr>
+          <p:cNvPr id="61" name="TextBox 60">
+            <a:extLst>
+              <a:ext uri="{FF2B5EF4-FFF2-40B4-BE49-F238E27FC236}">
+                <a16:creationId xmlns:a16="http://schemas.microsoft.com/office/drawing/2014/main" id="{517E6E32-69A6-E268-8869-93C7A72DF98F}"/>
+              </a:ext>
+            </a:extLst>
+          </p:cNvPr>
+          <p:cNvSpPr txBox="1"/>
+          <p:nvPr/>
+        </p:nvSpPr>
+        <p:spPr>
+          <a:xfrm>
+            <a:off x="8572310" y="6281100"/>
+            <a:ext cx="1784976" cy="369332"/>
+          </a:xfrm>
+          <a:prstGeom prst="rect">
+            <a:avLst/>
+          </a:prstGeom>
+          <a:noFill/>
+        </p:spPr>
+        <p:txBody>
+          <a:bodyPr wrap="none" rtlCol="0">
+            <a:spAutoFit/>
+          </a:bodyPr>
+          <a:lstStyle/>
+          <a:p>
+            <a:r>
+              <a:rPr lang="en-US" dirty="0"/>
+              <a:t>Complete this…</a:t>
+            </a:r>
+          </a:p>
+        </p:txBody>
+      </p:sp>
+    </p:spTree>
+    <p:extLst>
+      <p:ext uri="{BB962C8B-B14F-4D97-AF65-F5344CB8AC3E}">
+        <p14:creationId xmlns:p14="http://schemas.microsoft.com/office/powerpoint/2010/main" val="1564016681"/>
       </p:ext>
     </p:extLst>
   </p:cSld>
